--- a/lecture-materials/Compute/11-beanstalk/beanstalk.pptx
+++ b/lecture-materials/Compute/11-beanstalk/beanstalk.pptx
@@ -1471,7 +1471,7 @@
           <a:p>
             <a:fld id="{C1468481-4C34-B64A-B597-EEF7255B9D8C}" type="datetimeFigureOut">
               <a:rPr lang="en-CH" smtClean="0"/>
-              <a:t>25.11.2023</a:t>
+              <a:t>09.12.2023</a:t>
             </a:fld>
             <a:endParaRPr lang="en-CH"/>
           </a:p>
@@ -1681,7 +1681,7 @@
           <a:p>
             <a:fld id="{C1468481-4C34-B64A-B597-EEF7255B9D8C}" type="datetimeFigureOut">
               <a:rPr lang="en-CH" smtClean="0"/>
-              <a:t>25.11.2023</a:t>
+              <a:t>09.12.2023</a:t>
             </a:fld>
             <a:endParaRPr lang="en-CH"/>
           </a:p>
@@ -1901,7 +1901,7 @@
           <a:p>
             <a:fld id="{C1468481-4C34-B64A-B597-EEF7255B9D8C}" type="datetimeFigureOut">
               <a:rPr lang="en-CH" smtClean="0"/>
-              <a:t>25.11.2023</a:t>
+              <a:t>09.12.2023</a:t>
             </a:fld>
             <a:endParaRPr lang="en-CH"/>
           </a:p>
@@ -2111,7 +2111,7 @@
           <a:p>
             <a:fld id="{C1468481-4C34-B64A-B597-EEF7255B9D8C}" type="datetimeFigureOut">
               <a:rPr lang="en-CH" smtClean="0"/>
-              <a:t>25.11.2023</a:t>
+              <a:t>09.12.2023</a:t>
             </a:fld>
             <a:endParaRPr lang="en-CH"/>
           </a:p>
@@ -2397,7 +2397,7 @@
           <a:p>
             <a:fld id="{C1468481-4C34-B64A-B597-EEF7255B9D8C}" type="datetimeFigureOut">
               <a:rPr lang="en-CH" smtClean="0"/>
-              <a:t>25.11.2023</a:t>
+              <a:t>09.12.2023</a:t>
             </a:fld>
             <a:endParaRPr lang="en-CH"/>
           </a:p>
@@ -2675,7 +2675,7 @@
           <a:p>
             <a:fld id="{C1468481-4C34-B64A-B597-EEF7255B9D8C}" type="datetimeFigureOut">
               <a:rPr lang="en-CH" smtClean="0"/>
-              <a:t>25.11.2023</a:t>
+              <a:t>09.12.2023</a:t>
             </a:fld>
             <a:endParaRPr lang="en-CH"/>
           </a:p>
@@ -3100,7 +3100,7 @@
           <a:p>
             <a:fld id="{C1468481-4C34-B64A-B597-EEF7255B9D8C}" type="datetimeFigureOut">
               <a:rPr lang="en-CH" smtClean="0"/>
-              <a:t>25.11.2023</a:t>
+              <a:t>09.12.2023</a:t>
             </a:fld>
             <a:endParaRPr lang="en-CH"/>
           </a:p>
@@ -3252,7 +3252,7 @@
           <a:p>
             <a:fld id="{C1468481-4C34-B64A-B597-EEF7255B9D8C}" type="datetimeFigureOut">
               <a:rPr lang="en-CH" smtClean="0"/>
-              <a:t>25.11.2023</a:t>
+              <a:t>09.12.2023</a:t>
             </a:fld>
             <a:endParaRPr lang="en-CH"/>
           </a:p>
@@ -3375,7 +3375,7 @@
           <a:p>
             <a:fld id="{C1468481-4C34-B64A-B597-EEF7255B9D8C}" type="datetimeFigureOut">
               <a:rPr lang="en-CH" smtClean="0"/>
-              <a:t>25.11.2023</a:t>
+              <a:t>09.12.2023</a:t>
             </a:fld>
             <a:endParaRPr lang="en-CH"/>
           </a:p>
@@ -3697,7 +3697,7 @@
           <a:p>
             <a:fld id="{C1468481-4C34-B64A-B597-EEF7255B9D8C}" type="datetimeFigureOut">
               <a:rPr lang="en-CH" smtClean="0"/>
-              <a:t>25.11.2023</a:t>
+              <a:t>09.12.2023</a:t>
             </a:fld>
             <a:endParaRPr lang="en-CH"/>
           </a:p>
@@ -3996,7 +3996,7 @@
           <a:p>
             <a:fld id="{C1468481-4C34-B64A-B597-EEF7255B9D8C}" type="datetimeFigureOut">
               <a:rPr lang="en-CH" smtClean="0"/>
-              <a:t>25.11.2023</a:t>
+              <a:t>09.12.2023</a:t>
             </a:fld>
             <a:endParaRPr lang="en-CH"/>
           </a:p>
@@ -4249,7 +4249,7 @@
           <a:p>
             <a:fld id="{C1468481-4C34-B64A-B597-EEF7255B9D8C}" type="datetimeFigureOut">
               <a:rPr lang="en-CH" smtClean="0"/>
-              <a:t>25.11.2023</a:t>
+              <a:t>09.12.2023</a:t>
             </a:fld>
             <a:endParaRPr lang="en-CH"/>
           </a:p>

--- a/lecture-materials/Compute/11-beanstalk/beanstalk.pptx
+++ b/lecture-materials/Compute/11-beanstalk/beanstalk.pptx
@@ -5,7 +5,7 @@
     <p:sldMasterId id="2147483675" r:id="rId1"/>
   </p:sldMasterIdLst>
   <p:notesMasterIdLst>
-    <p:notesMasterId r:id="rId9"/>
+    <p:notesMasterId r:id="rId14"/>
   </p:notesMasterIdLst>
   <p:sldIdLst>
     <p:sldId id="257" r:id="rId2"/>
@@ -14,29 +14,34 @@
     <p:sldId id="260" r:id="rId5"/>
     <p:sldId id="261" r:id="rId6"/>
     <p:sldId id="262" r:id="rId7"/>
-    <p:sldId id="263" r:id="rId8"/>
+    <p:sldId id="264" r:id="rId8"/>
+    <p:sldId id="265" r:id="rId9"/>
+    <p:sldId id="266" r:id="rId10"/>
+    <p:sldId id="267" r:id="rId11"/>
+    <p:sldId id="268" r:id="rId12"/>
+    <p:sldId id="263" r:id="rId13"/>
   </p:sldIdLst>
   <p:sldSz cx="9144000" cy="5143500" type="screen16x9"/>
   <p:notesSz cx="6858000" cy="9144000"/>
   <p:embeddedFontLst>
     <p:embeddedFont>
       <p:font typeface="Calibri" panose="020F0502020204030204" pitchFamily="34" charset="0"/>
-      <p:regular r:id="rId10"/>
-      <p:bold r:id="rId11"/>
-      <p:italic r:id="rId12"/>
-      <p:boldItalic r:id="rId13"/>
+      <p:regular r:id="rId15"/>
+      <p:bold r:id="rId16"/>
+      <p:italic r:id="rId17"/>
+      <p:boldItalic r:id="rId18"/>
     </p:embeddedFont>
     <p:embeddedFont>
       <p:font typeface="Calibri Light" panose="020F0302020204030204" pitchFamily="34" charset="0"/>
-      <p:regular r:id="rId14"/>
-      <p:italic r:id="rId15"/>
+      <p:regular r:id="rId19"/>
+      <p:italic r:id="rId20"/>
     </p:embeddedFont>
     <p:embeddedFont>
-      <p:font typeface="Economica" panose="02000506040000020004" pitchFamily="2" charset="77"/>
-      <p:regular r:id="rId16"/>
-      <p:bold r:id="rId17"/>
-      <p:italic r:id="rId18"/>
-      <p:boldItalic r:id="rId19"/>
+      <p:font typeface="Economica"/>
+      <p:regular r:id="rId21"/>
+      <p:bold r:id="rId22"/>
+      <p:italic r:id="rId23"/>
+      <p:boldItalic r:id="rId24"/>
     </p:embeddedFont>
   </p:embeddedFontLst>
   <p:defaultTextStyle>
@@ -1471,7 +1476,7 @@
           <a:p>
             <a:fld id="{C1468481-4C34-B64A-B597-EEF7255B9D8C}" type="datetimeFigureOut">
               <a:rPr lang="en-CH" smtClean="0"/>
-              <a:t>09.12.2023</a:t>
+              <a:t>17.12.2023</a:t>
             </a:fld>
             <a:endParaRPr lang="en-CH"/>
           </a:p>
@@ -1681,7 +1686,7 @@
           <a:p>
             <a:fld id="{C1468481-4C34-B64A-B597-EEF7255B9D8C}" type="datetimeFigureOut">
               <a:rPr lang="en-CH" smtClean="0"/>
-              <a:t>09.12.2023</a:t>
+              <a:t>17.12.2023</a:t>
             </a:fld>
             <a:endParaRPr lang="en-CH"/>
           </a:p>
@@ -1901,7 +1906,7 @@
           <a:p>
             <a:fld id="{C1468481-4C34-B64A-B597-EEF7255B9D8C}" type="datetimeFigureOut">
               <a:rPr lang="en-CH" smtClean="0"/>
-              <a:t>09.12.2023</a:t>
+              <a:t>17.12.2023</a:t>
             </a:fld>
             <a:endParaRPr lang="en-CH"/>
           </a:p>
@@ -2111,7 +2116,7 @@
           <a:p>
             <a:fld id="{C1468481-4C34-B64A-B597-EEF7255B9D8C}" type="datetimeFigureOut">
               <a:rPr lang="en-CH" smtClean="0"/>
-              <a:t>09.12.2023</a:t>
+              <a:t>17.12.2023</a:t>
             </a:fld>
             <a:endParaRPr lang="en-CH"/>
           </a:p>
@@ -2397,7 +2402,7 @@
           <a:p>
             <a:fld id="{C1468481-4C34-B64A-B597-EEF7255B9D8C}" type="datetimeFigureOut">
               <a:rPr lang="en-CH" smtClean="0"/>
-              <a:t>09.12.2023</a:t>
+              <a:t>17.12.2023</a:t>
             </a:fld>
             <a:endParaRPr lang="en-CH"/>
           </a:p>
@@ -2675,7 +2680,7 @@
           <a:p>
             <a:fld id="{C1468481-4C34-B64A-B597-EEF7255B9D8C}" type="datetimeFigureOut">
               <a:rPr lang="en-CH" smtClean="0"/>
-              <a:t>09.12.2023</a:t>
+              <a:t>17.12.2023</a:t>
             </a:fld>
             <a:endParaRPr lang="en-CH"/>
           </a:p>
@@ -3100,7 +3105,7 @@
           <a:p>
             <a:fld id="{C1468481-4C34-B64A-B597-EEF7255B9D8C}" type="datetimeFigureOut">
               <a:rPr lang="en-CH" smtClean="0"/>
-              <a:t>09.12.2023</a:t>
+              <a:t>17.12.2023</a:t>
             </a:fld>
             <a:endParaRPr lang="en-CH"/>
           </a:p>
@@ -3252,7 +3257,7 @@
           <a:p>
             <a:fld id="{C1468481-4C34-B64A-B597-EEF7255B9D8C}" type="datetimeFigureOut">
               <a:rPr lang="en-CH" smtClean="0"/>
-              <a:t>09.12.2023</a:t>
+              <a:t>17.12.2023</a:t>
             </a:fld>
             <a:endParaRPr lang="en-CH"/>
           </a:p>
@@ -3375,7 +3380,7 @@
           <a:p>
             <a:fld id="{C1468481-4C34-B64A-B597-EEF7255B9D8C}" type="datetimeFigureOut">
               <a:rPr lang="en-CH" smtClean="0"/>
-              <a:t>09.12.2023</a:t>
+              <a:t>17.12.2023</a:t>
             </a:fld>
             <a:endParaRPr lang="en-CH"/>
           </a:p>
@@ -3697,7 +3702,7 @@
           <a:p>
             <a:fld id="{C1468481-4C34-B64A-B597-EEF7255B9D8C}" type="datetimeFigureOut">
               <a:rPr lang="en-CH" smtClean="0"/>
-              <a:t>09.12.2023</a:t>
+              <a:t>17.12.2023</a:t>
             </a:fld>
             <a:endParaRPr lang="en-CH"/>
           </a:p>
@@ -3996,7 +4001,7 @@
           <a:p>
             <a:fld id="{C1468481-4C34-B64A-B597-EEF7255B9D8C}" type="datetimeFigureOut">
               <a:rPr lang="en-CH" smtClean="0"/>
-              <a:t>09.12.2023</a:t>
+              <a:t>17.12.2023</a:t>
             </a:fld>
             <a:endParaRPr lang="en-CH"/>
           </a:p>
@@ -4249,7 +4254,7 @@
           <a:p>
             <a:fld id="{C1468481-4C34-B64A-B597-EEF7255B9D8C}" type="datetimeFigureOut">
               <a:rPr lang="en-CH" smtClean="0"/>
-              <a:t>09.12.2023</a:t>
+              <a:t>17.12.2023</a:t>
             </a:fld>
             <a:endParaRPr lang="en-CH"/>
           </a:p>
@@ -6099,7 +6104,7 @@
 </p:sld>
 </file>
 
-<file path=ppt/slides/slide2.xml><?xml version="1.0" encoding="utf-8"?>
+<file path=ppt/slides/slide10.xml><?xml version="1.0" encoding="utf-8"?>
 <p:sld xmlns:a="http://schemas.openxmlformats.org/drawingml/2006/main" xmlns:r="http://schemas.openxmlformats.org/officeDocument/2006/relationships" xmlns:p="http://schemas.openxmlformats.org/presentationml/2006/main">
   <p:cSld>
     <p:bg>
@@ -6112,7 +6117,7 @@
     </p:bg>
     <p:spTree>
       <p:nvGrpSpPr>
-        <p:cNvPr id="1" name="Shape 141"/>
+        <p:cNvPr id="1" name=""/>
         <p:cNvGrpSpPr/>
         <p:nvPr/>
       </p:nvGrpSpPr>
@@ -6124,12 +6129,12 @@
           <a:chExt cx="0" cy="0"/>
         </a:xfrm>
       </p:grpSpPr>
-      <p:sp useBgFill="1">
+      <p:sp>
         <p:nvSpPr>
-          <p:cNvPr id="153" name="Rectangle 152">
+          <p:cNvPr id="6151" name="Down Arrow 7">
             <a:extLst>
               <a:ext uri="{FF2B5EF4-FFF2-40B4-BE49-F238E27FC236}">
-                <a16:creationId xmlns:a16="http://schemas.microsoft.com/office/drawing/2014/main" id="{743AA782-23D1-4521-8CAD-47662984AA08}"/>
+                <a16:creationId xmlns:a16="http://schemas.microsoft.com/office/drawing/2014/main" id="{D4771268-CB57-404A-9271-370EB28F6090}"/>
               </a:ext>
               <a:ext uri="{C183D7F6-B498-43B3-948B-1728B52AA6E4}">
                 <adec:decorative xmlns:adec="http://schemas.microsoft.com/office/drawing/2017/decorative" val="1"/>
@@ -6148,14 +6153,20 @@
           </p:nvPr>
         </p:nvSpPr>
         <p:spPr>
-          <a:xfrm>
-            <a:off x="0" y="0"/>
-            <a:ext cx="9144000" cy="5143500"/>
+          <a:xfrm rot="16200000">
+            <a:off x="600075" y="1118507"/>
+            <a:ext cx="2500312" cy="2624327"/>
           </a:xfrm>
-          <a:prstGeom prst="rect">
-            <a:avLst/>
+          <a:prstGeom prst="downArrow">
+            <a:avLst>
+              <a:gd name="adj1" fmla="val 100000"/>
+              <a:gd name="adj2" fmla="val 15788"/>
+            </a:avLst>
           </a:prstGeom>
-          <a:ln>
+          <a:solidFill>
+            <a:srgbClr val="404040"/>
+          </a:solidFill>
+          <a:ln w="53975">
             <a:noFill/>
           </a:ln>
         </p:spPr>
@@ -6186,8 +6197,14 @@
       </p:sp>
       <p:sp>
         <p:nvSpPr>
-          <p:cNvPr id="142" name="Google Shape;142;p30"/>
-          <p:cNvSpPr txBox="1">
+          <p:cNvPr id="2" name="Title 1">
+            <a:extLst>
+              <a:ext uri="{FF2B5EF4-FFF2-40B4-BE49-F238E27FC236}">
+                <a16:creationId xmlns:a16="http://schemas.microsoft.com/office/drawing/2014/main" id="{95A19B31-A57F-536A-3D9F-DAA3D700A701}"/>
+              </a:ext>
+            </a:extLst>
+          </p:cNvPr>
+          <p:cNvSpPr>
             <a:spLocks noGrp="1"/>
           </p:cNvSpPr>
           <p:nvPr>
@@ -6196,57 +6213,122 @@
         </p:nvSpPr>
         <p:spPr>
           <a:xfrm>
-            <a:off x="473202" y="480060"/>
-            <a:ext cx="3614166" cy="1110996"/>
+            <a:off x="771525" y="1475449"/>
+            <a:ext cx="1971675" cy="1910443"/>
           </a:xfrm>
-          <a:prstGeom prst="rect">
-            <a:avLst/>
-          </a:prstGeom>
+          <a:noFill/>
         </p:spPr>
         <p:txBody>
-          <a:bodyPr spcFirstLastPara="1" vert="horz" lIns="91440" tIns="45720" rIns="91440" bIns="45720" rtlCol="0" anchor="b" anchorCtr="0">
+          <a:bodyPr vert="horz" lIns="91440" tIns="45720" rIns="91440" bIns="45720" rtlCol="0" anchor="ctr">
             <a:normAutofit/>
           </a:bodyPr>
           <a:lstStyle/>
           <a:p>
-            <a:pPr marL="0" lvl="0" indent="0" defTabSz="914400">
-              <a:spcAft>
-                <a:spcPts val="0"/>
-              </a:spcAft>
-              <a:buClr>
-                <a:schemeClr val="dk1"/>
-              </a:buClr>
-              <a:buSzPts val="2400"/>
-            </a:pPr>
-            <a:r>
-              <a:rPr lang="en-US" sz="3500" kern="1200">
+            <a:pPr algn="ctr" defTabSz="914400"/>
+            <a:r>
+              <a:rPr lang="en-US" sz="2700" kern="1200" dirty="0">
                 <a:solidFill>
-                  <a:schemeClr val="tx1"/>
+                  <a:srgbClr val="FFFFFF"/>
                 </a:solidFill>
                 <a:latin typeface="+mj-lt"/>
                 <a:ea typeface="+mj-ea"/>
                 <a:cs typeface="+mj-cs"/>
               </a:rPr>
-              <a:t>Elastic Beanstalk – Components</a:t>
-            </a:r>
-            <a:endParaRPr lang="en-US" sz="3500" kern="1200">
-              <a:solidFill>
-                <a:schemeClr val="tx1"/>
-              </a:solidFill>
-              <a:latin typeface="+mj-lt"/>
-              <a:ea typeface="+mj-ea"/>
-              <a:cs typeface="+mj-cs"/>
-              <a:sym typeface="Economica"/>
-            </a:endParaRPr>
+              <a:t>Immutable</a:t>
+            </a:r>
           </a:p>
         </p:txBody>
       </p:sp>
+      <p:pic>
+        <p:nvPicPr>
+          <p:cNvPr id="6146" name="Picture 2" descr="A diagram of a diagram&#10;&#10;Description automatically generated">
+            <a:extLst>
+              <a:ext uri="{FF2B5EF4-FFF2-40B4-BE49-F238E27FC236}">
+                <a16:creationId xmlns:a16="http://schemas.microsoft.com/office/drawing/2014/main" id="{94518F1C-2F57-B937-3E0F-753CC04AED86}"/>
+              </a:ext>
+            </a:extLst>
+          </p:cNvPr>
+          <p:cNvPicPr>
+            <a:picLocks noChangeAspect="1" noChangeArrowheads="1"/>
+          </p:cNvPicPr>
+          <p:nvPr/>
+        </p:nvPicPr>
+        <p:blipFill>
+          <a:blip r:embed="rId2">
+            <a:extLst>
+              <a:ext uri="{28A0092B-C50C-407E-A947-70E740481C1C}">
+                <a14:useLocalDpi xmlns:a14="http://schemas.microsoft.com/office/drawing/2010/main" val="0"/>
+              </a:ext>
+            </a:extLst>
+          </a:blip>
+          <a:stretch>
+            <a:fillRect/>
+          </a:stretch>
+        </p:blipFill>
+        <p:spPr bwMode="auto">
+          <a:xfrm>
+            <a:off x="3582987" y="1108870"/>
+            <a:ext cx="5085525" cy="2924011"/>
+          </a:xfrm>
+          <a:prstGeom prst="rect">
+            <a:avLst/>
+          </a:prstGeom>
+          <a:noFill/>
+          <a:extLst>
+            <a:ext uri="{909E8E84-426E-40DD-AFC4-6F175D3DCCD1}">
+              <a14:hiddenFill xmlns:a14="http://schemas.microsoft.com/office/drawing/2010/main">
+                <a:solidFill>
+                  <a:srgbClr val="FFFFFF"/>
+                </a:solidFill>
+              </a14:hiddenFill>
+            </a:ext>
+          </a:extLst>
+        </p:spPr>
+      </p:pic>
+    </p:spTree>
+    <p:extLst>
+      <p:ext uri="{BB962C8B-B14F-4D97-AF65-F5344CB8AC3E}">
+        <p14:creationId xmlns:p14="http://schemas.microsoft.com/office/powerpoint/2010/main" val="1268539850"/>
+      </p:ext>
+    </p:extLst>
+  </p:cSld>
+  <p:clrMapOvr>
+    <a:masterClrMapping/>
+  </p:clrMapOvr>
+</p:sld>
+</file>
+
+<file path=ppt/slides/slide11.xml><?xml version="1.0" encoding="utf-8"?>
+<p:sld xmlns:a="http://schemas.openxmlformats.org/drawingml/2006/main" xmlns:r="http://schemas.openxmlformats.org/officeDocument/2006/relationships" xmlns:p="http://schemas.openxmlformats.org/presentationml/2006/main">
+  <p:cSld>
+    <p:bg>
+      <p:bgPr>
+        <a:solidFill>
+          <a:schemeClr val="bg1"/>
+        </a:solidFill>
+        <a:effectLst/>
+      </p:bgPr>
+    </p:bg>
+    <p:spTree>
+      <p:nvGrpSpPr>
+        <p:cNvPr id="1" name=""/>
+        <p:cNvGrpSpPr/>
+        <p:nvPr/>
+      </p:nvGrpSpPr>
+      <p:grpSpPr>
+        <a:xfrm>
+          <a:off x="0" y="0"/>
+          <a:ext cx="0" cy="0"/>
+          <a:chOff x="0" y="0"/>
+          <a:chExt cx="0" cy="0"/>
+        </a:xfrm>
+      </p:grpSpPr>
       <p:sp>
         <p:nvSpPr>
-          <p:cNvPr id="154" name="sketch line">
+          <p:cNvPr id="3084" name="Down Arrow 7">
             <a:extLst>
               <a:ext uri="{FF2B5EF4-FFF2-40B4-BE49-F238E27FC236}">
-                <a16:creationId xmlns:a16="http://schemas.microsoft.com/office/drawing/2014/main" id="{650D18FE-0824-4A46-B22C-A86B52E5780A}"/>
+                <a16:creationId xmlns:a16="http://schemas.microsoft.com/office/drawing/2014/main" id="{D4771268-CB57-404A-9271-370EB28F6090}"/>
               </a:ext>
               <a:ext uri="{C183D7F6-B498-43B3-948B-1728B52AA6E4}">
                 <adec:decorative xmlns:adec="http://schemas.microsoft.com/office/drawing/2017/decorative" val="1"/>
@@ -6265,746 +6347,20 @@
           </p:nvPr>
         </p:nvSpPr>
         <p:spPr>
-          <a:xfrm>
-            <a:off x="482458" y="1779651"/>
-            <a:ext cx="2441321" cy="13716"/>
+          <a:xfrm rot="16200000">
+            <a:off x="600075" y="1118507"/>
+            <a:ext cx="2500312" cy="2624327"/>
           </a:xfrm>
-          <a:custGeom>
-            <a:avLst/>
-            <a:gdLst>
-              <a:gd name="connsiteX0" fmla="*/ 0 w 2441321"/>
-              <a:gd name="connsiteY0" fmla="*/ 0 h 13716"/>
-              <a:gd name="connsiteX1" fmla="*/ 585917 w 2441321"/>
-              <a:gd name="connsiteY1" fmla="*/ 0 h 13716"/>
-              <a:gd name="connsiteX2" fmla="*/ 1196247 w 2441321"/>
-              <a:gd name="connsiteY2" fmla="*/ 0 h 13716"/>
-              <a:gd name="connsiteX3" fmla="*/ 1806578 w 2441321"/>
-              <a:gd name="connsiteY3" fmla="*/ 0 h 13716"/>
-              <a:gd name="connsiteX4" fmla="*/ 2441321 w 2441321"/>
-              <a:gd name="connsiteY4" fmla="*/ 0 h 13716"/>
-              <a:gd name="connsiteX5" fmla="*/ 2441321 w 2441321"/>
-              <a:gd name="connsiteY5" fmla="*/ 13716 h 13716"/>
-              <a:gd name="connsiteX6" fmla="*/ 1830991 w 2441321"/>
-              <a:gd name="connsiteY6" fmla="*/ 13716 h 13716"/>
-              <a:gd name="connsiteX7" fmla="*/ 1269487 w 2441321"/>
-              <a:gd name="connsiteY7" fmla="*/ 13716 h 13716"/>
-              <a:gd name="connsiteX8" fmla="*/ 707983 w 2441321"/>
-              <a:gd name="connsiteY8" fmla="*/ 13716 h 13716"/>
-              <a:gd name="connsiteX9" fmla="*/ 0 w 2441321"/>
-              <a:gd name="connsiteY9" fmla="*/ 13716 h 13716"/>
-              <a:gd name="connsiteX10" fmla="*/ 0 w 2441321"/>
-              <a:gd name="connsiteY10" fmla="*/ 0 h 13716"/>
-              <a:gd name="connsiteX0" fmla="*/ 0 w 2441321"/>
-              <a:gd name="connsiteY0" fmla="*/ 0 h 13716"/>
-              <a:gd name="connsiteX1" fmla="*/ 585917 w 2441321"/>
-              <a:gd name="connsiteY1" fmla="*/ 0 h 13716"/>
-              <a:gd name="connsiteX2" fmla="*/ 1123008 w 2441321"/>
-              <a:gd name="connsiteY2" fmla="*/ 0 h 13716"/>
-              <a:gd name="connsiteX3" fmla="*/ 1782164 w 2441321"/>
-              <a:gd name="connsiteY3" fmla="*/ 0 h 13716"/>
-              <a:gd name="connsiteX4" fmla="*/ 2441321 w 2441321"/>
-              <a:gd name="connsiteY4" fmla="*/ 0 h 13716"/>
-              <a:gd name="connsiteX5" fmla="*/ 2441321 w 2441321"/>
-              <a:gd name="connsiteY5" fmla="*/ 13716 h 13716"/>
-              <a:gd name="connsiteX6" fmla="*/ 1879817 w 2441321"/>
-              <a:gd name="connsiteY6" fmla="*/ 13716 h 13716"/>
-              <a:gd name="connsiteX7" fmla="*/ 1318313 w 2441321"/>
-              <a:gd name="connsiteY7" fmla="*/ 13716 h 13716"/>
-              <a:gd name="connsiteX8" fmla="*/ 659157 w 2441321"/>
-              <a:gd name="connsiteY8" fmla="*/ 13716 h 13716"/>
-              <a:gd name="connsiteX9" fmla="*/ 0 w 2441321"/>
-              <a:gd name="connsiteY9" fmla="*/ 13716 h 13716"/>
-              <a:gd name="connsiteX10" fmla="*/ 0 w 2441321"/>
-              <a:gd name="connsiteY10" fmla="*/ 0 h 13716"/>
-            </a:gdLst>
-            <a:ahLst/>
-            <a:cxnLst>
-              <a:cxn ang="0">
-                <a:pos x="connsiteX0" y="connsiteY0"/>
-              </a:cxn>
-              <a:cxn ang="0">
-                <a:pos x="connsiteX1" y="connsiteY1"/>
-              </a:cxn>
-              <a:cxn ang="0">
-                <a:pos x="connsiteX2" y="connsiteY2"/>
-              </a:cxn>
-              <a:cxn ang="0">
-                <a:pos x="connsiteX3" y="connsiteY3"/>
-              </a:cxn>
-              <a:cxn ang="0">
-                <a:pos x="connsiteX4" y="connsiteY4"/>
-              </a:cxn>
-              <a:cxn ang="0">
-                <a:pos x="connsiteX5" y="connsiteY5"/>
-              </a:cxn>
-              <a:cxn ang="0">
-                <a:pos x="connsiteX6" y="connsiteY6"/>
-              </a:cxn>
-              <a:cxn ang="0">
-                <a:pos x="connsiteX7" y="connsiteY7"/>
-              </a:cxn>
-              <a:cxn ang="0">
-                <a:pos x="connsiteX8" y="connsiteY8"/>
-              </a:cxn>
-              <a:cxn ang="0">
-                <a:pos x="connsiteX9" y="connsiteY9"/>
-              </a:cxn>
-              <a:cxn ang="0">
-                <a:pos x="connsiteX10" y="connsiteY10"/>
-              </a:cxn>
-            </a:cxnLst>
-            <a:rect l="l" t="t" r="r" b="b"/>
-            <a:pathLst>
-              <a:path w="2441321" h="13716" fill="none" extrusionOk="0">
-                <a:moveTo>
-                  <a:pt x="0" y="0"/>
-                </a:moveTo>
-                <a:cubicBezTo>
-                  <a:pt x="280302" y="-6619"/>
-                  <a:pt x="363201" y="4913"/>
-                  <a:pt x="585917" y="0"/>
-                </a:cubicBezTo>
-                <a:cubicBezTo>
-                  <a:pt x="832357" y="-10107"/>
-                  <a:pt x="996738" y="-34312"/>
-                  <a:pt x="1196247" y="0"/>
-                </a:cubicBezTo>
-                <a:cubicBezTo>
-                  <a:pt x="1357180" y="16623"/>
-                  <a:pt x="1575042" y="-11041"/>
-                  <a:pt x="1806578" y="0"/>
-                </a:cubicBezTo>
-                <a:cubicBezTo>
-                  <a:pt x="2016334" y="246"/>
-                  <a:pt x="2239353" y="-8732"/>
-                  <a:pt x="2441321" y="0"/>
-                </a:cubicBezTo>
-                <a:cubicBezTo>
-                  <a:pt x="2440988" y="3698"/>
-                  <a:pt x="2440649" y="9400"/>
-                  <a:pt x="2441321" y="13716"/>
-                </a:cubicBezTo>
-                <a:cubicBezTo>
-                  <a:pt x="2159375" y="44437"/>
-                  <a:pt x="2054495" y="41094"/>
-                  <a:pt x="1830991" y="13716"/>
-                </a:cubicBezTo>
-                <a:cubicBezTo>
-                  <a:pt x="1615846" y="2937"/>
-                  <a:pt x="1521674" y="-9994"/>
-                  <a:pt x="1269487" y="13716"/>
-                </a:cubicBezTo>
-                <a:cubicBezTo>
-                  <a:pt x="1019660" y="49388"/>
-                  <a:pt x="886911" y="37779"/>
-                  <a:pt x="707983" y="13716"/>
-                </a:cubicBezTo>
-                <a:cubicBezTo>
-                  <a:pt x="523434" y="22749"/>
-                  <a:pt x="307885" y="29744"/>
-                  <a:pt x="0" y="13716"/>
-                </a:cubicBezTo>
-                <a:cubicBezTo>
-                  <a:pt x="-361" y="7755"/>
-                  <a:pt x="-276" y="2718"/>
-                  <a:pt x="0" y="0"/>
-                </a:cubicBezTo>
-                <a:close/>
-              </a:path>
-              <a:path w="2441321" h="13716" stroke="0" extrusionOk="0">
-                <a:moveTo>
-                  <a:pt x="0" y="0"/>
-                </a:moveTo>
-                <a:cubicBezTo>
-                  <a:pt x="212126" y="-10265"/>
-                  <a:pt x="442910" y="-11728"/>
-                  <a:pt x="585917" y="0"/>
-                </a:cubicBezTo>
-                <a:cubicBezTo>
-                  <a:pt x="724579" y="21751"/>
-                  <a:pt x="879365" y="-33198"/>
-                  <a:pt x="1123008" y="0"/>
-                </a:cubicBezTo>
-                <a:cubicBezTo>
-                  <a:pt x="1377247" y="11220"/>
-                  <a:pt x="1597861" y="-34280"/>
-                  <a:pt x="1782164" y="0"/>
-                </a:cubicBezTo>
-                <a:cubicBezTo>
-                  <a:pt x="1975975" y="-3055"/>
-                  <a:pt x="2116392" y="-15531"/>
-                  <a:pt x="2441321" y="0"/>
-                </a:cubicBezTo>
-                <a:cubicBezTo>
-                  <a:pt x="2441197" y="4300"/>
-                  <a:pt x="2441101" y="8760"/>
-                  <a:pt x="2441321" y="13716"/>
-                </a:cubicBezTo>
-                <a:cubicBezTo>
-                  <a:pt x="2180658" y="13750"/>
-                  <a:pt x="2084222" y="1362"/>
-                  <a:pt x="1879817" y="13716"/>
-                </a:cubicBezTo>
-                <a:cubicBezTo>
-                  <a:pt x="1668182" y="11650"/>
-                  <a:pt x="1551159" y="-11049"/>
-                  <a:pt x="1318313" y="13716"/>
-                </a:cubicBezTo>
-                <a:cubicBezTo>
-                  <a:pt x="1059871" y="51823"/>
-                  <a:pt x="901959" y="19259"/>
-                  <a:pt x="659157" y="13716"/>
-                </a:cubicBezTo>
-                <a:cubicBezTo>
-                  <a:pt x="444692" y="23911"/>
-                  <a:pt x="245032" y="35310"/>
-                  <a:pt x="0" y="13716"/>
-                </a:cubicBezTo>
-                <a:cubicBezTo>
-                  <a:pt x="124" y="7937"/>
-                  <a:pt x="389" y="2990"/>
-                  <a:pt x="0" y="0"/>
-                </a:cubicBezTo>
-                <a:close/>
-              </a:path>
-              <a:path w="2441321" h="13716" fill="none" stroke="0" extrusionOk="0">
-                <a:moveTo>
-                  <a:pt x="0" y="0"/>
-                </a:moveTo>
-                <a:cubicBezTo>
-                  <a:pt x="265389" y="-22361"/>
-                  <a:pt x="344845" y="-65"/>
-                  <a:pt x="585917" y="0"/>
-                </a:cubicBezTo>
-                <a:cubicBezTo>
-                  <a:pt x="858472" y="13102"/>
-                  <a:pt x="949265" y="-8078"/>
-                  <a:pt x="1196247" y="0"/>
-                </a:cubicBezTo>
-                <a:cubicBezTo>
-                  <a:pt x="1379248" y="30707"/>
-                  <a:pt x="1585336" y="24963"/>
-                  <a:pt x="1806578" y="0"/>
-                </a:cubicBezTo>
-                <a:cubicBezTo>
-                  <a:pt x="1986731" y="-19207"/>
-                  <a:pt x="2264933" y="16601"/>
-                  <a:pt x="2441321" y="0"/>
-                </a:cubicBezTo>
-                <a:cubicBezTo>
-                  <a:pt x="2441661" y="4449"/>
-                  <a:pt x="2442057" y="7876"/>
-                  <a:pt x="2441321" y="13716"/>
-                </a:cubicBezTo>
-                <a:cubicBezTo>
-                  <a:pt x="2149099" y="22776"/>
-                  <a:pt x="2027305" y="51898"/>
-                  <a:pt x="1830991" y="13716"/>
-                </a:cubicBezTo>
-                <a:cubicBezTo>
-                  <a:pt x="1614571" y="-23336"/>
-                  <a:pt x="1500998" y="6155"/>
-                  <a:pt x="1269487" y="13716"/>
-                </a:cubicBezTo>
-                <a:cubicBezTo>
-                  <a:pt x="1042399" y="33262"/>
-                  <a:pt x="927922" y="41250"/>
-                  <a:pt x="707983" y="13716"/>
-                </a:cubicBezTo>
-                <a:cubicBezTo>
-                  <a:pt x="502575" y="-9952"/>
-                  <a:pt x="350393" y="29927"/>
-                  <a:pt x="0" y="13716"/>
-                </a:cubicBezTo>
-                <a:cubicBezTo>
-                  <a:pt x="-248" y="8631"/>
-                  <a:pt x="228" y="3134"/>
-                  <a:pt x="0" y="0"/>
-                </a:cubicBezTo>
-                <a:close/>
-              </a:path>
-            </a:pathLst>
-          </a:custGeom>
+          <a:prstGeom prst="downArrow">
+            <a:avLst>
+              <a:gd name="adj1" fmla="val 100000"/>
+              <a:gd name="adj2" fmla="val 15788"/>
+            </a:avLst>
+          </a:prstGeom>
           <a:solidFill>
-            <a:schemeClr val="accent2"/>
+            <a:srgbClr val="404040"/>
           </a:solidFill>
-          <a:ln w="38100" cap="rnd">
-            <a:solidFill>
-              <a:schemeClr val="accent2"/>
-            </a:solidFill>
-            <a:round/>
-            <a:extLst>
-              <a:ext uri="{C807C97D-BFC1-408E-A445-0C87EB9F89A2}">
-                <ask:lineSketchStyleProps xmlns:ask="http://schemas.microsoft.com/office/drawing/2018/sketchyshapes" sd="1219033472">
-                  <a:custGeom>
-                    <a:avLst/>
-                    <a:gdLst>
-                      <a:gd name="connsiteX0" fmla="*/ 0 w 2441321"/>
-                      <a:gd name="connsiteY0" fmla="*/ 0 h 13716"/>
-                      <a:gd name="connsiteX1" fmla="*/ 585917 w 2441321"/>
-                      <a:gd name="connsiteY1" fmla="*/ 0 h 13716"/>
-                      <a:gd name="connsiteX2" fmla="*/ 1196247 w 2441321"/>
-                      <a:gd name="connsiteY2" fmla="*/ 0 h 13716"/>
-                      <a:gd name="connsiteX3" fmla="*/ 1806578 w 2441321"/>
-                      <a:gd name="connsiteY3" fmla="*/ 0 h 13716"/>
-                      <a:gd name="connsiteX4" fmla="*/ 2441321 w 2441321"/>
-                      <a:gd name="connsiteY4" fmla="*/ 0 h 13716"/>
-                      <a:gd name="connsiteX5" fmla="*/ 2441321 w 2441321"/>
-                      <a:gd name="connsiteY5" fmla="*/ 13716 h 13716"/>
-                      <a:gd name="connsiteX6" fmla="*/ 1830991 w 2441321"/>
-                      <a:gd name="connsiteY6" fmla="*/ 13716 h 13716"/>
-                      <a:gd name="connsiteX7" fmla="*/ 1269487 w 2441321"/>
-                      <a:gd name="connsiteY7" fmla="*/ 13716 h 13716"/>
-                      <a:gd name="connsiteX8" fmla="*/ 707983 w 2441321"/>
-                      <a:gd name="connsiteY8" fmla="*/ 13716 h 13716"/>
-                      <a:gd name="connsiteX9" fmla="*/ 0 w 2441321"/>
-                      <a:gd name="connsiteY9" fmla="*/ 13716 h 13716"/>
-                      <a:gd name="connsiteX10" fmla="*/ 0 w 2441321"/>
-                      <a:gd name="connsiteY10" fmla="*/ 0 h 13716"/>
-                    </a:gdLst>
-                    <a:ahLst/>
-                    <a:cxnLst>
-                      <a:cxn ang="0">
-                        <a:pos x="connsiteX0" y="connsiteY0"/>
-                      </a:cxn>
-                      <a:cxn ang="0">
-                        <a:pos x="connsiteX1" y="connsiteY1"/>
-                      </a:cxn>
-                      <a:cxn ang="0">
-                        <a:pos x="connsiteX2" y="connsiteY2"/>
-                      </a:cxn>
-                      <a:cxn ang="0">
-                        <a:pos x="connsiteX3" y="connsiteY3"/>
-                      </a:cxn>
-                      <a:cxn ang="0">
-                        <a:pos x="connsiteX4" y="connsiteY4"/>
-                      </a:cxn>
-                      <a:cxn ang="0">
-                        <a:pos x="connsiteX5" y="connsiteY5"/>
-                      </a:cxn>
-                      <a:cxn ang="0">
-                        <a:pos x="connsiteX6" y="connsiteY6"/>
-                      </a:cxn>
-                      <a:cxn ang="0">
-                        <a:pos x="connsiteX7" y="connsiteY7"/>
-                      </a:cxn>
-                      <a:cxn ang="0">
-                        <a:pos x="connsiteX8" y="connsiteY8"/>
-                      </a:cxn>
-                      <a:cxn ang="0">
-                        <a:pos x="connsiteX9" y="connsiteY9"/>
-                      </a:cxn>
-                      <a:cxn ang="0">
-                        <a:pos x="connsiteX10" y="connsiteY10"/>
-                      </a:cxn>
-                    </a:cxnLst>
-                    <a:rect l="l" t="t" r="r" b="b"/>
-                    <a:pathLst>
-                      <a:path w="2441321" h="13716" fill="none" extrusionOk="0">
-                        <a:moveTo>
-                          <a:pt x="0" y="0"/>
-                        </a:moveTo>
-                        <a:cubicBezTo>
-                          <a:pt x="273217" y="-17533"/>
-                          <a:pt x="355785" y="-4171"/>
-                          <a:pt x="585917" y="0"/>
-                        </a:cubicBezTo>
-                        <a:cubicBezTo>
-                          <a:pt x="816049" y="4171"/>
-                          <a:pt x="991446" y="-9419"/>
-                          <a:pt x="1196247" y="0"/>
-                        </a:cubicBezTo>
-                        <a:cubicBezTo>
-                          <a:pt x="1401048" y="9419"/>
-                          <a:pt x="1589984" y="-731"/>
-                          <a:pt x="1806578" y="0"/>
-                        </a:cubicBezTo>
-                        <a:cubicBezTo>
-                          <a:pt x="2023172" y="731"/>
-                          <a:pt x="2247754" y="8393"/>
-                          <a:pt x="2441321" y="0"/>
-                        </a:cubicBezTo>
-                        <a:cubicBezTo>
-                          <a:pt x="2440939" y="4363"/>
-                          <a:pt x="2441580" y="8857"/>
-                          <a:pt x="2441321" y="13716"/>
-                        </a:cubicBezTo>
-                        <a:cubicBezTo>
-                          <a:pt x="2169723" y="25934"/>
-                          <a:pt x="2045712" y="34568"/>
-                          <a:pt x="1830991" y="13716"/>
-                        </a:cubicBezTo>
-                        <a:cubicBezTo>
-                          <a:pt x="1616270" y="-7136"/>
-                          <a:pt x="1505876" y="-623"/>
-                          <a:pt x="1269487" y="13716"/>
-                        </a:cubicBezTo>
-                        <a:cubicBezTo>
-                          <a:pt x="1033098" y="28055"/>
-                          <a:pt x="908661" y="36619"/>
-                          <a:pt x="707983" y="13716"/>
-                        </a:cubicBezTo>
-                        <a:cubicBezTo>
-                          <a:pt x="507305" y="-9187"/>
-                          <a:pt x="333592" y="16187"/>
-                          <a:pt x="0" y="13716"/>
-                        </a:cubicBezTo>
-                        <a:cubicBezTo>
-                          <a:pt x="-459" y="8317"/>
-                          <a:pt x="190" y="2744"/>
-                          <a:pt x="0" y="0"/>
-                        </a:cubicBezTo>
-                        <a:close/>
-                      </a:path>
-                      <a:path w="2441321" h="13716" stroke="0" extrusionOk="0">
-                        <a:moveTo>
-                          <a:pt x="0" y="0"/>
-                        </a:moveTo>
-                        <a:cubicBezTo>
-                          <a:pt x="207071" y="-14617"/>
-                          <a:pt x="444194" y="-15606"/>
-                          <a:pt x="585917" y="0"/>
-                        </a:cubicBezTo>
-                        <a:cubicBezTo>
-                          <a:pt x="727640" y="15606"/>
-                          <a:pt x="904326" y="-79"/>
-                          <a:pt x="1123008" y="0"/>
-                        </a:cubicBezTo>
-                        <a:cubicBezTo>
-                          <a:pt x="1341690" y="79"/>
-                          <a:pt x="1600014" y="10401"/>
-                          <a:pt x="1782164" y="0"/>
-                        </a:cubicBezTo>
-                        <a:cubicBezTo>
-                          <a:pt x="1964314" y="-10401"/>
-                          <a:pt x="2143537" y="-21488"/>
-                          <a:pt x="2441321" y="0"/>
-                        </a:cubicBezTo>
-                        <a:cubicBezTo>
-                          <a:pt x="2441507" y="3335"/>
-                          <a:pt x="2441322" y="9457"/>
-                          <a:pt x="2441321" y="13716"/>
-                        </a:cubicBezTo>
-                        <a:cubicBezTo>
-                          <a:pt x="2166745" y="24201"/>
-                          <a:pt x="2078726" y="10904"/>
-                          <a:pt x="1879817" y="13716"/>
-                        </a:cubicBezTo>
-                        <a:cubicBezTo>
-                          <a:pt x="1680908" y="16528"/>
-                          <a:pt x="1548770" y="-8699"/>
-                          <a:pt x="1318313" y="13716"/>
-                        </a:cubicBezTo>
-                        <a:cubicBezTo>
-                          <a:pt x="1087856" y="36131"/>
-                          <a:pt x="894613" y="-645"/>
-                          <a:pt x="659157" y="13716"/>
-                        </a:cubicBezTo>
-                        <a:cubicBezTo>
-                          <a:pt x="423701" y="28077"/>
-                          <a:pt x="246611" y="29403"/>
-                          <a:pt x="0" y="13716"/>
-                        </a:cubicBezTo>
-                        <a:cubicBezTo>
-                          <a:pt x="-120" y="7867"/>
-                          <a:pt x="674" y="3919"/>
-                          <a:pt x="0" y="0"/>
-                        </a:cubicBezTo>
-                        <a:close/>
-                      </a:path>
-                    </a:pathLst>
-                  </a:custGeom>
-                  <ask:type>
-                    <ask:lineSketchFreehand/>
-                  </ask:type>
-                </ask:lineSketchStyleProps>
-              </a:ext>
-            </a:extLst>
-          </a:ln>
-        </p:spPr>
-        <p:style>
-          <a:lnRef idx="2">
-            <a:schemeClr val="accent1">
-              <a:shade val="50000"/>
-            </a:schemeClr>
-          </a:lnRef>
-          <a:fillRef idx="1">
-            <a:schemeClr val="accent1"/>
-          </a:fillRef>
-          <a:effectRef idx="0">
-            <a:schemeClr val="accent1"/>
-          </a:effectRef>
-          <a:fontRef idx="minor">
-            <a:schemeClr val="lt1"/>
-          </a:fontRef>
-        </p:style>
-        <p:txBody>
-          <a:bodyPr rtlCol="0" anchor="ctr"/>
-          <a:lstStyle/>
-          <a:p>
-            <a:pPr algn="ctr"/>
-            <a:endParaRPr lang="en-US"/>
-          </a:p>
-        </p:txBody>
-      </p:sp>
-      <p:sp>
-        <p:nvSpPr>
-          <p:cNvPr id="143" name="Google Shape;143;p30"/>
-          <p:cNvSpPr txBox="1">
-            <a:spLocks noGrp="1"/>
-          </p:cNvSpPr>
-          <p:nvPr>
-            <p:ph sz="half" idx="1"/>
-          </p:nvPr>
-        </p:nvSpPr>
-        <p:spPr>
-          <a:xfrm>
-            <a:off x="473202" y="1995678"/>
-            <a:ext cx="3614166" cy="2660904"/>
-          </a:xfrm>
-          <a:prstGeom prst="rect">
-            <a:avLst/>
-          </a:prstGeom>
-        </p:spPr>
-        <p:txBody>
-          <a:bodyPr spcFirstLastPara="1" vert="horz" lIns="91440" tIns="45720" rIns="91440" bIns="45720" rtlCol="0" anchor="t" anchorCtr="0">
-            <a:normAutofit/>
-          </a:bodyPr>
-          <a:lstStyle/>
-          <a:p>
-            <a:pPr marL="457200" lvl="0" indent="-228600" defTabSz="914400">
-              <a:spcBef>
-                <a:spcPts val="800"/>
-              </a:spcBef>
-              <a:spcAft>
-                <a:spcPts val="0"/>
-              </a:spcAft>
-              <a:buSzPts val="1100"/>
-            </a:pPr>
-            <a:r>
-              <a:rPr lang="en-US" sz="1300" b="1">
-                <a:sym typeface="Arial"/>
-              </a:rPr>
-              <a:t>Application</a:t>
-            </a:r>
-            <a:r>
-              <a:rPr lang="en-US" sz="1300">
-                <a:sym typeface="Arial"/>
-              </a:rPr>
-              <a:t>: collection of Elastic Beanstalk components (environments, versions, configurations, …)</a:t>
-            </a:r>
-          </a:p>
-          <a:p>
-            <a:pPr marL="457200" lvl="0" indent="-228600" defTabSz="914400">
-              <a:spcBef>
-                <a:spcPts val="0"/>
-              </a:spcBef>
-              <a:spcAft>
-                <a:spcPts val="0"/>
-              </a:spcAft>
-              <a:buSzPts val="1100"/>
-            </a:pPr>
-            <a:r>
-              <a:rPr lang="en-US" sz="1300" b="1">
-                <a:sym typeface="Arial"/>
-              </a:rPr>
-              <a:t>Application Version</a:t>
-            </a:r>
-            <a:r>
-              <a:rPr lang="en-US" sz="1300">
-                <a:sym typeface="Arial"/>
-              </a:rPr>
-              <a:t>: an iteration of your application code</a:t>
-            </a:r>
-          </a:p>
-          <a:p>
-            <a:pPr marL="457200" lvl="0" indent="-228600" defTabSz="914400">
-              <a:spcBef>
-                <a:spcPts val="0"/>
-              </a:spcBef>
-              <a:spcAft>
-                <a:spcPts val="0"/>
-              </a:spcAft>
-              <a:buSzPts val="1100"/>
-            </a:pPr>
-            <a:r>
-              <a:rPr lang="en-US" sz="1300" b="1">
-                <a:sym typeface="Arial"/>
-              </a:rPr>
-              <a:t>Environment</a:t>
-            </a:r>
-          </a:p>
-          <a:p>
-            <a:pPr marL="914400" lvl="1" indent="-228600" defTabSz="914400">
-              <a:spcBef>
-                <a:spcPts val="0"/>
-              </a:spcBef>
-              <a:spcAft>
-                <a:spcPts val="0"/>
-              </a:spcAft>
-              <a:buSzPts val="1100"/>
-            </a:pPr>
-            <a:r>
-              <a:rPr lang="en-US" sz="1300">
-                <a:sym typeface="Arial"/>
-              </a:rPr>
-              <a:t>Collection of AWS resources running an application version (only one application version at a time)</a:t>
-            </a:r>
-          </a:p>
-          <a:p>
-            <a:pPr marL="914400" lvl="1" indent="-228600" defTabSz="914400">
-              <a:spcBef>
-                <a:spcPts val="0"/>
-              </a:spcBef>
-              <a:spcAft>
-                <a:spcPts val="0"/>
-              </a:spcAft>
-              <a:buSzPts val="1100"/>
-            </a:pPr>
-            <a:r>
-              <a:rPr lang="en-US" sz="1300" b="1">
-                <a:sym typeface="Arial"/>
-              </a:rPr>
-              <a:t>Tiers</a:t>
-            </a:r>
-            <a:r>
-              <a:rPr lang="en-US" sz="1300">
-                <a:sym typeface="Arial"/>
-              </a:rPr>
-              <a:t>: </a:t>
-            </a:r>
-            <a:r>
-              <a:rPr lang="en-US" sz="1300" b="1">
-                <a:sym typeface="Arial"/>
-              </a:rPr>
-              <a:t>Web Server Environment</a:t>
-            </a:r>
-            <a:r>
-              <a:rPr lang="en-US" sz="1300">
-                <a:sym typeface="Arial"/>
-              </a:rPr>
-              <a:t> Tier &amp; </a:t>
-            </a:r>
-            <a:r>
-              <a:rPr lang="en-US" sz="1300" b="1">
-                <a:sym typeface="Arial"/>
-              </a:rPr>
-              <a:t>Worker Environment</a:t>
-            </a:r>
-            <a:r>
-              <a:rPr lang="en-US" sz="1300">
-                <a:sym typeface="Arial"/>
-              </a:rPr>
-              <a:t> Tier</a:t>
-            </a:r>
-          </a:p>
-          <a:p>
-            <a:pPr marL="914400" lvl="1" indent="-228600" defTabSz="914400">
-              <a:spcBef>
-                <a:spcPts val="0"/>
-              </a:spcBef>
-              <a:spcAft>
-                <a:spcPts val="0"/>
-              </a:spcAft>
-              <a:buSzPts val="1100"/>
-            </a:pPr>
-            <a:r>
-              <a:rPr lang="en-US" sz="1300">
-                <a:sym typeface="Arial"/>
-              </a:rPr>
-              <a:t>You can create multiple environments (dev, test, prod, …)</a:t>
-            </a:r>
-          </a:p>
-        </p:txBody>
-      </p:sp>
-      <p:pic>
-        <p:nvPicPr>
-          <p:cNvPr id="144" name="Google Shape;144;p30"/>
-          <p:cNvPicPr preferRelativeResize="0"/>
-          <p:nvPr/>
-        </p:nvPicPr>
-        <p:blipFill>
-          <a:blip r:embed="rId3"/>
-          <a:stretch>
-            <a:fillRect/>
-          </a:stretch>
-        </p:blipFill>
-        <p:spPr>
-          <a:xfrm>
-            <a:off x="4574286" y="2039501"/>
-            <a:ext cx="4094226" cy="1064498"/>
-          </a:xfrm>
-          <a:prstGeom prst="rect">
-            <a:avLst/>
-          </a:prstGeom>
-          <a:noFill/>
-        </p:spPr>
-      </p:pic>
-    </p:spTree>
-  </p:cSld>
-  <p:clrMapOvr>
-    <a:masterClrMapping/>
-  </p:clrMapOvr>
-</p:sld>
-</file>
-
-<file path=ppt/slides/slide3.xml><?xml version="1.0" encoding="utf-8"?>
-<p:sld xmlns:a="http://schemas.openxmlformats.org/drawingml/2006/main" xmlns:r="http://schemas.openxmlformats.org/officeDocument/2006/relationships" xmlns:p="http://schemas.openxmlformats.org/presentationml/2006/main">
-  <p:cSld>
-    <p:bg>
-      <p:bgPr>
-        <a:solidFill>
-          <a:schemeClr val="bg1"/>
-        </a:solidFill>
-        <a:effectLst/>
-      </p:bgPr>
-    </p:bg>
-    <p:spTree>
-      <p:nvGrpSpPr>
-        <p:cNvPr id="1" name="Shape 148"/>
-        <p:cNvGrpSpPr/>
-        <p:nvPr/>
-      </p:nvGrpSpPr>
-      <p:grpSpPr>
-        <a:xfrm>
-          <a:off x="0" y="0"/>
-          <a:ext cx="0" cy="0"/>
-          <a:chOff x="0" y="0"/>
-          <a:chExt cx="0" cy="0"/>
-        </a:xfrm>
-      </p:grpSpPr>
-      <p:sp useBgFill="1">
-        <p:nvSpPr>
-          <p:cNvPr id="156" name="Rectangle 155">
-            <a:extLst>
-              <a:ext uri="{FF2B5EF4-FFF2-40B4-BE49-F238E27FC236}">
-                <a16:creationId xmlns:a16="http://schemas.microsoft.com/office/drawing/2014/main" id="{743AA782-23D1-4521-8CAD-47662984AA08}"/>
-              </a:ext>
-              <a:ext uri="{C183D7F6-B498-43B3-948B-1728B52AA6E4}">
-                <adec:decorative xmlns:adec="http://schemas.microsoft.com/office/drawing/2017/decorative" val="1"/>
-              </a:ext>
-            </a:extLst>
-          </p:cNvPr>
-          <p:cNvSpPr>
-            <a:spLocks noGrp="1" noRot="1" noChangeAspect="1" noMove="1" noResize="1" noEditPoints="1" noAdjustHandles="1" noChangeArrowheads="1" noChangeShapeType="1" noTextEdit="1"/>
-          </p:cNvSpPr>
-          <p:nvPr>
-            <p:extLst>
-              <p:ext uri="{386F3935-93C4-4BCD-93E2-E3B085C9AB24}">
-                <p16:designElem xmlns:p16="http://schemas.microsoft.com/office/powerpoint/2015/main" val="1"/>
-              </p:ext>
-            </p:extLst>
-          </p:nvPr>
-        </p:nvSpPr>
-        <p:spPr>
-          <a:xfrm>
-            <a:off x="0" y="0"/>
-            <a:ext cx="9144000" cy="5143500"/>
-          </a:xfrm>
-          <a:prstGeom prst="rect">
-            <a:avLst/>
-          </a:prstGeom>
-          <a:ln>
+          <a:ln w="53975">
             <a:noFill/>
           </a:ln>
         </p:spPr>
@@ -7035,8 +6391,14 @@
       </p:sp>
       <p:sp>
         <p:nvSpPr>
-          <p:cNvPr id="149" name="Google Shape;149;p31"/>
-          <p:cNvSpPr txBox="1">
+          <p:cNvPr id="2" name="Title 1">
+            <a:extLst>
+              <a:ext uri="{FF2B5EF4-FFF2-40B4-BE49-F238E27FC236}">
+                <a16:creationId xmlns:a16="http://schemas.microsoft.com/office/drawing/2014/main" id="{95A19B31-A57F-536A-3D9F-DAA3D700A701}"/>
+              </a:ext>
+            </a:extLst>
+          </p:cNvPr>
+          <p:cNvSpPr>
             <a:spLocks noGrp="1"/>
           </p:cNvSpPr>
           <p:nvPr>
@@ -7045,1017 +6407,68 @@
         </p:nvSpPr>
         <p:spPr>
           <a:xfrm>
-            <a:off x="473202" y="480060"/>
-            <a:ext cx="3614166" cy="1110996"/>
+            <a:off x="771525" y="1475449"/>
+            <a:ext cx="1971675" cy="1910443"/>
+          </a:xfrm>
+          <a:noFill/>
+        </p:spPr>
+        <p:txBody>
+          <a:bodyPr vert="horz" lIns="91440" tIns="45720" rIns="91440" bIns="45720" rtlCol="0" anchor="ctr">
+            <a:normAutofit/>
+          </a:bodyPr>
+          <a:lstStyle/>
+          <a:p>
+            <a:pPr algn="ctr" defTabSz="914400"/>
+            <a:r>
+              <a:rPr lang="en-US" sz="2700" kern="1200" dirty="0">
+                <a:solidFill>
+                  <a:srgbClr val="FFFFFF"/>
+                </a:solidFill>
+                <a:latin typeface="+mj-lt"/>
+                <a:ea typeface="+mj-ea"/>
+                <a:cs typeface="+mj-cs"/>
+              </a:rPr>
+              <a:t>Blue Green</a:t>
+            </a:r>
+          </a:p>
+        </p:txBody>
+      </p:sp>
+      <p:pic>
+        <p:nvPicPr>
+          <p:cNvPr id="3" name="Picture 2" descr="A diagram of a green and orange application&#10;&#10;Description automatically generated">
+            <a:extLst>
+              <a:ext uri="{FF2B5EF4-FFF2-40B4-BE49-F238E27FC236}">
+                <a16:creationId xmlns:a16="http://schemas.microsoft.com/office/drawing/2014/main" id="{CB69026D-4846-B207-EA36-7BDA417C7703}"/>
+              </a:ext>
+            </a:extLst>
+          </p:cNvPr>
+          <p:cNvPicPr>
+            <a:picLocks noChangeAspect="1"/>
+          </p:cNvPicPr>
+          <p:nvPr/>
+        </p:nvPicPr>
+        <p:blipFill>
+          <a:blip r:embed="rId2"/>
+          <a:stretch>
+            <a:fillRect/>
+          </a:stretch>
+        </p:blipFill>
+        <p:spPr>
+          <a:xfrm>
+            <a:off x="3582987" y="988006"/>
+            <a:ext cx="5085525" cy="3165739"/>
           </a:xfrm>
           <a:prstGeom prst="rect">
             <a:avLst/>
           </a:prstGeom>
         </p:spPr>
-        <p:txBody>
-          <a:bodyPr spcFirstLastPara="1" vert="horz" lIns="91440" tIns="45720" rIns="91440" bIns="45720" rtlCol="0" anchor="b" anchorCtr="0">
-            <a:normAutofit/>
-          </a:bodyPr>
-          <a:lstStyle/>
-          <a:p>
-            <a:pPr marL="0" lvl="0" indent="0" defTabSz="914400">
-              <a:spcAft>
-                <a:spcPts val="0"/>
-              </a:spcAft>
-              <a:buClr>
-                <a:schemeClr val="dk1"/>
-              </a:buClr>
-              <a:buSzPts val="2400"/>
-            </a:pPr>
-            <a:r>
-              <a:rPr lang="en-US" sz="3200" kern="1200">
-                <a:solidFill>
-                  <a:schemeClr val="tx1"/>
-                </a:solidFill>
-                <a:latin typeface="+mj-lt"/>
-                <a:ea typeface="+mj-ea"/>
-                <a:cs typeface="+mj-cs"/>
-              </a:rPr>
-              <a:t>Elastic Beanstalk – Supported Platforms</a:t>
-            </a:r>
-            <a:endParaRPr lang="en-US" sz="3200" kern="1200">
-              <a:solidFill>
-                <a:schemeClr val="tx1"/>
-              </a:solidFill>
-              <a:latin typeface="+mj-lt"/>
-              <a:ea typeface="+mj-ea"/>
-              <a:cs typeface="+mj-cs"/>
-              <a:sym typeface="Economica"/>
-            </a:endParaRPr>
-          </a:p>
-        </p:txBody>
-      </p:sp>
-      <p:sp>
-        <p:nvSpPr>
-          <p:cNvPr id="158" name="sketch line">
-            <a:extLst>
-              <a:ext uri="{FF2B5EF4-FFF2-40B4-BE49-F238E27FC236}">
-                <a16:creationId xmlns:a16="http://schemas.microsoft.com/office/drawing/2014/main" id="{650D18FE-0824-4A46-B22C-A86B52E5780A}"/>
-              </a:ext>
-              <a:ext uri="{C183D7F6-B498-43B3-948B-1728B52AA6E4}">
-                <adec:decorative xmlns:adec="http://schemas.microsoft.com/office/drawing/2017/decorative" val="1"/>
-              </a:ext>
-            </a:extLst>
-          </p:cNvPr>
-          <p:cNvSpPr>
-            <a:spLocks noGrp="1" noRot="1" noChangeAspect="1" noMove="1" noResize="1" noEditPoints="1" noAdjustHandles="1" noChangeArrowheads="1" noChangeShapeType="1" noTextEdit="1"/>
-          </p:cNvSpPr>
-          <p:nvPr>
-            <p:extLst>
-              <p:ext uri="{386F3935-93C4-4BCD-93E2-E3B085C9AB24}">
-                <p16:designElem xmlns:p16="http://schemas.microsoft.com/office/powerpoint/2015/main" val="1"/>
-              </p:ext>
-            </p:extLst>
-          </p:nvPr>
-        </p:nvSpPr>
-        <p:spPr>
-          <a:xfrm>
-            <a:off x="482458" y="1779651"/>
-            <a:ext cx="2441321" cy="13716"/>
-          </a:xfrm>
-          <a:custGeom>
-            <a:avLst/>
-            <a:gdLst>
-              <a:gd name="connsiteX0" fmla="*/ 0 w 2441321"/>
-              <a:gd name="connsiteY0" fmla="*/ 0 h 13716"/>
-              <a:gd name="connsiteX1" fmla="*/ 585917 w 2441321"/>
-              <a:gd name="connsiteY1" fmla="*/ 0 h 13716"/>
-              <a:gd name="connsiteX2" fmla="*/ 1196247 w 2441321"/>
-              <a:gd name="connsiteY2" fmla="*/ 0 h 13716"/>
-              <a:gd name="connsiteX3" fmla="*/ 1806578 w 2441321"/>
-              <a:gd name="connsiteY3" fmla="*/ 0 h 13716"/>
-              <a:gd name="connsiteX4" fmla="*/ 2441321 w 2441321"/>
-              <a:gd name="connsiteY4" fmla="*/ 0 h 13716"/>
-              <a:gd name="connsiteX5" fmla="*/ 2441321 w 2441321"/>
-              <a:gd name="connsiteY5" fmla="*/ 13716 h 13716"/>
-              <a:gd name="connsiteX6" fmla="*/ 1830991 w 2441321"/>
-              <a:gd name="connsiteY6" fmla="*/ 13716 h 13716"/>
-              <a:gd name="connsiteX7" fmla="*/ 1269487 w 2441321"/>
-              <a:gd name="connsiteY7" fmla="*/ 13716 h 13716"/>
-              <a:gd name="connsiteX8" fmla="*/ 707983 w 2441321"/>
-              <a:gd name="connsiteY8" fmla="*/ 13716 h 13716"/>
-              <a:gd name="connsiteX9" fmla="*/ 0 w 2441321"/>
-              <a:gd name="connsiteY9" fmla="*/ 13716 h 13716"/>
-              <a:gd name="connsiteX10" fmla="*/ 0 w 2441321"/>
-              <a:gd name="connsiteY10" fmla="*/ 0 h 13716"/>
-              <a:gd name="connsiteX0" fmla="*/ 0 w 2441321"/>
-              <a:gd name="connsiteY0" fmla="*/ 0 h 13716"/>
-              <a:gd name="connsiteX1" fmla="*/ 585917 w 2441321"/>
-              <a:gd name="connsiteY1" fmla="*/ 0 h 13716"/>
-              <a:gd name="connsiteX2" fmla="*/ 1123008 w 2441321"/>
-              <a:gd name="connsiteY2" fmla="*/ 0 h 13716"/>
-              <a:gd name="connsiteX3" fmla="*/ 1782164 w 2441321"/>
-              <a:gd name="connsiteY3" fmla="*/ 0 h 13716"/>
-              <a:gd name="connsiteX4" fmla="*/ 2441321 w 2441321"/>
-              <a:gd name="connsiteY4" fmla="*/ 0 h 13716"/>
-              <a:gd name="connsiteX5" fmla="*/ 2441321 w 2441321"/>
-              <a:gd name="connsiteY5" fmla="*/ 13716 h 13716"/>
-              <a:gd name="connsiteX6" fmla="*/ 1879817 w 2441321"/>
-              <a:gd name="connsiteY6" fmla="*/ 13716 h 13716"/>
-              <a:gd name="connsiteX7" fmla="*/ 1318313 w 2441321"/>
-              <a:gd name="connsiteY7" fmla="*/ 13716 h 13716"/>
-              <a:gd name="connsiteX8" fmla="*/ 659157 w 2441321"/>
-              <a:gd name="connsiteY8" fmla="*/ 13716 h 13716"/>
-              <a:gd name="connsiteX9" fmla="*/ 0 w 2441321"/>
-              <a:gd name="connsiteY9" fmla="*/ 13716 h 13716"/>
-              <a:gd name="connsiteX10" fmla="*/ 0 w 2441321"/>
-              <a:gd name="connsiteY10" fmla="*/ 0 h 13716"/>
-            </a:gdLst>
-            <a:ahLst/>
-            <a:cxnLst>
-              <a:cxn ang="0">
-                <a:pos x="connsiteX0" y="connsiteY0"/>
-              </a:cxn>
-              <a:cxn ang="0">
-                <a:pos x="connsiteX1" y="connsiteY1"/>
-              </a:cxn>
-              <a:cxn ang="0">
-                <a:pos x="connsiteX2" y="connsiteY2"/>
-              </a:cxn>
-              <a:cxn ang="0">
-                <a:pos x="connsiteX3" y="connsiteY3"/>
-              </a:cxn>
-              <a:cxn ang="0">
-                <a:pos x="connsiteX4" y="connsiteY4"/>
-              </a:cxn>
-              <a:cxn ang="0">
-                <a:pos x="connsiteX5" y="connsiteY5"/>
-              </a:cxn>
-              <a:cxn ang="0">
-                <a:pos x="connsiteX6" y="connsiteY6"/>
-              </a:cxn>
-              <a:cxn ang="0">
-                <a:pos x="connsiteX7" y="connsiteY7"/>
-              </a:cxn>
-              <a:cxn ang="0">
-                <a:pos x="connsiteX8" y="connsiteY8"/>
-              </a:cxn>
-              <a:cxn ang="0">
-                <a:pos x="connsiteX9" y="connsiteY9"/>
-              </a:cxn>
-              <a:cxn ang="0">
-                <a:pos x="connsiteX10" y="connsiteY10"/>
-              </a:cxn>
-            </a:cxnLst>
-            <a:rect l="l" t="t" r="r" b="b"/>
-            <a:pathLst>
-              <a:path w="2441321" h="13716" fill="none" extrusionOk="0">
-                <a:moveTo>
-                  <a:pt x="0" y="0"/>
-                </a:moveTo>
-                <a:cubicBezTo>
-                  <a:pt x="280302" y="-6619"/>
-                  <a:pt x="363201" y="4913"/>
-                  <a:pt x="585917" y="0"/>
-                </a:cubicBezTo>
-                <a:cubicBezTo>
-                  <a:pt x="832357" y="-10107"/>
-                  <a:pt x="996738" y="-34312"/>
-                  <a:pt x="1196247" y="0"/>
-                </a:cubicBezTo>
-                <a:cubicBezTo>
-                  <a:pt x="1357180" y="16623"/>
-                  <a:pt x="1575042" y="-11041"/>
-                  <a:pt x="1806578" y="0"/>
-                </a:cubicBezTo>
-                <a:cubicBezTo>
-                  <a:pt x="2016334" y="246"/>
-                  <a:pt x="2239353" y="-8732"/>
-                  <a:pt x="2441321" y="0"/>
-                </a:cubicBezTo>
-                <a:cubicBezTo>
-                  <a:pt x="2440988" y="3698"/>
-                  <a:pt x="2440649" y="9400"/>
-                  <a:pt x="2441321" y="13716"/>
-                </a:cubicBezTo>
-                <a:cubicBezTo>
-                  <a:pt x="2159375" y="44437"/>
-                  <a:pt x="2054495" y="41094"/>
-                  <a:pt x="1830991" y="13716"/>
-                </a:cubicBezTo>
-                <a:cubicBezTo>
-                  <a:pt x="1615846" y="2937"/>
-                  <a:pt x="1521674" y="-9994"/>
-                  <a:pt x="1269487" y="13716"/>
-                </a:cubicBezTo>
-                <a:cubicBezTo>
-                  <a:pt x="1019660" y="49388"/>
-                  <a:pt x="886911" y="37779"/>
-                  <a:pt x="707983" y="13716"/>
-                </a:cubicBezTo>
-                <a:cubicBezTo>
-                  <a:pt x="523434" y="22749"/>
-                  <a:pt x="307885" y="29744"/>
-                  <a:pt x="0" y="13716"/>
-                </a:cubicBezTo>
-                <a:cubicBezTo>
-                  <a:pt x="-361" y="7755"/>
-                  <a:pt x="-276" y="2718"/>
-                  <a:pt x="0" y="0"/>
-                </a:cubicBezTo>
-                <a:close/>
-              </a:path>
-              <a:path w="2441321" h="13716" stroke="0" extrusionOk="0">
-                <a:moveTo>
-                  <a:pt x="0" y="0"/>
-                </a:moveTo>
-                <a:cubicBezTo>
-                  <a:pt x="212126" y="-10265"/>
-                  <a:pt x="442910" y="-11728"/>
-                  <a:pt x="585917" y="0"/>
-                </a:cubicBezTo>
-                <a:cubicBezTo>
-                  <a:pt x="724579" y="21751"/>
-                  <a:pt x="879365" y="-33198"/>
-                  <a:pt x="1123008" y="0"/>
-                </a:cubicBezTo>
-                <a:cubicBezTo>
-                  <a:pt x="1377247" y="11220"/>
-                  <a:pt x="1597861" y="-34280"/>
-                  <a:pt x="1782164" y="0"/>
-                </a:cubicBezTo>
-                <a:cubicBezTo>
-                  <a:pt x="1975975" y="-3055"/>
-                  <a:pt x="2116392" y="-15531"/>
-                  <a:pt x="2441321" y="0"/>
-                </a:cubicBezTo>
-                <a:cubicBezTo>
-                  <a:pt x="2441197" y="4300"/>
-                  <a:pt x="2441101" y="8760"/>
-                  <a:pt x="2441321" y="13716"/>
-                </a:cubicBezTo>
-                <a:cubicBezTo>
-                  <a:pt x="2180658" y="13750"/>
-                  <a:pt x="2084222" y="1362"/>
-                  <a:pt x="1879817" y="13716"/>
-                </a:cubicBezTo>
-                <a:cubicBezTo>
-                  <a:pt x="1668182" y="11650"/>
-                  <a:pt x="1551159" y="-11049"/>
-                  <a:pt x="1318313" y="13716"/>
-                </a:cubicBezTo>
-                <a:cubicBezTo>
-                  <a:pt x="1059871" y="51823"/>
-                  <a:pt x="901959" y="19259"/>
-                  <a:pt x="659157" y="13716"/>
-                </a:cubicBezTo>
-                <a:cubicBezTo>
-                  <a:pt x="444692" y="23911"/>
-                  <a:pt x="245032" y="35310"/>
-                  <a:pt x="0" y="13716"/>
-                </a:cubicBezTo>
-                <a:cubicBezTo>
-                  <a:pt x="124" y="7937"/>
-                  <a:pt x="389" y="2990"/>
-                  <a:pt x="0" y="0"/>
-                </a:cubicBezTo>
-                <a:close/>
-              </a:path>
-              <a:path w="2441321" h="13716" fill="none" stroke="0" extrusionOk="0">
-                <a:moveTo>
-                  <a:pt x="0" y="0"/>
-                </a:moveTo>
-                <a:cubicBezTo>
-                  <a:pt x="265389" y="-22361"/>
-                  <a:pt x="344845" y="-65"/>
-                  <a:pt x="585917" y="0"/>
-                </a:cubicBezTo>
-                <a:cubicBezTo>
-                  <a:pt x="858472" y="13102"/>
-                  <a:pt x="949265" y="-8078"/>
-                  <a:pt x="1196247" y="0"/>
-                </a:cubicBezTo>
-                <a:cubicBezTo>
-                  <a:pt x="1379248" y="30707"/>
-                  <a:pt x="1585336" y="24963"/>
-                  <a:pt x="1806578" y="0"/>
-                </a:cubicBezTo>
-                <a:cubicBezTo>
-                  <a:pt x="1986731" y="-19207"/>
-                  <a:pt x="2264933" y="16601"/>
-                  <a:pt x="2441321" y="0"/>
-                </a:cubicBezTo>
-                <a:cubicBezTo>
-                  <a:pt x="2441661" y="4449"/>
-                  <a:pt x="2442057" y="7876"/>
-                  <a:pt x="2441321" y="13716"/>
-                </a:cubicBezTo>
-                <a:cubicBezTo>
-                  <a:pt x="2149099" y="22776"/>
-                  <a:pt x="2027305" y="51898"/>
-                  <a:pt x="1830991" y="13716"/>
-                </a:cubicBezTo>
-                <a:cubicBezTo>
-                  <a:pt x="1614571" y="-23336"/>
-                  <a:pt x="1500998" y="6155"/>
-                  <a:pt x="1269487" y="13716"/>
-                </a:cubicBezTo>
-                <a:cubicBezTo>
-                  <a:pt x="1042399" y="33262"/>
-                  <a:pt x="927922" y="41250"/>
-                  <a:pt x="707983" y="13716"/>
-                </a:cubicBezTo>
-                <a:cubicBezTo>
-                  <a:pt x="502575" y="-9952"/>
-                  <a:pt x="350393" y="29927"/>
-                  <a:pt x="0" y="13716"/>
-                </a:cubicBezTo>
-                <a:cubicBezTo>
-                  <a:pt x="-248" y="8631"/>
-                  <a:pt x="228" y="3134"/>
-                  <a:pt x="0" y="0"/>
-                </a:cubicBezTo>
-                <a:close/>
-              </a:path>
-            </a:pathLst>
-          </a:custGeom>
-          <a:solidFill>
-            <a:schemeClr val="accent2"/>
-          </a:solidFill>
-          <a:ln w="38100" cap="rnd">
-            <a:solidFill>
-              <a:schemeClr val="accent2"/>
-            </a:solidFill>
-            <a:round/>
-            <a:extLst>
-              <a:ext uri="{C807C97D-BFC1-408E-A445-0C87EB9F89A2}">
-                <ask:lineSketchStyleProps xmlns:ask="http://schemas.microsoft.com/office/drawing/2018/sketchyshapes" sd="1219033472">
-                  <a:custGeom>
-                    <a:avLst/>
-                    <a:gdLst>
-                      <a:gd name="connsiteX0" fmla="*/ 0 w 2441321"/>
-                      <a:gd name="connsiteY0" fmla="*/ 0 h 13716"/>
-                      <a:gd name="connsiteX1" fmla="*/ 585917 w 2441321"/>
-                      <a:gd name="connsiteY1" fmla="*/ 0 h 13716"/>
-                      <a:gd name="connsiteX2" fmla="*/ 1196247 w 2441321"/>
-                      <a:gd name="connsiteY2" fmla="*/ 0 h 13716"/>
-                      <a:gd name="connsiteX3" fmla="*/ 1806578 w 2441321"/>
-                      <a:gd name="connsiteY3" fmla="*/ 0 h 13716"/>
-                      <a:gd name="connsiteX4" fmla="*/ 2441321 w 2441321"/>
-                      <a:gd name="connsiteY4" fmla="*/ 0 h 13716"/>
-                      <a:gd name="connsiteX5" fmla="*/ 2441321 w 2441321"/>
-                      <a:gd name="connsiteY5" fmla="*/ 13716 h 13716"/>
-                      <a:gd name="connsiteX6" fmla="*/ 1830991 w 2441321"/>
-                      <a:gd name="connsiteY6" fmla="*/ 13716 h 13716"/>
-                      <a:gd name="connsiteX7" fmla="*/ 1269487 w 2441321"/>
-                      <a:gd name="connsiteY7" fmla="*/ 13716 h 13716"/>
-                      <a:gd name="connsiteX8" fmla="*/ 707983 w 2441321"/>
-                      <a:gd name="connsiteY8" fmla="*/ 13716 h 13716"/>
-                      <a:gd name="connsiteX9" fmla="*/ 0 w 2441321"/>
-                      <a:gd name="connsiteY9" fmla="*/ 13716 h 13716"/>
-                      <a:gd name="connsiteX10" fmla="*/ 0 w 2441321"/>
-                      <a:gd name="connsiteY10" fmla="*/ 0 h 13716"/>
-                    </a:gdLst>
-                    <a:ahLst/>
-                    <a:cxnLst>
-                      <a:cxn ang="0">
-                        <a:pos x="connsiteX0" y="connsiteY0"/>
-                      </a:cxn>
-                      <a:cxn ang="0">
-                        <a:pos x="connsiteX1" y="connsiteY1"/>
-                      </a:cxn>
-                      <a:cxn ang="0">
-                        <a:pos x="connsiteX2" y="connsiteY2"/>
-                      </a:cxn>
-                      <a:cxn ang="0">
-                        <a:pos x="connsiteX3" y="connsiteY3"/>
-                      </a:cxn>
-                      <a:cxn ang="0">
-                        <a:pos x="connsiteX4" y="connsiteY4"/>
-                      </a:cxn>
-                      <a:cxn ang="0">
-                        <a:pos x="connsiteX5" y="connsiteY5"/>
-                      </a:cxn>
-                      <a:cxn ang="0">
-                        <a:pos x="connsiteX6" y="connsiteY6"/>
-                      </a:cxn>
-                      <a:cxn ang="0">
-                        <a:pos x="connsiteX7" y="connsiteY7"/>
-                      </a:cxn>
-                      <a:cxn ang="0">
-                        <a:pos x="connsiteX8" y="connsiteY8"/>
-                      </a:cxn>
-                      <a:cxn ang="0">
-                        <a:pos x="connsiteX9" y="connsiteY9"/>
-                      </a:cxn>
-                      <a:cxn ang="0">
-                        <a:pos x="connsiteX10" y="connsiteY10"/>
-                      </a:cxn>
-                    </a:cxnLst>
-                    <a:rect l="l" t="t" r="r" b="b"/>
-                    <a:pathLst>
-                      <a:path w="2441321" h="13716" fill="none" extrusionOk="0">
-                        <a:moveTo>
-                          <a:pt x="0" y="0"/>
-                        </a:moveTo>
-                        <a:cubicBezTo>
-                          <a:pt x="273217" y="-17533"/>
-                          <a:pt x="355785" y="-4171"/>
-                          <a:pt x="585917" y="0"/>
-                        </a:cubicBezTo>
-                        <a:cubicBezTo>
-                          <a:pt x="816049" y="4171"/>
-                          <a:pt x="991446" y="-9419"/>
-                          <a:pt x="1196247" y="0"/>
-                        </a:cubicBezTo>
-                        <a:cubicBezTo>
-                          <a:pt x="1401048" y="9419"/>
-                          <a:pt x="1589984" y="-731"/>
-                          <a:pt x="1806578" y="0"/>
-                        </a:cubicBezTo>
-                        <a:cubicBezTo>
-                          <a:pt x="2023172" y="731"/>
-                          <a:pt x="2247754" y="8393"/>
-                          <a:pt x="2441321" y="0"/>
-                        </a:cubicBezTo>
-                        <a:cubicBezTo>
-                          <a:pt x="2440939" y="4363"/>
-                          <a:pt x="2441580" y="8857"/>
-                          <a:pt x="2441321" y="13716"/>
-                        </a:cubicBezTo>
-                        <a:cubicBezTo>
-                          <a:pt x="2169723" y="25934"/>
-                          <a:pt x="2045712" y="34568"/>
-                          <a:pt x="1830991" y="13716"/>
-                        </a:cubicBezTo>
-                        <a:cubicBezTo>
-                          <a:pt x="1616270" y="-7136"/>
-                          <a:pt x="1505876" y="-623"/>
-                          <a:pt x="1269487" y="13716"/>
-                        </a:cubicBezTo>
-                        <a:cubicBezTo>
-                          <a:pt x="1033098" y="28055"/>
-                          <a:pt x="908661" y="36619"/>
-                          <a:pt x="707983" y="13716"/>
-                        </a:cubicBezTo>
-                        <a:cubicBezTo>
-                          <a:pt x="507305" y="-9187"/>
-                          <a:pt x="333592" y="16187"/>
-                          <a:pt x="0" y="13716"/>
-                        </a:cubicBezTo>
-                        <a:cubicBezTo>
-                          <a:pt x="-459" y="8317"/>
-                          <a:pt x="190" y="2744"/>
-                          <a:pt x="0" y="0"/>
-                        </a:cubicBezTo>
-                        <a:close/>
-                      </a:path>
-                      <a:path w="2441321" h="13716" stroke="0" extrusionOk="0">
-                        <a:moveTo>
-                          <a:pt x="0" y="0"/>
-                        </a:moveTo>
-                        <a:cubicBezTo>
-                          <a:pt x="207071" y="-14617"/>
-                          <a:pt x="444194" y="-15606"/>
-                          <a:pt x="585917" y="0"/>
-                        </a:cubicBezTo>
-                        <a:cubicBezTo>
-                          <a:pt x="727640" y="15606"/>
-                          <a:pt x="904326" y="-79"/>
-                          <a:pt x="1123008" y="0"/>
-                        </a:cubicBezTo>
-                        <a:cubicBezTo>
-                          <a:pt x="1341690" y="79"/>
-                          <a:pt x="1600014" y="10401"/>
-                          <a:pt x="1782164" y="0"/>
-                        </a:cubicBezTo>
-                        <a:cubicBezTo>
-                          <a:pt x="1964314" y="-10401"/>
-                          <a:pt x="2143537" y="-21488"/>
-                          <a:pt x="2441321" y="0"/>
-                        </a:cubicBezTo>
-                        <a:cubicBezTo>
-                          <a:pt x="2441507" y="3335"/>
-                          <a:pt x="2441322" y="9457"/>
-                          <a:pt x="2441321" y="13716"/>
-                        </a:cubicBezTo>
-                        <a:cubicBezTo>
-                          <a:pt x="2166745" y="24201"/>
-                          <a:pt x="2078726" y="10904"/>
-                          <a:pt x="1879817" y="13716"/>
-                        </a:cubicBezTo>
-                        <a:cubicBezTo>
-                          <a:pt x="1680908" y="16528"/>
-                          <a:pt x="1548770" y="-8699"/>
-                          <a:pt x="1318313" y="13716"/>
-                        </a:cubicBezTo>
-                        <a:cubicBezTo>
-                          <a:pt x="1087856" y="36131"/>
-                          <a:pt x="894613" y="-645"/>
-                          <a:pt x="659157" y="13716"/>
-                        </a:cubicBezTo>
-                        <a:cubicBezTo>
-                          <a:pt x="423701" y="28077"/>
-                          <a:pt x="246611" y="29403"/>
-                          <a:pt x="0" y="13716"/>
-                        </a:cubicBezTo>
-                        <a:cubicBezTo>
-                          <a:pt x="-120" y="7867"/>
-                          <a:pt x="674" y="3919"/>
-                          <a:pt x="0" y="0"/>
-                        </a:cubicBezTo>
-                        <a:close/>
-                      </a:path>
-                    </a:pathLst>
-                  </a:custGeom>
-                  <ask:type>
-                    <ask:lineSketchFreehand/>
-                  </ask:type>
-                </ask:lineSketchStyleProps>
-              </a:ext>
-            </a:extLst>
-          </a:ln>
-        </p:spPr>
-        <p:style>
-          <a:lnRef idx="2">
-            <a:schemeClr val="accent1">
-              <a:shade val="50000"/>
-            </a:schemeClr>
-          </a:lnRef>
-          <a:fillRef idx="1">
-            <a:schemeClr val="accent1"/>
-          </a:fillRef>
-          <a:effectRef idx="0">
-            <a:schemeClr val="accent1"/>
-          </a:effectRef>
-          <a:fontRef idx="minor">
-            <a:schemeClr val="lt1"/>
-          </a:fontRef>
-        </p:style>
-        <p:txBody>
-          <a:bodyPr rtlCol="0" anchor="ctr"/>
-          <a:lstStyle/>
-          <a:p>
-            <a:pPr algn="ctr"/>
-            <a:endParaRPr lang="en-US"/>
-          </a:p>
-        </p:txBody>
-      </p:sp>
-      <p:sp>
-        <p:nvSpPr>
-          <p:cNvPr id="150" name="Google Shape;150;p31"/>
-          <p:cNvSpPr txBox="1">
-            <a:spLocks/>
-          </p:cNvSpPr>
-          <p:nvPr/>
-        </p:nvSpPr>
-        <p:spPr>
-          <a:xfrm>
-            <a:off x="4574286" y="1672643"/>
-            <a:ext cx="1541734" cy="1798213"/>
-          </a:xfrm>
-          <a:prstGeom prst="rect">
-            <a:avLst/>
-          </a:prstGeom>
-          <a:noFill/>
-          <a:ln>
-            <a:noFill/>
-          </a:ln>
-        </p:spPr>
-        <p:txBody>
-          <a:bodyPr spcFirstLastPara="1" wrap="square" lIns="68575" tIns="34275" rIns="68575" bIns="34275" anchor="t" anchorCtr="0">
-            <a:noAutofit/>
-          </a:bodyPr>
-          <a:lstStyle/>
-          <a:p>
-            <a:pPr marL="228600" indent="-149225" defTabSz="457200">
-              <a:lnSpc>
-                <a:spcPct val="115000"/>
-              </a:lnSpc>
-              <a:spcBef>
-                <a:spcPts val="400"/>
-              </a:spcBef>
-              <a:buSzPts val="1100"/>
-              <a:buFont typeface="Arial"/>
-              <a:buChar char="●"/>
-            </a:pPr>
-            <a:r>
-              <a:rPr lang="en" sz="1200" kern="1200">
-                <a:solidFill>
-                  <a:schemeClr val="tx1"/>
-                </a:solidFill>
-                <a:latin typeface="Arial"/>
-                <a:ea typeface="+mn-ea"/>
-                <a:cs typeface="Arial"/>
-                <a:sym typeface="Arial"/>
-              </a:rPr>
-              <a:t>Go</a:t>
-            </a:r>
-            <a:endParaRPr sz="1200" kern="1200">
-              <a:solidFill>
-                <a:schemeClr val="tx1"/>
-              </a:solidFill>
-              <a:latin typeface="Arial"/>
-              <a:ea typeface="+mn-ea"/>
-              <a:cs typeface="Arial"/>
-              <a:sym typeface="Arial"/>
-            </a:endParaRPr>
-          </a:p>
-          <a:p>
-            <a:pPr marL="228600" indent="-149225" defTabSz="457200">
-              <a:lnSpc>
-                <a:spcPct val="115000"/>
-              </a:lnSpc>
-              <a:buSzPts val="1100"/>
-              <a:buFont typeface="Arial"/>
-              <a:buChar char="●"/>
-            </a:pPr>
-            <a:r>
-              <a:rPr lang="en" sz="1200" kern="1200">
-                <a:solidFill>
-                  <a:schemeClr val="tx1"/>
-                </a:solidFill>
-                <a:latin typeface="Arial"/>
-                <a:ea typeface="+mn-ea"/>
-                <a:cs typeface="Arial"/>
-                <a:sym typeface="Arial"/>
-              </a:rPr>
-              <a:t>Java SE</a:t>
-            </a:r>
-            <a:endParaRPr sz="1200" kern="1200">
-              <a:solidFill>
-                <a:schemeClr val="tx1"/>
-              </a:solidFill>
-              <a:latin typeface="Arial"/>
-              <a:ea typeface="+mn-ea"/>
-              <a:cs typeface="Arial"/>
-              <a:sym typeface="Arial"/>
-            </a:endParaRPr>
-          </a:p>
-          <a:p>
-            <a:pPr marL="228600" indent="-149225" defTabSz="457200">
-              <a:lnSpc>
-                <a:spcPct val="115000"/>
-              </a:lnSpc>
-              <a:buSzPts val="1100"/>
-              <a:buFont typeface="Arial"/>
-              <a:buChar char="●"/>
-            </a:pPr>
-            <a:r>
-              <a:rPr lang="en" sz="1200" kern="1200">
-                <a:solidFill>
-                  <a:schemeClr val="tx1"/>
-                </a:solidFill>
-                <a:latin typeface="Arial"/>
-                <a:ea typeface="+mn-ea"/>
-                <a:cs typeface="Arial"/>
-                <a:sym typeface="Arial"/>
-              </a:rPr>
-              <a:t>Java with Tomcat</a:t>
-            </a:r>
-            <a:endParaRPr sz="1200" kern="1200">
-              <a:solidFill>
-                <a:schemeClr val="tx1"/>
-              </a:solidFill>
-              <a:latin typeface="Arial"/>
-              <a:ea typeface="+mn-ea"/>
-              <a:cs typeface="Arial"/>
-              <a:sym typeface="Arial"/>
-            </a:endParaRPr>
-          </a:p>
-          <a:p>
-            <a:pPr marL="228600" indent="-149225" defTabSz="457200">
-              <a:lnSpc>
-                <a:spcPct val="115000"/>
-              </a:lnSpc>
-              <a:buSzPts val="1100"/>
-              <a:buFont typeface="Arial"/>
-              <a:buChar char="●"/>
-            </a:pPr>
-            <a:r>
-              <a:rPr lang="en" sz="1200" kern="1200">
-                <a:solidFill>
-                  <a:schemeClr val="tx1"/>
-                </a:solidFill>
-                <a:latin typeface="Arial"/>
-                <a:ea typeface="+mn-ea"/>
-                <a:cs typeface="Arial"/>
-                <a:sym typeface="Arial"/>
-              </a:rPr>
-              <a:t>.NET Core on Linux</a:t>
-            </a:r>
-            <a:endParaRPr sz="1200" kern="1200">
-              <a:solidFill>
-                <a:schemeClr val="tx1"/>
-              </a:solidFill>
-              <a:latin typeface="Arial"/>
-              <a:ea typeface="+mn-ea"/>
-              <a:cs typeface="Arial"/>
-              <a:sym typeface="Arial"/>
-            </a:endParaRPr>
-          </a:p>
-          <a:p>
-            <a:pPr marL="228600" indent="-149225" defTabSz="457200">
-              <a:lnSpc>
-                <a:spcPct val="115000"/>
-              </a:lnSpc>
-              <a:buSzPts val="1100"/>
-              <a:buFont typeface="Arial"/>
-              <a:buChar char="●"/>
-            </a:pPr>
-            <a:r>
-              <a:rPr lang="en" sz="1200" kern="1200">
-                <a:solidFill>
-                  <a:schemeClr val="tx1"/>
-                </a:solidFill>
-                <a:latin typeface="Arial"/>
-                <a:ea typeface="+mn-ea"/>
-                <a:cs typeface="Arial"/>
-                <a:sym typeface="Arial"/>
-              </a:rPr>
-              <a:t>.NET on Windows Server </a:t>
-            </a:r>
-            <a:endParaRPr sz="1200" kern="1200">
-              <a:solidFill>
-                <a:schemeClr val="tx1"/>
-              </a:solidFill>
-              <a:latin typeface="Arial"/>
-              <a:ea typeface="+mn-ea"/>
-              <a:cs typeface="Arial"/>
-              <a:sym typeface="Arial"/>
-            </a:endParaRPr>
-          </a:p>
-          <a:p>
-            <a:pPr marL="228600" indent="-149225" defTabSz="457200">
-              <a:lnSpc>
-                <a:spcPct val="115000"/>
-              </a:lnSpc>
-              <a:buSzPts val="1100"/>
-              <a:buFont typeface="Arial"/>
-              <a:buChar char="●"/>
-            </a:pPr>
-            <a:r>
-              <a:rPr lang="en" sz="1200" kern="1200">
-                <a:solidFill>
-                  <a:schemeClr val="tx1"/>
-                </a:solidFill>
-                <a:latin typeface="Arial"/>
-                <a:ea typeface="+mn-ea"/>
-                <a:cs typeface="Arial"/>
-                <a:sym typeface="Arial"/>
-              </a:rPr>
-              <a:t>Node.js</a:t>
-            </a:r>
-            <a:endParaRPr sz="1200" kern="1200">
-              <a:solidFill>
-                <a:schemeClr val="tx1"/>
-              </a:solidFill>
-              <a:latin typeface="Arial"/>
-              <a:ea typeface="+mn-ea"/>
-              <a:cs typeface="Arial"/>
-              <a:sym typeface="Arial"/>
-            </a:endParaRPr>
-          </a:p>
-          <a:p>
-            <a:pPr marL="228600" indent="-149225" defTabSz="457200">
-              <a:lnSpc>
-                <a:spcPct val="115000"/>
-              </a:lnSpc>
-              <a:buSzPts val="1100"/>
-              <a:buFont typeface="Arial"/>
-              <a:buChar char="●"/>
-            </a:pPr>
-            <a:r>
-              <a:rPr lang="en" sz="1200" kern="1200">
-                <a:solidFill>
-                  <a:schemeClr val="tx1"/>
-                </a:solidFill>
-                <a:latin typeface="Arial"/>
-                <a:ea typeface="+mn-ea"/>
-                <a:cs typeface="Arial"/>
-                <a:sym typeface="Arial"/>
-              </a:rPr>
-              <a:t>PHP</a:t>
-            </a:r>
-            <a:endParaRPr sz="1200" kern="1200">
-              <a:solidFill>
-                <a:schemeClr val="tx1"/>
-              </a:solidFill>
-              <a:latin typeface="Arial"/>
-              <a:ea typeface="+mn-ea"/>
-              <a:cs typeface="Arial"/>
-              <a:sym typeface="Arial"/>
-            </a:endParaRPr>
-          </a:p>
-          <a:p>
-            <a:pPr marL="228600" indent="-149225" defTabSz="457200">
-              <a:lnSpc>
-                <a:spcPct val="115000"/>
-              </a:lnSpc>
-              <a:buSzPts val="1100"/>
-              <a:buFont typeface="Arial"/>
-              <a:buChar char="●"/>
-            </a:pPr>
-            <a:r>
-              <a:rPr lang="en" sz="1200" kern="1200">
-                <a:solidFill>
-                  <a:schemeClr val="tx1"/>
-                </a:solidFill>
-                <a:latin typeface="Arial"/>
-                <a:ea typeface="+mn-ea"/>
-                <a:cs typeface="Arial"/>
-                <a:sym typeface="Arial"/>
-              </a:rPr>
-              <a:t>Python</a:t>
-            </a:r>
-            <a:endParaRPr sz="1200">
-              <a:latin typeface="Arial"/>
-              <a:ea typeface="Arial"/>
-              <a:cs typeface="Arial"/>
-              <a:sym typeface="Arial"/>
-            </a:endParaRPr>
-          </a:p>
-        </p:txBody>
-      </p:sp>
-      <p:sp>
-        <p:nvSpPr>
-          <p:cNvPr id="151" name="Google Shape;151;p31"/>
-          <p:cNvSpPr txBox="1"/>
-          <p:nvPr/>
-        </p:nvSpPr>
-        <p:spPr>
-          <a:xfrm>
-            <a:off x="6583902" y="1672643"/>
-            <a:ext cx="2084610" cy="2634537"/>
-          </a:xfrm>
-          <a:prstGeom prst="rect">
-            <a:avLst/>
-          </a:prstGeom>
-          <a:noFill/>
-          <a:ln>
-            <a:noFill/>
-          </a:ln>
-        </p:spPr>
-        <p:txBody>
-          <a:bodyPr spcFirstLastPara="1" wrap="square" lIns="91425" tIns="91425" rIns="91425" bIns="91425" anchor="t" anchorCtr="0">
-            <a:spAutoFit/>
-          </a:bodyPr>
-          <a:lstStyle/>
-          <a:p>
-            <a:pPr marL="228600" indent="-149225" defTabSz="457200">
-              <a:lnSpc>
-                <a:spcPct val="115000"/>
-              </a:lnSpc>
-              <a:spcAft>
-                <a:spcPts val="600"/>
-              </a:spcAft>
-              <a:buSzPts val="1100"/>
-              <a:buChar char="●"/>
-            </a:pPr>
-            <a:r>
-              <a:rPr lang="en-GB" sz="1200" kern="1200">
-                <a:solidFill>
-                  <a:schemeClr val="tx1"/>
-                </a:solidFill>
-                <a:latin typeface="+mn-lt"/>
-                <a:ea typeface="+mn-ea"/>
-                <a:cs typeface="+mn-cs"/>
-              </a:rPr>
-              <a:t>Ruby</a:t>
-            </a:r>
-          </a:p>
-          <a:p>
-            <a:pPr marL="228600" indent="-149225" defTabSz="457200">
-              <a:lnSpc>
-                <a:spcPct val="115000"/>
-              </a:lnSpc>
-              <a:spcAft>
-                <a:spcPts val="600"/>
-              </a:spcAft>
-              <a:buSzPts val="1100"/>
-              <a:buChar char="●"/>
-            </a:pPr>
-            <a:r>
-              <a:rPr lang="en-GB" sz="1200" kern="1200">
-                <a:solidFill>
-                  <a:schemeClr val="tx1"/>
-                </a:solidFill>
-                <a:latin typeface="+mn-lt"/>
-                <a:ea typeface="+mn-ea"/>
-                <a:cs typeface="+mn-cs"/>
-              </a:rPr>
-              <a:t>Packer Builder</a:t>
-            </a:r>
-          </a:p>
-          <a:p>
-            <a:pPr marL="228600" indent="-149225" defTabSz="457200">
-              <a:lnSpc>
-                <a:spcPct val="115000"/>
-              </a:lnSpc>
-              <a:spcAft>
-                <a:spcPts val="600"/>
-              </a:spcAft>
-              <a:buSzPts val="1100"/>
-              <a:buChar char="●"/>
-            </a:pPr>
-            <a:r>
-              <a:rPr lang="en-GB" sz="1200" kern="1200">
-                <a:solidFill>
-                  <a:schemeClr val="tx1"/>
-                </a:solidFill>
-                <a:latin typeface="+mn-lt"/>
-                <a:ea typeface="+mn-ea"/>
-                <a:cs typeface="+mn-cs"/>
-              </a:rPr>
-              <a:t>Single Container Docker</a:t>
-            </a:r>
-          </a:p>
-          <a:p>
-            <a:pPr marL="228600" indent="-149225" defTabSz="457200">
-              <a:lnSpc>
-                <a:spcPct val="115000"/>
-              </a:lnSpc>
-              <a:spcAft>
-                <a:spcPts val="600"/>
-              </a:spcAft>
-              <a:buSzPts val="1100"/>
-              <a:buChar char="●"/>
-            </a:pPr>
-            <a:r>
-              <a:rPr lang="en-GB" sz="1200" kern="1200">
-                <a:solidFill>
-                  <a:schemeClr val="tx1"/>
-                </a:solidFill>
-                <a:latin typeface="+mn-lt"/>
-                <a:ea typeface="+mn-ea"/>
-                <a:cs typeface="+mn-cs"/>
-              </a:rPr>
-              <a:t>Multi-container Docker</a:t>
-            </a:r>
-          </a:p>
-          <a:p>
-            <a:pPr marL="228600" indent="-149225" defTabSz="457200">
-              <a:lnSpc>
-                <a:spcPct val="115000"/>
-              </a:lnSpc>
-              <a:spcAft>
-                <a:spcPts val="600"/>
-              </a:spcAft>
-              <a:buSzPts val="1100"/>
-              <a:buChar char="●"/>
-            </a:pPr>
-            <a:r>
-              <a:rPr lang="en-GB" sz="1200" kern="1200">
-                <a:solidFill>
-                  <a:schemeClr val="tx1"/>
-                </a:solidFill>
-                <a:latin typeface="+mn-lt"/>
-                <a:ea typeface="+mn-ea"/>
-                <a:cs typeface="+mn-cs"/>
-              </a:rPr>
-              <a:t>Preconfigured Docker</a:t>
-            </a:r>
-          </a:p>
-          <a:p>
-            <a:pPr defTabSz="457200">
-              <a:lnSpc>
-                <a:spcPct val="115000"/>
-              </a:lnSpc>
-              <a:spcAft>
-                <a:spcPts val="600"/>
-              </a:spcAft>
-            </a:pPr>
-            <a:endParaRPr lang="en-GB" sz="1200" kern="1200">
-              <a:solidFill>
-                <a:schemeClr val="tx1"/>
-              </a:solidFill>
-              <a:latin typeface="+mn-lt"/>
-              <a:ea typeface="+mn-ea"/>
-              <a:cs typeface="+mn-cs"/>
-            </a:endParaRPr>
-          </a:p>
-          <a:p>
-            <a:pPr marL="228600" indent="-149225" defTabSz="457200">
-              <a:lnSpc>
-                <a:spcPct val="115000"/>
-              </a:lnSpc>
-              <a:spcAft>
-                <a:spcPts val="600"/>
-              </a:spcAft>
-              <a:buSzPts val="1100"/>
-              <a:buChar char="●"/>
-            </a:pPr>
-            <a:r>
-              <a:rPr lang="en-GB" sz="1200" b="1" kern="1200">
-                <a:solidFill>
-                  <a:schemeClr val="tx1"/>
-                </a:solidFill>
-                <a:latin typeface="+mn-lt"/>
-                <a:ea typeface="+mn-ea"/>
-                <a:cs typeface="+mn-cs"/>
-              </a:rPr>
-              <a:t>If not supported, you can write your custom platform (advanced)</a:t>
-            </a:r>
-            <a:endParaRPr lang="en-GB" sz="1200" b="1"/>
-          </a:p>
-        </p:txBody>
-      </p:sp>
+      </p:pic>
     </p:spTree>
+    <p:extLst>
+      <p:ext uri="{BB962C8B-B14F-4D97-AF65-F5344CB8AC3E}">
+        <p14:creationId xmlns:p14="http://schemas.microsoft.com/office/powerpoint/2010/main" val="38355935"/>
+      </p:ext>
+    </p:extLst>
   </p:cSld>
   <p:clrMapOvr>
     <a:masterClrMapping/>
@@ -8063,1296 +6476,7 @@
 </p:sld>
 </file>
 
-<file path=ppt/slides/slide4.xml><?xml version="1.0" encoding="utf-8"?>
-<p:sld xmlns:a="http://schemas.openxmlformats.org/drawingml/2006/main" xmlns:r="http://schemas.openxmlformats.org/officeDocument/2006/relationships" xmlns:p="http://schemas.openxmlformats.org/presentationml/2006/main">
-  <p:cSld>
-    <p:bg>
-      <p:bgPr>
-        <a:solidFill>
-          <a:schemeClr val="bg1"/>
-        </a:solidFill>
-        <a:effectLst/>
-      </p:bgPr>
-    </p:bg>
-    <p:spTree>
-      <p:nvGrpSpPr>
-        <p:cNvPr id="1" name="Shape 155"/>
-        <p:cNvGrpSpPr/>
-        <p:nvPr/>
-      </p:nvGrpSpPr>
-      <p:grpSpPr>
-        <a:xfrm>
-          <a:off x="0" y="0"/>
-          <a:ext cx="0" cy="0"/>
-          <a:chOff x="0" y="0"/>
-          <a:chExt cx="0" cy="0"/>
-        </a:xfrm>
-      </p:grpSpPr>
-      <p:sp useBgFill="1">
-        <p:nvSpPr>
-          <p:cNvPr id="169" name="Rectangle 168">
-            <a:extLst>
-              <a:ext uri="{FF2B5EF4-FFF2-40B4-BE49-F238E27FC236}">
-                <a16:creationId xmlns:a16="http://schemas.microsoft.com/office/drawing/2014/main" id="{32AEEBC8-9D30-42EF-95F2-386C2653FBF0}"/>
-              </a:ext>
-              <a:ext uri="{C183D7F6-B498-43B3-948B-1728B52AA6E4}">
-                <adec:decorative xmlns:adec="http://schemas.microsoft.com/office/drawing/2017/decorative" val="1"/>
-              </a:ext>
-            </a:extLst>
-          </p:cNvPr>
-          <p:cNvSpPr>
-            <a:spLocks noGrp="1" noRot="1" noChangeAspect="1" noMove="1" noResize="1" noEditPoints="1" noAdjustHandles="1" noChangeArrowheads="1" noChangeShapeType="1" noTextEdit="1"/>
-          </p:cNvSpPr>
-          <p:nvPr>
-            <p:extLst>
-              <p:ext uri="{386F3935-93C4-4BCD-93E2-E3B085C9AB24}">
-                <p16:designElem xmlns:p16="http://schemas.microsoft.com/office/powerpoint/2015/main" val="1"/>
-              </p:ext>
-            </p:extLst>
-          </p:nvPr>
-        </p:nvSpPr>
-        <p:spPr>
-          <a:xfrm>
-            <a:off x="0" y="0"/>
-            <a:ext cx="9144000" cy="5143500"/>
-          </a:xfrm>
-          <a:prstGeom prst="rect">
-            <a:avLst/>
-          </a:prstGeom>
-          <a:ln>
-            <a:noFill/>
-          </a:ln>
-        </p:spPr>
-        <p:style>
-          <a:lnRef idx="2">
-            <a:schemeClr val="accent1">
-              <a:shade val="50000"/>
-            </a:schemeClr>
-          </a:lnRef>
-          <a:fillRef idx="1">
-            <a:schemeClr val="accent1"/>
-          </a:fillRef>
-          <a:effectRef idx="0">
-            <a:schemeClr val="accent1"/>
-          </a:effectRef>
-          <a:fontRef idx="minor">
-            <a:schemeClr val="lt1"/>
-          </a:fontRef>
-        </p:style>
-        <p:txBody>
-          <a:bodyPr rtlCol="0" anchor="ctr"/>
-          <a:lstStyle/>
-          <a:p>
-            <a:pPr algn="ctr"/>
-            <a:endParaRPr lang="en-US"/>
-          </a:p>
-        </p:txBody>
-      </p:sp>
-      <p:sp>
-        <p:nvSpPr>
-          <p:cNvPr id="156" name="Google Shape;156;p32"/>
-          <p:cNvSpPr txBox="1">
-            <a:spLocks noGrp="1"/>
-          </p:cNvSpPr>
-          <p:nvPr>
-            <p:ph type="title"/>
-          </p:nvPr>
-        </p:nvSpPr>
-        <p:spPr>
-          <a:xfrm>
-            <a:off x="473202" y="377190"/>
-            <a:ext cx="2564892" cy="1097280"/>
-          </a:xfrm>
-          <a:prstGeom prst="rect">
-            <a:avLst/>
-          </a:prstGeom>
-        </p:spPr>
-        <p:txBody>
-          <a:bodyPr spcFirstLastPara="1" vert="horz" lIns="91440" tIns="45720" rIns="91440" bIns="45720" rtlCol="0" anchor="ctr" anchorCtr="0">
-            <a:normAutofit/>
-          </a:bodyPr>
-          <a:lstStyle/>
-          <a:p>
-            <a:pPr marL="0" lvl="0" indent="0" defTabSz="914400">
-              <a:spcAft>
-                <a:spcPts val="0"/>
-              </a:spcAft>
-              <a:buClr>
-                <a:schemeClr val="dk1"/>
-              </a:buClr>
-              <a:buSzPts val="2400"/>
-            </a:pPr>
-            <a:r>
-              <a:rPr lang="en-US" sz="2800" kern="1200">
-                <a:solidFill>
-                  <a:schemeClr val="tx1"/>
-                </a:solidFill>
-                <a:latin typeface="+mj-lt"/>
-                <a:ea typeface="+mj-ea"/>
-                <a:cs typeface="+mj-cs"/>
-              </a:rPr>
-              <a:t>Web Server Tier vs. Worker Tier</a:t>
-            </a:r>
-            <a:endParaRPr lang="en-US" sz="2800" kern="1200">
-              <a:solidFill>
-                <a:schemeClr val="tx1"/>
-              </a:solidFill>
-              <a:latin typeface="+mj-lt"/>
-              <a:ea typeface="+mj-ea"/>
-              <a:cs typeface="+mj-cs"/>
-              <a:sym typeface="Economica"/>
-            </a:endParaRPr>
-          </a:p>
-        </p:txBody>
-      </p:sp>
-      <p:sp>
-        <p:nvSpPr>
-          <p:cNvPr id="170" name="sketch line">
-            <a:extLst>
-              <a:ext uri="{FF2B5EF4-FFF2-40B4-BE49-F238E27FC236}">
-                <a16:creationId xmlns:a16="http://schemas.microsoft.com/office/drawing/2014/main" id="{2E92FA66-67D7-4CB4-94D3-E643A9AD4757}"/>
-              </a:ext>
-              <a:ext uri="{C183D7F6-B498-43B3-948B-1728B52AA6E4}">
-                <adec:decorative xmlns:adec="http://schemas.microsoft.com/office/drawing/2017/decorative" val="1"/>
-              </a:ext>
-            </a:extLst>
-          </p:cNvPr>
-          <p:cNvSpPr>
-            <a:spLocks noGrp="1" noRot="1" noChangeAspect="1" noMove="1" noResize="1" noEditPoints="1" noAdjustHandles="1" noChangeArrowheads="1" noChangeShapeType="1" noTextEdit="1"/>
-          </p:cNvSpPr>
-          <p:nvPr>
-            <p:extLst>
-              <p:ext uri="{386F3935-93C4-4BCD-93E2-E3B085C9AB24}">
-                <p16:designElem xmlns:p16="http://schemas.microsoft.com/office/powerpoint/2015/main" val="1"/>
-              </p:ext>
-            </p:extLst>
-          </p:nvPr>
-        </p:nvSpPr>
-        <p:spPr>
-          <a:xfrm rot="5400000">
-            <a:off x="2674619" y="918972"/>
-            <a:ext cx="1165860" cy="13716"/>
-          </a:xfrm>
-          <a:custGeom>
-            <a:avLst/>
-            <a:gdLst>
-              <a:gd name="connsiteX0" fmla="*/ 0 w 1165860"/>
-              <a:gd name="connsiteY0" fmla="*/ 0 h 13716"/>
-              <a:gd name="connsiteX1" fmla="*/ 606247 w 1165860"/>
-              <a:gd name="connsiteY1" fmla="*/ 0 h 13716"/>
-              <a:gd name="connsiteX2" fmla="*/ 1165860 w 1165860"/>
-              <a:gd name="connsiteY2" fmla="*/ 0 h 13716"/>
-              <a:gd name="connsiteX3" fmla="*/ 1165860 w 1165860"/>
-              <a:gd name="connsiteY3" fmla="*/ 13716 h 13716"/>
-              <a:gd name="connsiteX4" fmla="*/ 594589 w 1165860"/>
-              <a:gd name="connsiteY4" fmla="*/ 13716 h 13716"/>
-              <a:gd name="connsiteX5" fmla="*/ 0 w 1165860"/>
-              <a:gd name="connsiteY5" fmla="*/ 13716 h 13716"/>
-              <a:gd name="connsiteX6" fmla="*/ 0 w 1165860"/>
-              <a:gd name="connsiteY6" fmla="*/ 0 h 13716"/>
-              <a:gd name="connsiteX0" fmla="*/ 0 w 1165860"/>
-              <a:gd name="connsiteY0" fmla="*/ 0 h 13716"/>
-              <a:gd name="connsiteX1" fmla="*/ 571271 w 1165860"/>
-              <a:gd name="connsiteY1" fmla="*/ 0 h 13716"/>
-              <a:gd name="connsiteX2" fmla="*/ 1165860 w 1165860"/>
-              <a:gd name="connsiteY2" fmla="*/ 0 h 13716"/>
-              <a:gd name="connsiteX3" fmla="*/ 1165860 w 1165860"/>
-              <a:gd name="connsiteY3" fmla="*/ 13716 h 13716"/>
-              <a:gd name="connsiteX4" fmla="*/ 582930 w 1165860"/>
-              <a:gd name="connsiteY4" fmla="*/ 13716 h 13716"/>
-              <a:gd name="connsiteX5" fmla="*/ 0 w 1165860"/>
-              <a:gd name="connsiteY5" fmla="*/ 13716 h 13716"/>
-              <a:gd name="connsiteX6" fmla="*/ 0 w 1165860"/>
-              <a:gd name="connsiteY6" fmla="*/ 0 h 13716"/>
-            </a:gdLst>
-            <a:ahLst/>
-            <a:cxnLst>
-              <a:cxn ang="0">
-                <a:pos x="connsiteX0" y="connsiteY0"/>
-              </a:cxn>
-              <a:cxn ang="0">
-                <a:pos x="connsiteX1" y="connsiteY1"/>
-              </a:cxn>
-              <a:cxn ang="0">
-                <a:pos x="connsiteX2" y="connsiteY2"/>
-              </a:cxn>
-              <a:cxn ang="0">
-                <a:pos x="connsiteX3" y="connsiteY3"/>
-              </a:cxn>
-              <a:cxn ang="0">
-                <a:pos x="connsiteX4" y="connsiteY4"/>
-              </a:cxn>
-              <a:cxn ang="0">
-                <a:pos x="connsiteX5" y="connsiteY5"/>
-              </a:cxn>
-              <a:cxn ang="0">
-                <a:pos x="connsiteX6" y="connsiteY6"/>
-              </a:cxn>
-            </a:cxnLst>
-            <a:rect l="l" t="t" r="r" b="b"/>
-            <a:pathLst>
-              <a:path w="1165860" h="13716" fill="none" extrusionOk="0">
-                <a:moveTo>
-                  <a:pt x="0" y="0"/>
-                </a:moveTo>
-                <a:cubicBezTo>
-                  <a:pt x="162513" y="-11573"/>
-                  <a:pt x="293236" y="13784"/>
-                  <a:pt x="606247" y="0"/>
-                </a:cubicBezTo>
-                <a:cubicBezTo>
-                  <a:pt x="918540" y="21259"/>
-                  <a:pt x="1045080" y="-115"/>
-                  <a:pt x="1165860" y="0"/>
-                </a:cubicBezTo>
-                <a:cubicBezTo>
-                  <a:pt x="1165019" y="4344"/>
-                  <a:pt x="1166624" y="8943"/>
-                  <a:pt x="1165860" y="13716"/>
-                </a:cubicBezTo>
-                <a:cubicBezTo>
-                  <a:pt x="946700" y="12426"/>
-                  <a:pt x="749200" y="55216"/>
-                  <a:pt x="594589" y="13716"/>
-                </a:cubicBezTo>
-                <a:cubicBezTo>
-                  <a:pt x="456803" y="27350"/>
-                  <a:pt x="127892" y="32293"/>
-                  <a:pt x="0" y="13716"/>
-                </a:cubicBezTo>
-                <a:cubicBezTo>
-                  <a:pt x="333" y="7342"/>
-                  <a:pt x="-50" y="3958"/>
-                  <a:pt x="0" y="0"/>
-                </a:cubicBezTo>
-                <a:close/>
-              </a:path>
-              <a:path w="1165860" h="13716" stroke="0" extrusionOk="0">
-                <a:moveTo>
-                  <a:pt x="0" y="0"/>
-                </a:moveTo>
-                <a:cubicBezTo>
-                  <a:pt x="167350" y="-3293"/>
-                  <a:pt x="437486" y="-21181"/>
-                  <a:pt x="571271" y="0"/>
-                </a:cubicBezTo>
-                <a:cubicBezTo>
-                  <a:pt x="682336" y="18030"/>
-                  <a:pt x="900098" y="-64409"/>
-                  <a:pt x="1165860" y="0"/>
-                </a:cubicBezTo>
-                <a:cubicBezTo>
-                  <a:pt x="1165765" y="6724"/>
-                  <a:pt x="1165823" y="9557"/>
-                  <a:pt x="1165860" y="13716"/>
-                </a:cubicBezTo>
-                <a:cubicBezTo>
-                  <a:pt x="972168" y="33850"/>
-                  <a:pt x="797113" y="36398"/>
-                  <a:pt x="582930" y="13716"/>
-                </a:cubicBezTo>
-                <a:cubicBezTo>
-                  <a:pt x="375326" y="35428"/>
-                  <a:pt x="253285" y="24936"/>
-                  <a:pt x="0" y="13716"/>
-                </a:cubicBezTo>
-                <a:cubicBezTo>
-                  <a:pt x="416" y="7935"/>
-                  <a:pt x="-303" y="5797"/>
-                  <a:pt x="0" y="0"/>
-                </a:cubicBezTo>
-                <a:close/>
-              </a:path>
-              <a:path w="1165860" h="13716" fill="none" stroke="0" extrusionOk="0">
-                <a:moveTo>
-                  <a:pt x="0" y="0"/>
-                </a:moveTo>
-                <a:cubicBezTo>
-                  <a:pt x="141691" y="-9407"/>
-                  <a:pt x="290986" y="-3815"/>
-                  <a:pt x="606247" y="0"/>
-                </a:cubicBezTo>
-                <a:cubicBezTo>
-                  <a:pt x="921700" y="15825"/>
-                  <a:pt x="1020734" y="-3786"/>
-                  <a:pt x="1165860" y="0"/>
-                </a:cubicBezTo>
-                <a:cubicBezTo>
-                  <a:pt x="1164964" y="5033"/>
-                  <a:pt x="1165847" y="9200"/>
-                  <a:pt x="1165860" y="13716"/>
-                </a:cubicBezTo>
-                <a:cubicBezTo>
-                  <a:pt x="917161" y="-9135"/>
-                  <a:pt x="771575" y="33167"/>
-                  <a:pt x="594589" y="13716"/>
-                </a:cubicBezTo>
-                <a:cubicBezTo>
-                  <a:pt x="470947" y="9820"/>
-                  <a:pt x="122508" y="15185"/>
-                  <a:pt x="0" y="13716"/>
-                </a:cubicBezTo>
-                <a:cubicBezTo>
-                  <a:pt x="-660" y="7426"/>
-                  <a:pt x="-250" y="4536"/>
-                  <a:pt x="0" y="0"/>
-                </a:cubicBezTo>
-                <a:close/>
-              </a:path>
-            </a:pathLst>
-          </a:custGeom>
-          <a:solidFill>
-            <a:schemeClr val="accent2"/>
-          </a:solidFill>
-          <a:ln w="41275" cap="rnd">
-            <a:solidFill>
-              <a:schemeClr val="accent2"/>
-            </a:solidFill>
-            <a:round/>
-            <a:extLst>
-              <a:ext uri="{C807C97D-BFC1-408E-A445-0C87EB9F89A2}">
-                <ask:lineSketchStyleProps xmlns:ask="http://schemas.microsoft.com/office/drawing/2018/sketchyshapes" sd="1219033472">
-                  <a:custGeom>
-                    <a:avLst/>
-                    <a:gdLst>
-                      <a:gd name="connsiteX0" fmla="*/ 0 w 1165860"/>
-                      <a:gd name="connsiteY0" fmla="*/ 0 h 13716"/>
-                      <a:gd name="connsiteX1" fmla="*/ 606247 w 1165860"/>
-                      <a:gd name="connsiteY1" fmla="*/ 0 h 13716"/>
-                      <a:gd name="connsiteX2" fmla="*/ 1165860 w 1165860"/>
-                      <a:gd name="connsiteY2" fmla="*/ 0 h 13716"/>
-                      <a:gd name="connsiteX3" fmla="*/ 1165860 w 1165860"/>
-                      <a:gd name="connsiteY3" fmla="*/ 13716 h 13716"/>
-                      <a:gd name="connsiteX4" fmla="*/ 594589 w 1165860"/>
-                      <a:gd name="connsiteY4" fmla="*/ 13716 h 13716"/>
-                      <a:gd name="connsiteX5" fmla="*/ 0 w 1165860"/>
-                      <a:gd name="connsiteY5" fmla="*/ 13716 h 13716"/>
-                      <a:gd name="connsiteX6" fmla="*/ 0 w 1165860"/>
-                      <a:gd name="connsiteY6" fmla="*/ 0 h 13716"/>
-                    </a:gdLst>
-                    <a:ahLst/>
-                    <a:cxnLst>
-                      <a:cxn ang="0">
-                        <a:pos x="connsiteX0" y="connsiteY0"/>
-                      </a:cxn>
-                      <a:cxn ang="0">
-                        <a:pos x="connsiteX1" y="connsiteY1"/>
-                      </a:cxn>
-                      <a:cxn ang="0">
-                        <a:pos x="connsiteX2" y="connsiteY2"/>
-                      </a:cxn>
-                      <a:cxn ang="0">
-                        <a:pos x="connsiteX3" y="connsiteY3"/>
-                      </a:cxn>
-                      <a:cxn ang="0">
-                        <a:pos x="connsiteX4" y="connsiteY4"/>
-                      </a:cxn>
-                      <a:cxn ang="0">
-                        <a:pos x="connsiteX5" y="connsiteY5"/>
-                      </a:cxn>
-                      <a:cxn ang="0">
-                        <a:pos x="connsiteX6" y="connsiteY6"/>
-                      </a:cxn>
-                    </a:cxnLst>
-                    <a:rect l="l" t="t" r="r" b="b"/>
-                    <a:pathLst>
-                      <a:path w="1165860" h="13716" fill="none" extrusionOk="0">
-                        <a:moveTo>
-                          <a:pt x="0" y="0"/>
-                        </a:moveTo>
-                        <a:cubicBezTo>
-                          <a:pt x="164196" y="4475"/>
-                          <a:pt x="311417" y="-11483"/>
-                          <a:pt x="606247" y="0"/>
-                        </a:cubicBezTo>
-                        <a:cubicBezTo>
-                          <a:pt x="901077" y="11483"/>
-                          <a:pt x="1028750" y="-4041"/>
-                          <a:pt x="1165860" y="0"/>
-                        </a:cubicBezTo>
-                        <a:cubicBezTo>
-                          <a:pt x="1165578" y="4434"/>
-                          <a:pt x="1165988" y="8423"/>
-                          <a:pt x="1165860" y="13716"/>
-                        </a:cubicBezTo>
-                        <a:cubicBezTo>
-                          <a:pt x="940964" y="3888"/>
-                          <a:pt x="745886" y="20893"/>
-                          <a:pt x="594589" y="13716"/>
-                        </a:cubicBezTo>
-                        <a:cubicBezTo>
-                          <a:pt x="443292" y="6539"/>
-                          <a:pt x="119306" y="21776"/>
-                          <a:pt x="0" y="13716"/>
-                        </a:cubicBezTo>
-                        <a:cubicBezTo>
-                          <a:pt x="103" y="7543"/>
-                          <a:pt x="-154" y="4446"/>
-                          <a:pt x="0" y="0"/>
-                        </a:cubicBezTo>
-                        <a:close/>
-                      </a:path>
-                      <a:path w="1165860" h="13716" stroke="0" extrusionOk="0">
-                        <a:moveTo>
-                          <a:pt x="0" y="0"/>
-                        </a:moveTo>
-                        <a:cubicBezTo>
-                          <a:pt x="199755" y="-8614"/>
-                          <a:pt x="439971" y="-19466"/>
-                          <a:pt x="571271" y="0"/>
-                        </a:cubicBezTo>
-                        <a:cubicBezTo>
-                          <a:pt x="702571" y="19466"/>
-                          <a:pt x="922660" y="-18418"/>
-                          <a:pt x="1165860" y="0"/>
-                        </a:cubicBezTo>
-                        <a:cubicBezTo>
-                          <a:pt x="1165756" y="6849"/>
-                          <a:pt x="1166068" y="9414"/>
-                          <a:pt x="1165860" y="13716"/>
-                        </a:cubicBezTo>
-                        <a:cubicBezTo>
-                          <a:pt x="981594" y="16996"/>
-                          <a:pt x="788922" y="30312"/>
-                          <a:pt x="582930" y="13716"/>
-                        </a:cubicBezTo>
-                        <a:cubicBezTo>
-                          <a:pt x="376938" y="-2880"/>
-                          <a:pt x="227474" y="40246"/>
-                          <a:pt x="0" y="13716"/>
-                        </a:cubicBezTo>
-                        <a:cubicBezTo>
-                          <a:pt x="469" y="7851"/>
-                          <a:pt x="200" y="5770"/>
-                          <a:pt x="0" y="0"/>
-                        </a:cubicBezTo>
-                        <a:close/>
-                      </a:path>
-                    </a:pathLst>
-                  </a:custGeom>
-                  <ask:type>
-                    <ask:lineSketchFreehand/>
-                  </ask:type>
-                </ask:lineSketchStyleProps>
-              </a:ext>
-            </a:extLst>
-          </a:ln>
-        </p:spPr>
-        <p:style>
-          <a:lnRef idx="2">
-            <a:schemeClr val="accent1">
-              <a:shade val="50000"/>
-            </a:schemeClr>
-          </a:lnRef>
-          <a:fillRef idx="1">
-            <a:schemeClr val="accent1"/>
-          </a:fillRef>
-          <a:effectRef idx="0">
-            <a:schemeClr val="accent1"/>
-          </a:effectRef>
-          <a:fontRef idx="minor">
-            <a:schemeClr val="lt1"/>
-          </a:fontRef>
-        </p:style>
-        <p:txBody>
-          <a:bodyPr rtlCol="0" anchor="ctr"/>
-          <a:lstStyle/>
-          <a:p>
-            <a:pPr algn="ctr"/>
-            <a:endParaRPr lang="en-US"/>
-          </a:p>
-        </p:txBody>
-      </p:sp>
-      <p:sp>
-        <p:nvSpPr>
-          <p:cNvPr id="157" name="Google Shape;157;p32"/>
-          <p:cNvSpPr txBox="1">
-            <a:spLocks noGrp="1"/>
-          </p:cNvSpPr>
-          <p:nvPr>
-            <p:ph sz="half" idx="1"/>
-          </p:nvPr>
-        </p:nvSpPr>
-        <p:spPr>
-          <a:xfrm>
-            <a:off x="3490721" y="377190"/>
-            <a:ext cx="5170932" cy="1097280"/>
-          </a:xfrm>
-          <a:prstGeom prst="rect">
-            <a:avLst/>
-          </a:prstGeom>
-        </p:spPr>
-        <p:txBody>
-          <a:bodyPr spcFirstLastPara="1" vert="horz" lIns="91440" tIns="45720" rIns="91440" bIns="45720" rtlCol="0" anchor="ctr" anchorCtr="0">
-            <a:normAutofit/>
-          </a:bodyPr>
-          <a:lstStyle/>
-          <a:p>
-            <a:pPr marL="0" lvl="0" indent="-228600" defTabSz="914400">
-              <a:spcBef>
-                <a:spcPts val="800"/>
-              </a:spcBef>
-              <a:spcAft>
-                <a:spcPts val="0"/>
-              </a:spcAft>
-            </a:pPr>
-            <a:r>
-              <a:rPr lang="en-US" sz="1300" b="1">
-                <a:sym typeface="Arial"/>
-              </a:rPr>
-              <a:t>Web servers</a:t>
-            </a:r>
-            <a:r>
-              <a:rPr lang="en-US" sz="1300">
-                <a:sym typeface="Arial"/>
-              </a:rPr>
-              <a:t> are standard applications that listen for and then process HTTP requests, typically over port 80.</a:t>
-            </a:r>
-          </a:p>
-          <a:p>
-            <a:pPr marL="0" lvl="0" indent="-228600" defTabSz="914400">
-              <a:spcBef>
-                <a:spcPts val="1200"/>
-              </a:spcBef>
-              <a:spcAft>
-                <a:spcPts val="0"/>
-              </a:spcAft>
-            </a:pPr>
-            <a:r>
-              <a:rPr lang="en-US" sz="1300" b="1">
-                <a:sym typeface="Arial"/>
-              </a:rPr>
-              <a:t>Workers </a:t>
-            </a:r>
-            <a:r>
-              <a:rPr lang="en-US" sz="1300">
-                <a:sym typeface="Arial"/>
-              </a:rPr>
-              <a:t>are specialized applications that have a background processing task that listens for messages on an Amazon SQS queue.</a:t>
-            </a:r>
-          </a:p>
-          <a:p>
-            <a:pPr marL="0" lvl="0" indent="-228600" defTabSz="914400">
-              <a:spcBef>
-                <a:spcPts val="1200"/>
-              </a:spcBef>
-              <a:spcAft>
-                <a:spcPts val="1200"/>
-              </a:spcAft>
-            </a:pPr>
-            <a:endParaRPr lang="en-US" sz="1300">
-              <a:sym typeface="Arial"/>
-            </a:endParaRPr>
-          </a:p>
-        </p:txBody>
-      </p:sp>
-      <p:pic>
-        <p:nvPicPr>
-          <p:cNvPr id="158" name="Google Shape;158;p32"/>
-          <p:cNvPicPr preferRelativeResize="0"/>
-          <p:nvPr/>
-        </p:nvPicPr>
-        <p:blipFill>
-          <a:blip r:embed="rId3"/>
-          <a:stretch>
-            <a:fillRect/>
-          </a:stretch>
-        </p:blipFill>
-        <p:spPr>
-          <a:xfrm>
-            <a:off x="608076" y="1718202"/>
-            <a:ext cx="7918703" cy="2969514"/>
-          </a:xfrm>
-          <a:prstGeom prst="rect">
-            <a:avLst/>
-          </a:prstGeom>
-          <a:noFill/>
-        </p:spPr>
-      </p:pic>
-    </p:spTree>
-  </p:cSld>
-  <p:clrMapOvr>
-    <a:masterClrMapping/>
-  </p:clrMapOvr>
-</p:sld>
-</file>
-
-<file path=ppt/slides/slide5.xml><?xml version="1.0" encoding="utf-8"?>
-<p:sld xmlns:a="http://schemas.openxmlformats.org/drawingml/2006/main" xmlns:r="http://schemas.openxmlformats.org/officeDocument/2006/relationships" xmlns:p="http://schemas.openxmlformats.org/presentationml/2006/main">
-  <p:cSld>
-    <p:bg>
-      <p:bgPr>
-        <a:solidFill>
-          <a:schemeClr val="bg1"/>
-        </a:solidFill>
-        <a:effectLst/>
-      </p:bgPr>
-    </p:bg>
-    <p:spTree>
-      <p:nvGrpSpPr>
-        <p:cNvPr id="1" name="Shape 162"/>
-        <p:cNvGrpSpPr/>
-        <p:nvPr/>
-      </p:nvGrpSpPr>
-      <p:grpSpPr>
-        <a:xfrm>
-          <a:off x="0" y="0"/>
-          <a:ext cx="0" cy="0"/>
-          <a:chOff x="0" y="0"/>
-          <a:chExt cx="0" cy="0"/>
-        </a:xfrm>
-      </p:grpSpPr>
-      <p:sp>
-        <p:nvSpPr>
-          <p:cNvPr id="169" name="Rectangle 168">
-            <a:extLst>
-              <a:ext uri="{FF2B5EF4-FFF2-40B4-BE49-F238E27FC236}">
-                <a16:creationId xmlns:a16="http://schemas.microsoft.com/office/drawing/2014/main" id="{4C608BEB-860E-4094-8511-78603564A75E}"/>
-              </a:ext>
-              <a:ext uri="{C183D7F6-B498-43B3-948B-1728B52AA6E4}">
-                <adec:decorative xmlns:adec="http://schemas.microsoft.com/office/drawing/2017/decorative" val="1"/>
-              </a:ext>
-            </a:extLst>
-          </p:cNvPr>
-          <p:cNvSpPr>
-            <a:spLocks noGrp="1" noRot="1" noChangeAspect="1" noMove="1" noResize="1" noEditPoints="1" noAdjustHandles="1" noChangeArrowheads="1" noChangeShapeType="1" noTextEdit="1"/>
-          </p:cNvSpPr>
-          <p:nvPr>
-            <p:extLst>
-              <p:ext uri="{386F3935-93C4-4BCD-93E2-E3B085C9AB24}">
-                <p16:designElem xmlns:p16="http://schemas.microsoft.com/office/powerpoint/2015/main" val="1"/>
-              </p:ext>
-            </p:extLst>
-          </p:nvPr>
-        </p:nvSpPr>
-        <p:spPr>
-          <a:xfrm>
-            <a:off x="0" y="0"/>
-            <a:ext cx="3044287" cy="5143500"/>
-          </a:xfrm>
-          <a:prstGeom prst="rect">
-            <a:avLst/>
-          </a:prstGeom>
-          <a:solidFill>
-            <a:srgbClr val="404040"/>
-          </a:solidFill>
-          <a:ln>
-            <a:noFill/>
-          </a:ln>
-        </p:spPr>
-        <p:style>
-          <a:lnRef idx="2">
-            <a:schemeClr val="accent1">
-              <a:shade val="50000"/>
-            </a:schemeClr>
-          </a:lnRef>
-          <a:fillRef idx="1">
-            <a:schemeClr val="accent1"/>
-          </a:fillRef>
-          <a:effectRef idx="0">
-            <a:schemeClr val="accent1"/>
-          </a:effectRef>
-          <a:fontRef idx="minor">
-            <a:schemeClr val="lt1"/>
-          </a:fontRef>
-        </p:style>
-        <p:txBody>
-          <a:bodyPr rtlCol="0" anchor="ctr"/>
-          <a:lstStyle/>
-          <a:p>
-            <a:pPr marL="0" marR="0" lvl="0" indent="0" algn="ctr" defTabSz="914400" rtl="0" eaLnBrk="1" fontAlgn="auto" latinLnBrk="0" hangingPunct="1">
-              <a:lnSpc>
-                <a:spcPct val="100000"/>
-              </a:lnSpc>
-              <a:spcBef>
-                <a:spcPts val="0"/>
-              </a:spcBef>
-              <a:spcAft>
-                <a:spcPts val="0"/>
-              </a:spcAft>
-              <a:buClrTx/>
-              <a:buSzTx/>
-              <a:buFontTx/>
-              <a:buNone/>
-              <a:tabLst/>
-              <a:defRPr/>
-            </a:pPr>
-            <a:endParaRPr kumimoji="0" lang="en-US" sz="1800" b="0" i="0" u="none" strike="noStrike" kern="1200" cap="none" spc="0" normalizeH="0" baseline="0" noProof="0">
-              <a:ln>
-                <a:noFill/>
-              </a:ln>
-              <a:solidFill>
-                <a:prstClr val="white"/>
-              </a:solidFill>
-              <a:effectLst/>
-              <a:uLnTx/>
-              <a:uFillTx/>
-              <a:latin typeface="Calibri" panose="020F0502020204030204"/>
-              <a:ea typeface="+mn-ea"/>
-              <a:cs typeface="+mn-cs"/>
-            </a:endParaRPr>
-          </a:p>
-        </p:txBody>
-      </p:sp>
-      <p:sp>
-        <p:nvSpPr>
-          <p:cNvPr id="163" name="Google Shape;163;p33"/>
-          <p:cNvSpPr txBox="1">
-            <a:spLocks noGrp="1"/>
-          </p:cNvSpPr>
-          <p:nvPr>
-            <p:ph type="title"/>
-          </p:nvPr>
-        </p:nvSpPr>
-        <p:spPr>
-          <a:xfrm>
-            <a:off x="628650" y="1059366"/>
-            <a:ext cx="2174391" cy="3272883"/>
-          </a:xfrm>
-          <a:prstGeom prst="rect">
-            <a:avLst/>
-          </a:prstGeom>
-        </p:spPr>
-        <p:txBody>
-          <a:bodyPr spcFirstLastPara="1" lIns="68575" tIns="34275" rIns="68575" bIns="34275" anchor="t" anchorCtr="0">
-            <a:normAutofit/>
-          </a:bodyPr>
-          <a:lstStyle/>
-          <a:p>
-            <a:pPr marL="0" lvl="0" indent="0" rtl="0">
-              <a:spcBef>
-                <a:spcPts val="0"/>
-              </a:spcBef>
-              <a:spcAft>
-                <a:spcPts val="0"/>
-              </a:spcAft>
-              <a:buClr>
-                <a:schemeClr val="dk1"/>
-              </a:buClr>
-              <a:buSzPts val="2400"/>
-              <a:buFont typeface="Calibri"/>
-              <a:buNone/>
-            </a:pPr>
-            <a:r>
-              <a:rPr lang="en-GB" sz="3000">
-                <a:solidFill>
-                  <a:srgbClr val="FFFFFF"/>
-                </a:solidFill>
-              </a:rPr>
-              <a:t>Elastic Beanstalk - Deployment policies</a:t>
-            </a:r>
-            <a:endParaRPr lang="en-GB" sz="3000">
-              <a:solidFill>
-                <a:srgbClr val="FFFFFF"/>
-              </a:solidFill>
-              <a:latin typeface="Economica"/>
-              <a:ea typeface="Economica"/>
-              <a:cs typeface="Economica"/>
-              <a:sym typeface="Economica"/>
-            </a:endParaRPr>
-          </a:p>
-        </p:txBody>
-      </p:sp>
-      <p:sp>
-        <p:nvSpPr>
-          <p:cNvPr id="164" name="Google Shape;164;p33"/>
-          <p:cNvSpPr txBox="1">
-            <a:spLocks noGrp="1"/>
-          </p:cNvSpPr>
-          <p:nvPr>
-            <p:ph sz="half" idx="1"/>
-          </p:nvPr>
-        </p:nvSpPr>
-        <p:spPr>
-          <a:xfrm>
-            <a:off x="3285641" y="1059366"/>
-            <a:ext cx="2570462" cy="3272883"/>
-          </a:xfrm>
-          <a:prstGeom prst="rect">
-            <a:avLst/>
-          </a:prstGeom>
-        </p:spPr>
-        <p:txBody>
-          <a:bodyPr spcFirstLastPara="1" lIns="68575" tIns="34275" rIns="68575" bIns="34275" anchorCtr="0">
-            <a:normAutofit/>
-          </a:bodyPr>
-          <a:lstStyle/>
-          <a:p>
-            <a:pPr marL="0" lvl="0" indent="0" rtl="0">
-              <a:spcBef>
-                <a:spcPts val="800"/>
-              </a:spcBef>
-              <a:spcAft>
-                <a:spcPts val="0"/>
-              </a:spcAft>
-              <a:buNone/>
-            </a:pPr>
-            <a:r>
-              <a:rPr lang="en-GB" sz="1500">
-                <a:latin typeface="Arial"/>
-                <a:ea typeface="Arial"/>
-                <a:cs typeface="Arial"/>
-                <a:sym typeface="Arial"/>
-              </a:rPr>
-              <a:t>The deployment policies are: </a:t>
-            </a:r>
-          </a:p>
-          <a:p>
-            <a:pPr marL="457200" lvl="0" indent="-298450" rtl="0">
-              <a:spcBef>
-                <a:spcPts val="1200"/>
-              </a:spcBef>
-              <a:spcAft>
-                <a:spcPts val="0"/>
-              </a:spcAft>
-              <a:buSzPts val="1100"/>
-              <a:buFont typeface="Arial"/>
-              <a:buChar char="●"/>
-            </a:pPr>
-            <a:r>
-              <a:rPr lang="en-GB" sz="1500">
-                <a:latin typeface="Arial"/>
-                <a:ea typeface="Arial"/>
-                <a:cs typeface="Arial"/>
-                <a:sym typeface="Arial"/>
-              </a:rPr>
-              <a:t>All at once</a:t>
-            </a:r>
-          </a:p>
-          <a:p>
-            <a:pPr marL="457200" lvl="0" indent="-298450" rtl="0">
-              <a:spcBef>
-                <a:spcPts val="0"/>
-              </a:spcBef>
-              <a:spcAft>
-                <a:spcPts val="0"/>
-              </a:spcAft>
-              <a:buSzPts val="1100"/>
-              <a:buFont typeface="Arial"/>
-              <a:buChar char="●"/>
-            </a:pPr>
-            <a:r>
-              <a:rPr lang="en-GB" sz="1500">
-                <a:latin typeface="Arial"/>
-                <a:ea typeface="Arial"/>
-                <a:cs typeface="Arial"/>
-                <a:sym typeface="Arial"/>
-              </a:rPr>
-              <a:t>Rolling</a:t>
-            </a:r>
-          </a:p>
-          <a:p>
-            <a:pPr marL="457200" lvl="0" indent="-298450" rtl="0">
-              <a:spcBef>
-                <a:spcPts val="0"/>
-              </a:spcBef>
-              <a:spcAft>
-                <a:spcPts val="0"/>
-              </a:spcAft>
-              <a:buSzPts val="1100"/>
-              <a:buFont typeface="Arial"/>
-              <a:buChar char="●"/>
-            </a:pPr>
-            <a:r>
-              <a:rPr lang="en-GB" sz="1500">
-                <a:latin typeface="Arial"/>
-                <a:ea typeface="Arial"/>
-                <a:cs typeface="Arial"/>
-                <a:sym typeface="Arial"/>
-              </a:rPr>
-              <a:t>Rolling with additional batch</a:t>
-            </a:r>
-          </a:p>
-          <a:p>
-            <a:pPr marL="457200" lvl="0" indent="-298450" rtl="0">
-              <a:spcBef>
-                <a:spcPts val="0"/>
-              </a:spcBef>
-              <a:spcAft>
-                <a:spcPts val="0"/>
-              </a:spcAft>
-              <a:buSzPts val="1100"/>
-              <a:buFont typeface="Arial"/>
-              <a:buChar char="●"/>
-            </a:pPr>
-            <a:r>
-              <a:rPr lang="en-GB" sz="1500">
-                <a:latin typeface="Arial"/>
-                <a:ea typeface="Arial"/>
-                <a:cs typeface="Arial"/>
-                <a:sym typeface="Arial"/>
-              </a:rPr>
-              <a:t>Immutable</a:t>
-            </a:r>
-          </a:p>
-          <a:p>
-            <a:pPr marL="0" lvl="0" indent="0" rtl="0">
-              <a:spcBef>
-                <a:spcPts val="1200"/>
-              </a:spcBef>
-              <a:spcAft>
-                <a:spcPts val="0"/>
-              </a:spcAft>
-              <a:buNone/>
-            </a:pPr>
-            <a:endParaRPr lang="en-GB" sz="1500">
-              <a:latin typeface="Arial"/>
-              <a:ea typeface="Arial"/>
-              <a:cs typeface="Arial"/>
-              <a:sym typeface="Arial"/>
-            </a:endParaRPr>
-          </a:p>
-          <a:p>
-            <a:pPr marL="0" lvl="0" indent="0" rtl="0">
-              <a:spcBef>
-                <a:spcPts val="1200"/>
-              </a:spcBef>
-              <a:spcAft>
-                <a:spcPts val="1200"/>
-              </a:spcAft>
-              <a:buNone/>
-            </a:pPr>
-            <a:r>
-              <a:rPr lang="en-GB" sz="1500">
-                <a:latin typeface="Arial"/>
-                <a:ea typeface="Arial"/>
-                <a:cs typeface="Arial"/>
-                <a:sym typeface="Arial"/>
-              </a:rPr>
-              <a:t>Additionally, Elastic Beanstalk </a:t>
-            </a:r>
-            <a:r>
-              <a:rPr lang="en-GB" sz="1500" b="1">
-                <a:latin typeface="Arial"/>
-                <a:ea typeface="Arial"/>
-                <a:cs typeface="Arial"/>
-                <a:sym typeface="Arial"/>
-              </a:rPr>
-              <a:t>supports blue/green deployment</a:t>
-            </a:r>
-            <a:r>
-              <a:rPr lang="en-GB" sz="1500">
-                <a:latin typeface="Arial"/>
-                <a:ea typeface="Arial"/>
-                <a:cs typeface="Arial"/>
-                <a:sym typeface="Arial"/>
-              </a:rPr>
-              <a:t>.</a:t>
-            </a:r>
-          </a:p>
-        </p:txBody>
-      </p:sp>
-      <p:cxnSp>
-        <p:nvCxnSpPr>
-          <p:cNvPr id="171" name="Straight Connector 170">
-            <a:extLst>
-              <a:ext uri="{FF2B5EF4-FFF2-40B4-BE49-F238E27FC236}">
-                <a16:creationId xmlns:a16="http://schemas.microsoft.com/office/drawing/2014/main" id="{1F16A8D4-FE87-4604-88B2-394B5D1EB437}"/>
-              </a:ext>
-              <a:ext uri="{C183D7F6-B498-43B3-948B-1728B52AA6E4}">
-                <adec:decorative xmlns:adec="http://schemas.microsoft.com/office/drawing/2017/decorative" val="1"/>
-              </a:ext>
-            </a:extLst>
-          </p:cNvPr>
-          <p:cNvCxnSpPr>
-            <a:cxnSpLocks noGrp="1" noRot="1" noChangeAspect="1" noMove="1" noResize="1" noEditPoints="1" noAdjustHandles="1" noChangeArrowheads="1" noChangeShapeType="1"/>
-          </p:cNvCxnSpPr>
-          <p:nvPr>
-            <p:extLst>
-              <p:ext uri="{386F3935-93C4-4BCD-93E2-E3B085C9AB24}">
-                <p16:designElem xmlns:p16="http://schemas.microsoft.com/office/powerpoint/2015/main" val="1"/>
-              </p:ext>
-            </p:extLst>
-          </p:nvPr>
-        </p:nvCxnSpPr>
-        <p:spPr>
-          <a:xfrm>
-            <a:off x="6097403" y="1059366"/>
-            <a:ext cx="0" cy="2743200"/>
-          </a:xfrm>
-          <a:prstGeom prst="line">
-            <a:avLst/>
-          </a:prstGeom>
-          <a:ln w="12700">
-            <a:solidFill>
-              <a:schemeClr val="tx1">
-                <a:lumMod val="50000"/>
-                <a:lumOff val="50000"/>
-              </a:schemeClr>
-            </a:solidFill>
-          </a:ln>
-        </p:spPr>
-        <p:style>
-          <a:lnRef idx="1">
-            <a:schemeClr val="accent1"/>
-          </a:lnRef>
-          <a:fillRef idx="0">
-            <a:schemeClr val="accent1"/>
-          </a:fillRef>
-          <a:effectRef idx="0">
-            <a:schemeClr val="accent1"/>
-          </a:effectRef>
-          <a:fontRef idx="minor">
-            <a:schemeClr val="tx1"/>
-          </a:fontRef>
-        </p:style>
-      </p:cxnSp>
-    </p:spTree>
-  </p:cSld>
-  <p:clrMapOvr>
-    <a:masterClrMapping/>
-  </p:clrMapOvr>
-</p:sld>
-</file>
-
-<file path=ppt/slides/slide6.xml><?xml version="1.0" encoding="utf-8"?>
-<p:sld xmlns:a="http://schemas.openxmlformats.org/drawingml/2006/main" xmlns:r="http://schemas.openxmlformats.org/officeDocument/2006/relationships" xmlns:p="http://schemas.openxmlformats.org/presentationml/2006/main">
-  <p:cSld>
-    <p:bg>
-      <p:bgPr>
-        <a:solidFill>
-          <a:schemeClr val="bg1"/>
-        </a:solidFill>
-        <a:effectLst/>
-      </p:bgPr>
-    </p:bg>
-    <p:spTree>
-      <p:nvGrpSpPr>
-        <p:cNvPr id="1" name="Shape 168"/>
-        <p:cNvGrpSpPr/>
-        <p:nvPr/>
-      </p:nvGrpSpPr>
-      <p:grpSpPr>
-        <a:xfrm>
-          <a:off x="0" y="0"/>
-          <a:ext cx="0" cy="0"/>
-          <a:chOff x="0" y="0"/>
-          <a:chExt cx="0" cy="0"/>
-        </a:xfrm>
-      </p:grpSpPr>
-      <p:sp>
-        <p:nvSpPr>
-          <p:cNvPr id="178" name="Rectangle 177">
-            <a:extLst>
-              <a:ext uri="{FF2B5EF4-FFF2-40B4-BE49-F238E27FC236}">
-                <a16:creationId xmlns:a16="http://schemas.microsoft.com/office/drawing/2014/main" id="{6753252F-4873-4F63-801D-CC719279A7D5}"/>
-              </a:ext>
-              <a:ext uri="{C183D7F6-B498-43B3-948B-1728B52AA6E4}">
-                <adec:decorative xmlns:adec="http://schemas.microsoft.com/office/drawing/2017/decorative" val="1"/>
-              </a:ext>
-            </a:extLst>
-          </p:cNvPr>
-          <p:cNvSpPr>
-            <a:spLocks noGrp="1" noRot="1" noChangeAspect="1" noMove="1" noResize="1" noEditPoints="1" noAdjustHandles="1" noChangeArrowheads="1" noChangeShapeType="1" noTextEdit="1"/>
-          </p:cNvSpPr>
-          <p:nvPr>
-            <p:extLst>
-              <p:ext uri="{386F3935-93C4-4BCD-93E2-E3B085C9AB24}">
-                <p16:designElem xmlns:p16="http://schemas.microsoft.com/office/powerpoint/2015/main" val="1"/>
-              </p:ext>
-            </p:extLst>
-          </p:nvPr>
-        </p:nvSpPr>
-        <p:spPr>
-          <a:xfrm>
-            <a:off x="0" y="0"/>
-            <a:ext cx="9144000" cy="5143500"/>
-          </a:xfrm>
-          <a:prstGeom prst="rect">
-            <a:avLst/>
-          </a:prstGeom>
-          <a:solidFill>
-            <a:srgbClr val="FFFFFF"/>
-          </a:solidFill>
-          <a:ln>
-            <a:noFill/>
-          </a:ln>
-        </p:spPr>
-        <p:style>
-          <a:lnRef idx="2">
-            <a:schemeClr val="accent1">
-              <a:shade val="50000"/>
-            </a:schemeClr>
-          </a:lnRef>
-          <a:fillRef idx="1">
-            <a:schemeClr val="accent1"/>
-          </a:fillRef>
-          <a:effectRef idx="0">
-            <a:schemeClr val="accent1"/>
-          </a:effectRef>
-          <a:fontRef idx="minor">
-            <a:schemeClr val="lt1"/>
-          </a:fontRef>
-        </p:style>
-        <p:txBody>
-          <a:bodyPr rtlCol="0" anchor="ctr"/>
-          <a:lstStyle/>
-          <a:p>
-            <a:pPr algn="ctr"/>
-            <a:endParaRPr lang="en-US"/>
-          </a:p>
-        </p:txBody>
-      </p:sp>
-      <p:sp>
-        <p:nvSpPr>
-          <p:cNvPr id="177" name="Rectangle 176">
-            <a:extLst>
-              <a:ext uri="{FF2B5EF4-FFF2-40B4-BE49-F238E27FC236}">
-                <a16:creationId xmlns:a16="http://schemas.microsoft.com/office/drawing/2014/main" id="{047C8CCB-F95D-4249-92DD-651249D3535A}"/>
-              </a:ext>
-              <a:ext uri="{C183D7F6-B498-43B3-948B-1728B52AA6E4}">
-                <adec:decorative xmlns:adec="http://schemas.microsoft.com/office/drawing/2017/decorative" val="1"/>
-              </a:ext>
-            </a:extLst>
-          </p:cNvPr>
-          <p:cNvSpPr>
-            <a:spLocks noGrp="1" noRot="1" noChangeAspect="1" noMove="1" noResize="1" noEditPoints="1" noAdjustHandles="1" noChangeArrowheads="1" noChangeShapeType="1" noTextEdit="1"/>
-          </p:cNvSpPr>
-          <p:nvPr>
-            <p:extLst>
-              <p:ext uri="{386F3935-93C4-4BCD-93E2-E3B085C9AB24}">
-                <p16:designElem xmlns:p16="http://schemas.microsoft.com/office/powerpoint/2015/main" val="1"/>
-              </p:ext>
-            </p:extLst>
-          </p:nvPr>
-        </p:nvSpPr>
-        <p:spPr>
-          <a:xfrm>
-            <a:off x="0" y="0"/>
-            <a:ext cx="1510167" cy="5143500"/>
-          </a:xfrm>
-          <a:prstGeom prst="rect">
-            <a:avLst/>
-          </a:prstGeom>
-          <a:solidFill>
-            <a:srgbClr val="7F7F7F"/>
-          </a:solidFill>
-          <a:ln>
-            <a:noFill/>
-          </a:ln>
-        </p:spPr>
-        <p:style>
-          <a:lnRef idx="2">
-            <a:schemeClr val="accent1">
-              <a:shade val="50000"/>
-            </a:schemeClr>
-          </a:lnRef>
-          <a:fillRef idx="1">
-            <a:schemeClr val="accent1"/>
-          </a:fillRef>
-          <a:effectRef idx="0">
-            <a:schemeClr val="accent1"/>
-          </a:effectRef>
-          <a:fontRef idx="minor">
-            <a:schemeClr val="lt1"/>
-          </a:fontRef>
-        </p:style>
-        <p:txBody>
-          <a:bodyPr rtlCol="0" anchor="ctr"/>
-          <a:lstStyle/>
-          <a:p>
-            <a:pPr algn="ctr"/>
-            <a:endParaRPr lang="en-US"/>
-          </a:p>
-        </p:txBody>
-      </p:sp>
-      <p:sp>
-        <p:nvSpPr>
-          <p:cNvPr id="169" name="Google Shape;169;p34"/>
-          <p:cNvSpPr txBox="1">
-            <a:spLocks noGrp="1"/>
-          </p:cNvSpPr>
-          <p:nvPr>
-            <p:ph type="title"/>
-          </p:nvPr>
-        </p:nvSpPr>
-        <p:spPr>
-          <a:xfrm>
-            <a:off x="480060" y="1555772"/>
-            <a:ext cx="2064265" cy="2031956"/>
-          </a:xfrm>
-          <a:prstGeom prst="ellipse">
-            <a:avLst/>
-          </a:prstGeom>
-          <a:solidFill>
-            <a:srgbClr val="262626"/>
-          </a:solidFill>
-          <a:ln w="174625" cmpd="thinThick">
-            <a:solidFill>
-              <a:srgbClr val="262626"/>
-            </a:solidFill>
-          </a:ln>
-        </p:spPr>
-        <p:txBody>
-          <a:bodyPr spcFirstLastPara="1" vert="horz" lIns="91440" tIns="45720" rIns="91440" bIns="45720" rtlCol="0" anchor="ctr" anchorCtr="0">
-            <a:normAutofit/>
-          </a:bodyPr>
-          <a:lstStyle/>
-          <a:p>
-            <a:pPr marL="0" lvl="0" indent="0" algn="ctr" defTabSz="914400">
-              <a:spcAft>
-                <a:spcPts val="0"/>
-              </a:spcAft>
-              <a:buClr>
-                <a:schemeClr val="dk1"/>
-              </a:buClr>
-              <a:buSzPts val="2400"/>
-            </a:pPr>
-            <a:r>
-              <a:rPr lang="en-US" sz="1900" kern="1200">
-                <a:solidFill>
-                  <a:srgbClr val="FFFFFF"/>
-                </a:solidFill>
-                <a:latin typeface="+mj-lt"/>
-                <a:ea typeface="+mj-ea"/>
-                <a:cs typeface="+mj-cs"/>
-              </a:rPr>
-              <a:t>Elastic Beanstalk - Deployment policies summary</a:t>
-            </a:r>
-            <a:endParaRPr lang="en-US" sz="1900" kern="1200">
-              <a:solidFill>
-                <a:srgbClr val="FFFFFF"/>
-              </a:solidFill>
-              <a:latin typeface="+mj-lt"/>
-              <a:ea typeface="+mj-ea"/>
-              <a:cs typeface="+mj-cs"/>
-              <a:sym typeface="Economica"/>
-            </a:endParaRPr>
-          </a:p>
-        </p:txBody>
-      </p:sp>
-      <p:pic>
-        <p:nvPicPr>
-          <p:cNvPr id="170" name="Google Shape;170;p34"/>
-          <p:cNvPicPr preferRelativeResize="0"/>
-          <p:nvPr/>
-        </p:nvPicPr>
-        <p:blipFill>
-          <a:blip r:embed="rId3"/>
-          <a:stretch>
-            <a:fillRect/>
-          </a:stretch>
-        </p:blipFill>
-        <p:spPr>
-          <a:xfrm>
-            <a:off x="3028950" y="1519205"/>
-            <a:ext cx="5391149" cy="2102547"/>
-          </a:xfrm>
-          <a:prstGeom prst="rect">
-            <a:avLst/>
-          </a:prstGeom>
-          <a:noFill/>
-        </p:spPr>
-      </p:pic>
-    </p:spTree>
-  </p:cSld>
-  <p:clrMapOvr>
-    <a:masterClrMapping/>
-  </p:clrMapOvr>
-</p:sld>
-</file>
-
-<file path=ppt/slides/slide7.xml><?xml version="1.0" encoding="utf-8"?>
+<file path=ppt/slides/slide12.xml><?xml version="1.0" encoding="utf-8"?>
 <p:sld xmlns:a="http://schemas.openxmlformats.org/drawingml/2006/main" xmlns:r="http://schemas.openxmlformats.org/officeDocument/2006/relationships" xmlns:p="http://schemas.openxmlformats.org/presentationml/2006/main">
   <p:cSld>
     <p:bg>
@@ -10599,31 +7723,31 @@
               <a:buSzPts val="1100"/>
             </a:pPr>
             <a:r>
-              <a:rPr lang="en-US" sz="1100">
+              <a:rPr lang="en-US" sz="1100" dirty="0">
                 <a:sym typeface="Arial"/>
               </a:rPr>
               <a:t>Environment (</a:t>
             </a:r>
             <a:r>
-              <a:rPr lang="en-US" sz="1100" b="1">
+              <a:rPr lang="en-US" sz="1100" b="1" dirty="0">
                 <a:sym typeface="Arial"/>
               </a:rPr>
               <a:t>Web Server Environment</a:t>
             </a:r>
             <a:r>
-              <a:rPr lang="en-US" sz="1100">
+              <a:rPr lang="en-US" sz="1100" dirty="0">
                 <a:sym typeface="Arial"/>
               </a:rPr>
               <a:t> Tier &amp; </a:t>
             </a:r>
             <a:r>
-              <a:rPr lang="en-US" sz="1100" b="1">
+              <a:rPr lang="en-US" sz="1100" b="1" dirty="0">
                 <a:sym typeface="Arial"/>
               </a:rPr>
               <a:t>Worker Environment</a:t>
             </a:r>
             <a:r>
-              <a:rPr lang="en-US" sz="1100">
+              <a:rPr lang="en-US" sz="1100" dirty="0">
                 <a:sym typeface="Arial"/>
               </a:rPr>
               <a:t> Tier)</a:t>
@@ -10640,7 +7764,7 @@
               <a:buSzPts val="1100"/>
             </a:pPr>
             <a:r>
-              <a:rPr lang="en-US" sz="1100">
+              <a:rPr lang="en-US" sz="1100" dirty="0">
                 <a:sym typeface="Arial"/>
               </a:rPr>
               <a:t>Supported Platforms</a:t>
@@ -10657,7 +7781,7 @@
               <a:buSzPts val="1100"/>
             </a:pPr>
             <a:r>
-              <a:rPr lang="en-US" sz="1100">
+              <a:rPr lang="en-US" sz="1100" dirty="0">
                 <a:sym typeface="Arial"/>
               </a:rPr>
               <a:t>Deployment policies</a:t>
@@ -10672,7 +7796,7 @@
                 <a:spcPts val="0"/>
               </a:spcAft>
             </a:pPr>
-            <a:endParaRPr lang="en-US" sz="1100">
+            <a:endParaRPr lang="en-US" sz="1100" dirty="0">
               <a:sym typeface="Arial"/>
             </a:endParaRPr>
           </a:p>
@@ -10686,7 +7810,7 @@
               </a:spcAft>
             </a:pPr>
             <a:r>
-              <a:rPr lang="en-US" sz="1100">
+              <a:rPr lang="en-US" sz="1100" dirty="0">
                 <a:sym typeface="Arial"/>
               </a:rPr>
               <a:t>Advantages Configuration with Automation: </a:t>
@@ -10701,7 +7825,7 @@
                 <a:spcPts val="0"/>
               </a:spcAft>
             </a:pPr>
-            <a:endParaRPr lang="en-US" sz="1100">
+            <a:endParaRPr lang="en-US" sz="1100" dirty="0">
               <a:sym typeface="Arial"/>
             </a:endParaRPr>
           </a:p>
@@ -10716,7 +7840,7 @@
               <a:buSzPts val="1100"/>
             </a:pPr>
             <a:r>
-              <a:rPr lang="en-US" sz="1100">
+              <a:rPr lang="en-US" sz="1100" dirty="0">
                 <a:sym typeface="Arial"/>
               </a:rPr>
               <a:t>Saves time by handling dependencies, including the setup, configuration and provisioning of other AWS services like EC2, RDS, and Elastic Load Balancing to create a web service </a:t>
@@ -10733,10 +7857,22 @@
               <a:buSzPts val="1100"/>
             </a:pPr>
             <a:r>
+              <a:rPr lang="en-US" sz="1100" dirty="0">
+                <a:sym typeface="Arial"/>
+              </a:rPr>
+              <a:t>Powerful Customization: It gives the opportunity to </a:t>
+            </a:r>
+            <a:r>
+              <a:rPr lang="en-US" sz="1100" dirty="0" err="1">
+                <a:sym typeface="Arial"/>
+              </a:rPr>
+              <a:t>customise</a:t>
+            </a:r>
+            <a:r>
               <a:rPr lang="en-US" sz="1100">
                 <a:sym typeface="Arial"/>
               </a:rPr>
-              <a:t>Powerful Customization: It gives the opportunity to customise the configuration to suit your application’s needs including Software, Instance configuration, Capacity, Load Balancer, Deployment strategy, Security, Monitoring, Notification, Database and Networks all through a single configuration page.</a:t>
+              <a:t> the configuration to suit your application’s needs including Software, Instance configuration, Capacity, Load Balancer, Deployment strategy, Security, Monitoring, Notification, Database and Networks all through a single configuration page.</a:t>
             </a:r>
           </a:p>
           <a:p>
@@ -10750,7 +7886,7 @@
               <a:buSzPts val="1100"/>
             </a:pPr>
             <a:r>
-              <a:rPr lang="en-US" sz="1100">
+              <a:rPr lang="en-US" sz="1100" dirty="0">
                 <a:sym typeface="Arial"/>
               </a:rPr>
               <a:t>Price and Flexibility: There’s no additional cost of Elastic Beanstalk except the resources needed for the application. It has a built-in auto-stalling functionality with easily configured metrics which used for saving cost. </a:t>
@@ -10766,7 +7902,7 @@
               </a:spcAft>
             </a:pPr>
             <a:r>
-              <a:rPr lang="en-US" sz="1100">
+              <a:rPr lang="en-US" sz="1100" dirty="0">
                 <a:sym typeface="Arial"/>
               </a:rPr>
               <a:t>Disadvantages Deployment Speed: </a:t>
@@ -10783,7 +7919,7 @@
               <a:buSzPts val="1100"/>
             </a:pPr>
             <a:r>
-              <a:rPr lang="en-US" sz="1100">
+              <a:rPr lang="en-US" sz="1100" dirty="0">
                 <a:sym typeface="Arial"/>
               </a:rPr>
               <a:t>Sometimes deployment time took longer – from 5 minutes to 15 minutes for a site with just two front-ends.</a:t>
@@ -10800,7 +7936,7 @@
               <a:buSzPts val="1100"/>
             </a:pPr>
             <a:r>
-              <a:rPr lang="en-US" sz="1100">
+              <a:rPr lang="en-US" sz="1100" dirty="0">
                 <a:sym typeface="Arial"/>
               </a:rPr>
               <a:t>Stack Upgrades: Elastic Beanstalk comes out with new stack versions all time and finding what was actually changed or upgraded is difficult. </a:t>
@@ -10817,7 +7953,7 @@
               <a:buSzPts val="1100"/>
             </a:pPr>
             <a:r>
-              <a:rPr lang="en-US" sz="1100">
+              <a:rPr lang="en-US" sz="1100" dirty="0">
                 <a:sym typeface="Arial"/>
               </a:rPr>
               <a:t>Old Application Versions: With every deployment, EB archives the old application version in S3 and when the count reaches 500 your deployment will fail. You need to delete application version occasionally.</a:t>
@@ -10826,6 +7962,3850 @@
         </p:txBody>
       </p:sp>
     </p:spTree>
+  </p:cSld>
+  <p:clrMapOvr>
+    <a:masterClrMapping/>
+  </p:clrMapOvr>
+</p:sld>
+</file>
+
+<file path=ppt/slides/slide2.xml><?xml version="1.0" encoding="utf-8"?>
+<p:sld xmlns:a="http://schemas.openxmlformats.org/drawingml/2006/main" xmlns:r="http://schemas.openxmlformats.org/officeDocument/2006/relationships" xmlns:p="http://schemas.openxmlformats.org/presentationml/2006/main">
+  <p:cSld>
+    <p:bg>
+      <p:bgPr>
+        <a:solidFill>
+          <a:schemeClr val="bg1"/>
+        </a:solidFill>
+        <a:effectLst/>
+      </p:bgPr>
+    </p:bg>
+    <p:spTree>
+      <p:nvGrpSpPr>
+        <p:cNvPr id="1" name="Shape 141"/>
+        <p:cNvGrpSpPr/>
+        <p:nvPr/>
+      </p:nvGrpSpPr>
+      <p:grpSpPr>
+        <a:xfrm>
+          <a:off x="0" y="0"/>
+          <a:ext cx="0" cy="0"/>
+          <a:chOff x="0" y="0"/>
+          <a:chExt cx="0" cy="0"/>
+        </a:xfrm>
+      </p:grpSpPr>
+      <p:sp useBgFill="1">
+        <p:nvSpPr>
+          <p:cNvPr id="153" name="Rectangle 152">
+            <a:extLst>
+              <a:ext uri="{FF2B5EF4-FFF2-40B4-BE49-F238E27FC236}">
+                <a16:creationId xmlns:a16="http://schemas.microsoft.com/office/drawing/2014/main" id="{743AA782-23D1-4521-8CAD-47662984AA08}"/>
+              </a:ext>
+              <a:ext uri="{C183D7F6-B498-43B3-948B-1728B52AA6E4}">
+                <adec:decorative xmlns:adec="http://schemas.microsoft.com/office/drawing/2017/decorative" val="1"/>
+              </a:ext>
+            </a:extLst>
+          </p:cNvPr>
+          <p:cNvSpPr>
+            <a:spLocks noGrp="1" noRot="1" noChangeAspect="1" noMove="1" noResize="1" noEditPoints="1" noAdjustHandles="1" noChangeArrowheads="1" noChangeShapeType="1" noTextEdit="1"/>
+          </p:cNvSpPr>
+          <p:nvPr>
+            <p:extLst>
+              <p:ext uri="{386F3935-93C4-4BCD-93E2-E3B085C9AB24}">
+                <p16:designElem xmlns:p16="http://schemas.microsoft.com/office/powerpoint/2015/main" val="1"/>
+              </p:ext>
+            </p:extLst>
+          </p:nvPr>
+        </p:nvSpPr>
+        <p:spPr>
+          <a:xfrm>
+            <a:off x="0" y="0"/>
+            <a:ext cx="9144000" cy="5143500"/>
+          </a:xfrm>
+          <a:prstGeom prst="rect">
+            <a:avLst/>
+          </a:prstGeom>
+          <a:ln>
+            <a:noFill/>
+          </a:ln>
+        </p:spPr>
+        <p:style>
+          <a:lnRef idx="2">
+            <a:schemeClr val="accent1">
+              <a:shade val="50000"/>
+            </a:schemeClr>
+          </a:lnRef>
+          <a:fillRef idx="1">
+            <a:schemeClr val="accent1"/>
+          </a:fillRef>
+          <a:effectRef idx="0">
+            <a:schemeClr val="accent1"/>
+          </a:effectRef>
+          <a:fontRef idx="minor">
+            <a:schemeClr val="lt1"/>
+          </a:fontRef>
+        </p:style>
+        <p:txBody>
+          <a:bodyPr rtlCol="0" anchor="ctr"/>
+          <a:lstStyle/>
+          <a:p>
+            <a:pPr algn="ctr"/>
+            <a:endParaRPr lang="en-US"/>
+          </a:p>
+        </p:txBody>
+      </p:sp>
+      <p:sp>
+        <p:nvSpPr>
+          <p:cNvPr id="142" name="Google Shape;142;p30"/>
+          <p:cNvSpPr txBox="1">
+            <a:spLocks noGrp="1"/>
+          </p:cNvSpPr>
+          <p:nvPr>
+            <p:ph type="title"/>
+          </p:nvPr>
+        </p:nvSpPr>
+        <p:spPr>
+          <a:xfrm>
+            <a:off x="473202" y="480060"/>
+            <a:ext cx="3614166" cy="1110996"/>
+          </a:xfrm>
+          <a:prstGeom prst="rect">
+            <a:avLst/>
+          </a:prstGeom>
+        </p:spPr>
+        <p:txBody>
+          <a:bodyPr spcFirstLastPara="1" vert="horz" lIns="91440" tIns="45720" rIns="91440" bIns="45720" rtlCol="0" anchor="b" anchorCtr="0">
+            <a:normAutofit/>
+          </a:bodyPr>
+          <a:lstStyle/>
+          <a:p>
+            <a:pPr marL="0" lvl="0" indent="0" defTabSz="914400">
+              <a:spcAft>
+                <a:spcPts val="0"/>
+              </a:spcAft>
+              <a:buClr>
+                <a:schemeClr val="dk1"/>
+              </a:buClr>
+              <a:buSzPts val="2400"/>
+            </a:pPr>
+            <a:r>
+              <a:rPr lang="en-US" sz="3500" kern="1200">
+                <a:solidFill>
+                  <a:schemeClr val="tx1"/>
+                </a:solidFill>
+                <a:latin typeface="+mj-lt"/>
+                <a:ea typeface="+mj-ea"/>
+                <a:cs typeface="+mj-cs"/>
+              </a:rPr>
+              <a:t>Elastic Beanstalk – Components</a:t>
+            </a:r>
+            <a:endParaRPr lang="en-US" sz="3500" kern="1200">
+              <a:solidFill>
+                <a:schemeClr val="tx1"/>
+              </a:solidFill>
+              <a:latin typeface="+mj-lt"/>
+              <a:ea typeface="+mj-ea"/>
+              <a:cs typeface="+mj-cs"/>
+              <a:sym typeface="Economica"/>
+            </a:endParaRPr>
+          </a:p>
+        </p:txBody>
+      </p:sp>
+      <p:sp>
+        <p:nvSpPr>
+          <p:cNvPr id="154" name="sketch line">
+            <a:extLst>
+              <a:ext uri="{FF2B5EF4-FFF2-40B4-BE49-F238E27FC236}">
+                <a16:creationId xmlns:a16="http://schemas.microsoft.com/office/drawing/2014/main" id="{650D18FE-0824-4A46-B22C-A86B52E5780A}"/>
+              </a:ext>
+              <a:ext uri="{C183D7F6-B498-43B3-948B-1728B52AA6E4}">
+                <adec:decorative xmlns:adec="http://schemas.microsoft.com/office/drawing/2017/decorative" val="1"/>
+              </a:ext>
+            </a:extLst>
+          </p:cNvPr>
+          <p:cNvSpPr>
+            <a:spLocks noGrp="1" noRot="1" noChangeAspect="1" noMove="1" noResize="1" noEditPoints="1" noAdjustHandles="1" noChangeArrowheads="1" noChangeShapeType="1" noTextEdit="1"/>
+          </p:cNvSpPr>
+          <p:nvPr>
+            <p:extLst>
+              <p:ext uri="{386F3935-93C4-4BCD-93E2-E3B085C9AB24}">
+                <p16:designElem xmlns:p16="http://schemas.microsoft.com/office/powerpoint/2015/main" val="1"/>
+              </p:ext>
+            </p:extLst>
+          </p:nvPr>
+        </p:nvSpPr>
+        <p:spPr>
+          <a:xfrm>
+            <a:off x="482458" y="1779651"/>
+            <a:ext cx="2441321" cy="13716"/>
+          </a:xfrm>
+          <a:custGeom>
+            <a:avLst/>
+            <a:gdLst>
+              <a:gd name="connsiteX0" fmla="*/ 0 w 2441321"/>
+              <a:gd name="connsiteY0" fmla="*/ 0 h 13716"/>
+              <a:gd name="connsiteX1" fmla="*/ 585917 w 2441321"/>
+              <a:gd name="connsiteY1" fmla="*/ 0 h 13716"/>
+              <a:gd name="connsiteX2" fmla="*/ 1196247 w 2441321"/>
+              <a:gd name="connsiteY2" fmla="*/ 0 h 13716"/>
+              <a:gd name="connsiteX3" fmla="*/ 1806578 w 2441321"/>
+              <a:gd name="connsiteY3" fmla="*/ 0 h 13716"/>
+              <a:gd name="connsiteX4" fmla="*/ 2441321 w 2441321"/>
+              <a:gd name="connsiteY4" fmla="*/ 0 h 13716"/>
+              <a:gd name="connsiteX5" fmla="*/ 2441321 w 2441321"/>
+              <a:gd name="connsiteY5" fmla="*/ 13716 h 13716"/>
+              <a:gd name="connsiteX6" fmla="*/ 1830991 w 2441321"/>
+              <a:gd name="connsiteY6" fmla="*/ 13716 h 13716"/>
+              <a:gd name="connsiteX7" fmla="*/ 1269487 w 2441321"/>
+              <a:gd name="connsiteY7" fmla="*/ 13716 h 13716"/>
+              <a:gd name="connsiteX8" fmla="*/ 707983 w 2441321"/>
+              <a:gd name="connsiteY8" fmla="*/ 13716 h 13716"/>
+              <a:gd name="connsiteX9" fmla="*/ 0 w 2441321"/>
+              <a:gd name="connsiteY9" fmla="*/ 13716 h 13716"/>
+              <a:gd name="connsiteX10" fmla="*/ 0 w 2441321"/>
+              <a:gd name="connsiteY10" fmla="*/ 0 h 13716"/>
+              <a:gd name="connsiteX0" fmla="*/ 0 w 2441321"/>
+              <a:gd name="connsiteY0" fmla="*/ 0 h 13716"/>
+              <a:gd name="connsiteX1" fmla="*/ 585917 w 2441321"/>
+              <a:gd name="connsiteY1" fmla="*/ 0 h 13716"/>
+              <a:gd name="connsiteX2" fmla="*/ 1123008 w 2441321"/>
+              <a:gd name="connsiteY2" fmla="*/ 0 h 13716"/>
+              <a:gd name="connsiteX3" fmla="*/ 1782164 w 2441321"/>
+              <a:gd name="connsiteY3" fmla="*/ 0 h 13716"/>
+              <a:gd name="connsiteX4" fmla="*/ 2441321 w 2441321"/>
+              <a:gd name="connsiteY4" fmla="*/ 0 h 13716"/>
+              <a:gd name="connsiteX5" fmla="*/ 2441321 w 2441321"/>
+              <a:gd name="connsiteY5" fmla="*/ 13716 h 13716"/>
+              <a:gd name="connsiteX6" fmla="*/ 1879817 w 2441321"/>
+              <a:gd name="connsiteY6" fmla="*/ 13716 h 13716"/>
+              <a:gd name="connsiteX7" fmla="*/ 1318313 w 2441321"/>
+              <a:gd name="connsiteY7" fmla="*/ 13716 h 13716"/>
+              <a:gd name="connsiteX8" fmla="*/ 659157 w 2441321"/>
+              <a:gd name="connsiteY8" fmla="*/ 13716 h 13716"/>
+              <a:gd name="connsiteX9" fmla="*/ 0 w 2441321"/>
+              <a:gd name="connsiteY9" fmla="*/ 13716 h 13716"/>
+              <a:gd name="connsiteX10" fmla="*/ 0 w 2441321"/>
+              <a:gd name="connsiteY10" fmla="*/ 0 h 13716"/>
+            </a:gdLst>
+            <a:ahLst/>
+            <a:cxnLst>
+              <a:cxn ang="0">
+                <a:pos x="connsiteX0" y="connsiteY0"/>
+              </a:cxn>
+              <a:cxn ang="0">
+                <a:pos x="connsiteX1" y="connsiteY1"/>
+              </a:cxn>
+              <a:cxn ang="0">
+                <a:pos x="connsiteX2" y="connsiteY2"/>
+              </a:cxn>
+              <a:cxn ang="0">
+                <a:pos x="connsiteX3" y="connsiteY3"/>
+              </a:cxn>
+              <a:cxn ang="0">
+                <a:pos x="connsiteX4" y="connsiteY4"/>
+              </a:cxn>
+              <a:cxn ang="0">
+                <a:pos x="connsiteX5" y="connsiteY5"/>
+              </a:cxn>
+              <a:cxn ang="0">
+                <a:pos x="connsiteX6" y="connsiteY6"/>
+              </a:cxn>
+              <a:cxn ang="0">
+                <a:pos x="connsiteX7" y="connsiteY7"/>
+              </a:cxn>
+              <a:cxn ang="0">
+                <a:pos x="connsiteX8" y="connsiteY8"/>
+              </a:cxn>
+              <a:cxn ang="0">
+                <a:pos x="connsiteX9" y="connsiteY9"/>
+              </a:cxn>
+              <a:cxn ang="0">
+                <a:pos x="connsiteX10" y="connsiteY10"/>
+              </a:cxn>
+            </a:cxnLst>
+            <a:rect l="l" t="t" r="r" b="b"/>
+            <a:pathLst>
+              <a:path w="2441321" h="13716" fill="none" extrusionOk="0">
+                <a:moveTo>
+                  <a:pt x="0" y="0"/>
+                </a:moveTo>
+                <a:cubicBezTo>
+                  <a:pt x="280302" y="-6619"/>
+                  <a:pt x="363201" y="4913"/>
+                  <a:pt x="585917" y="0"/>
+                </a:cubicBezTo>
+                <a:cubicBezTo>
+                  <a:pt x="832357" y="-10107"/>
+                  <a:pt x="996738" y="-34312"/>
+                  <a:pt x="1196247" y="0"/>
+                </a:cubicBezTo>
+                <a:cubicBezTo>
+                  <a:pt x="1357180" y="16623"/>
+                  <a:pt x="1575042" y="-11041"/>
+                  <a:pt x="1806578" y="0"/>
+                </a:cubicBezTo>
+                <a:cubicBezTo>
+                  <a:pt x="2016334" y="246"/>
+                  <a:pt x="2239353" y="-8732"/>
+                  <a:pt x="2441321" y="0"/>
+                </a:cubicBezTo>
+                <a:cubicBezTo>
+                  <a:pt x="2440988" y="3698"/>
+                  <a:pt x="2440649" y="9400"/>
+                  <a:pt x="2441321" y="13716"/>
+                </a:cubicBezTo>
+                <a:cubicBezTo>
+                  <a:pt x="2159375" y="44437"/>
+                  <a:pt x="2054495" y="41094"/>
+                  <a:pt x="1830991" y="13716"/>
+                </a:cubicBezTo>
+                <a:cubicBezTo>
+                  <a:pt x="1615846" y="2937"/>
+                  <a:pt x="1521674" y="-9994"/>
+                  <a:pt x="1269487" y="13716"/>
+                </a:cubicBezTo>
+                <a:cubicBezTo>
+                  <a:pt x="1019660" y="49388"/>
+                  <a:pt x="886911" y="37779"/>
+                  <a:pt x="707983" y="13716"/>
+                </a:cubicBezTo>
+                <a:cubicBezTo>
+                  <a:pt x="523434" y="22749"/>
+                  <a:pt x="307885" y="29744"/>
+                  <a:pt x="0" y="13716"/>
+                </a:cubicBezTo>
+                <a:cubicBezTo>
+                  <a:pt x="-361" y="7755"/>
+                  <a:pt x="-276" y="2718"/>
+                  <a:pt x="0" y="0"/>
+                </a:cubicBezTo>
+                <a:close/>
+              </a:path>
+              <a:path w="2441321" h="13716" stroke="0" extrusionOk="0">
+                <a:moveTo>
+                  <a:pt x="0" y="0"/>
+                </a:moveTo>
+                <a:cubicBezTo>
+                  <a:pt x="212126" y="-10265"/>
+                  <a:pt x="442910" y="-11728"/>
+                  <a:pt x="585917" y="0"/>
+                </a:cubicBezTo>
+                <a:cubicBezTo>
+                  <a:pt x="724579" y="21751"/>
+                  <a:pt x="879365" y="-33198"/>
+                  <a:pt x="1123008" y="0"/>
+                </a:cubicBezTo>
+                <a:cubicBezTo>
+                  <a:pt x="1377247" y="11220"/>
+                  <a:pt x="1597861" y="-34280"/>
+                  <a:pt x="1782164" y="0"/>
+                </a:cubicBezTo>
+                <a:cubicBezTo>
+                  <a:pt x="1975975" y="-3055"/>
+                  <a:pt x="2116392" y="-15531"/>
+                  <a:pt x="2441321" y="0"/>
+                </a:cubicBezTo>
+                <a:cubicBezTo>
+                  <a:pt x="2441197" y="4300"/>
+                  <a:pt x="2441101" y="8760"/>
+                  <a:pt x="2441321" y="13716"/>
+                </a:cubicBezTo>
+                <a:cubicBezTo>
+                  <a:pt x="2180658" y="13750"/>
+                  <a:pt x="2084222" y="1362"/>
+                  <a:pt x="1879817" y="13716"/>
+                </a:cubicBezTo>
+                <a:cubicBezTo>
+                  <a:pt x="1668182" y="11650"/>
+                  <a:pt x="1551159" y="-11049"/>
+                  <a:pt x="1318313" y="13716"/>
+                </a:cubicBezTo>
+                <a:cubicBezTo>
+                  <a:pt x="1059871" y="51823"/>
+                  <a:pt x="901959" y="19259"/>
+                  <a:pt x="659157" y="13716"/>
+                </a:cubicBezTo>
+                <a:cubicBezTo>
+                  <a:pt x="444692" y="23911"/>
+                  <a:pt x="245032" y="35310"/>
+                  <a:pt x="0" y="13716"/>
+                </a:cubicBezTo>
+                <a:cubicBezTo>
+                  <a:pt x="124" y="7937"/>
+                  <a:pt x="389" y="2990"/>
+                  <a:pt x="0" y="0"/>
+                </a:cubicBezTo>
+                <a:close/>
+              </a:path>
+              <a:path w="2441321" h="13716" fill="none" stroke="0" extrusionOk="0">
+                <a:moveTo>
+                  <a:pt x="0" y="0"/>
+                </a:moveTo>
+                <a:cubicBezTo>
+                  <a:pt x="265389" y="-22361"/>
+                  <a:pt x="344845" y="-65"/>
+                  <a:pt x="585917" y="0"/>
+                </a:cubicBezTo>
+                <a:cubicBezTo>
+                  <a:pt x="858472" y="13102"/>
+                  <a:pt x="949265" y="-8078"/>
+                  <a:pt x="1196247" y="0"/>
+                </a:cubicBezTo>
+                <a:cubicBezTo>
+                  <a:pt x="1379248" y="30707"/>
+                  <a:pt x="1585336" y="24963"/>
+                  <a:pt x="1806578" y="0"/>
+                </a:cubicBezTo>
+                <a:cubicBezTo>
+                  <a:pt x="1986731" y="-19207"/>
+                  <a:pt x="2264933" y="16601"/>
+                  <a:pt x="2441321" y="0"/>
+                </a:cubicBezTo>
+                <a:cubicBezTo>
+                  <a:pt x="2441661" y="4449"/>
+                  <a:pt x="2442057" y="7876"/>
+                  <a:pt x="2441321" y="13716"/>
+                </a:cubicBezTo>
+                <a:cubicBezTo>
+                  <a:pt x="2149099" y="22776"/>
+                  <a:pt x="2027305" y="51898"/>
+                  <a:pt x="1830991" y="13716"/>
+                </a:cubicBezTo>
+                <a:cubicBezTo>
+                  <a:pt x="1614571" y="-23336"/>
+                  <a:pt x="1500998" y="6155"/>
+                  <a:pt x="1269487" y="13716"/>
+                </a:cubicBezTo>
+                <a:cubicBezTo>
+                  <a:pt x="1042399" y="33262"/>
+                  <a:pt x="927922" y="41250"/>
+                  <a:pt x="707983" y="13716"/>
+                </a:cubicBezTo>
+                <a:cubicBezTo>
+                  <a:pt x="502575" y="-9952"/>
+                  <a:pt x="350393" y="29927"/>
+                  <a:pt x="0" y="13716"/>
+                </a:cubicBezTo>
+                <a:cubicBezTo>
+                  <a:pt x="-248" y="8631"/>
+                  <a:pt x="228" y="3134"/>
+                  <a:pt x="0" y="0"/>
+                </a:cubicBezTo>
+                <a:close/>
+              </a:path>
+            </a:pathLst>
+          </a:custGeom>
+          <a:solidFill>
+            <a:schemeClr val="accent2"/>
+          </a:solidFill>
+          <a:ln w="38100" cap="rnd">
+            <a:solidFill>
+              <a:schemeClr val="accent2"/>
+            </a:solidFill>
+            <a:round/>
+            <a:extLst>
+              <a:ext uri="{C807C97D-BFC1-408E-A445-0C87EB9F89A2}">
+                <ask:lineSketchStyleProps xmlns:ask="http://schemas.microsoft.com/office/drawing/2018/sketchyshapes" sd="1219033472">
+                  <a:custGeom>
+                    <a:avLst/>
+                    <a:gdLst>
+                      <a:gd name="connsiteX0" fmla="*/ 0 w 2441321"/>
+                      <a:gd name="connsiteY0" fmla="*/ 0 h 13716"/>
+                      <a:gd name="connsiteX1" fmla="*/ 585917 w 2441321"/>
+                      <a:gd name="connsiteY1" fmla="*/ 0 h 13716"/>
+                      <a:gd name="connsiteX2" fmla="*/ 1196247 w 2441321"/>
+                      <a:gd name="connsiteY2" fmla="*/ 0 h 13716"/>
+                      <a:gd name="connsiteX3" fmla="*/ 1806578 w 2441321"/>
+                      <a:gd name="connsiteY3" fmla="*/ 0 h 13716"/>
+                      <a:gd name="connsiteX4" fmla="*/ 2441321 w 2441321"/>
+                      <a:gd name="connsiteY4" fmla="*/ 0 h 13716"/>
+                      <a:gd name="connsiteX5" fmla="*/ 2441321 w 2441321"/>
+                      <a:gd name="connsiteY5" fmla="*/ 13716 h 13716"/>
+                      <a:gd name="connsiteX6" fmla="*/ 1830991 w 2441321"/>
+                      <a:gd name="connsiteY6" fmla="*/ 13716 h 13716"/>
+                      <a:gd name="connsiteX7" fmla="*/ 1269487 w 2441321"/>
+                      <a:gd name="connsiteY7" fmla="*/ 13716 h 13716"/>
+                      <a:gd name="connsiteX8" fmla="*/ 707983 w 2441321"/>
+                      <a:gd name="connsiteY8" fmla="*/ 13716 h 13716"/>
+                      <a:gd name="connsiteX9" fmla="*/ 0 w 2441321"/>
+                      <a:gd name="connsiteY9" fmla="*/ 13716 h 13716"/>
+                      <a:gd name="connsiteX10" fmla="*/ 0 w 2441321"/>
+                      <a:gd name="connsiteY10" fmla="*/ 0 h 13716"/>
+                    </a:gdLst>
+                    <a:ahLst/>
+                    <a:cxnLst>
+                      <a:cxn ang="0">
+                        <a:pos x="connsiteX0" y="connsiteY0"/>
+                      </a:cxn>
+                      <a:cxn ang="0">
+                        <a:pos x="connsiteX1" y="connsiteY1"/>
+                      </a:cxn>
+                      <a:cxn ang="0">
+                        <a:pos x="connsiteX2" y="connsiteY2"/>
+                      </a:cxn>
+                      <a:cxn ang="0">
+                        <a:pos x="connsiteX3" y="connsiteY3"/>
+                      </a:cxn>
+                      <a:cxn ang="0">
+                        <a:pos x="connsiteX4" y="connsiteY4"/>
+                      </a:cxn>
+                      <a:cxn ang="0">
+                        <a:pos x="connsiteX5" y="connsiteY5"/>
+                      </a:cxn>
+                      <a:cxn ang="0">
+                        <a:pos x="connsiteX6" y="connsiteY6"/>
+                      </a:cxn>
+                      <a:cxn ang="0">
+                        <a:pos x="connsiteX7" y="connsiteY7"/>
+                      </a:cxn>
+                      <a:cxn ang="0">
+                        <a:pos x="connsiteX8" y="connsiteY8"/>
+                      </a:cxn>
+                      <a:cxn ang="0">
+                        <a:pos x="connsiteX9" y="connsiteY9"/>
+                      </a:cxn>
+                      <a:cxn ang="0">
+                        <a:pos x="connsiteX10" y="connsiteY10"/>
+                      </a:cxn>
+                    </a:cxnLst>
+                    <a:rect l="l" t="t" r="r" b="b"/>
+                    <a:pathLst>
+                      <a:path w="2441321" h="13716" fill="none" extrusionOk="0">
+                        <a:moveTo>
+                          <a:pt x="0" y="0"/>
+                        </a:moveTo>
+                        <a:cubicBezTo>
+                          <a:pt x="273217" y="-17533"/>
+                          <a:pt x="355785" y="-4171"/>
+                          <a:pt x="585917" y="0"/>
+                        </a:cubicBezTo>
+                        <a:cubicBezTo>
+                          <a:pt x="816049" y="4171"/>
+                          <a:pt x="991446" y="-9419"/>
+                          <a:pt x="1196247" y="0"/>
+                        </a:cubicBezTo>
+                        <a:cubicBezTo>
+                          <a:pt x="1401048" y="9419"/>
+                          <a:pt x="1589984" y="-731"/>
+                          <a:pt x="1806578" y="0"/>
+                        </a:cubicBezTo>
+                        <a:cubicBezTo>
+                          <a:pt x="2023172" y="731"/>
+                          <a:pt x="2247754" y="8393"/>
+                          <a:pt x="2441321" y="0"/>
+                        </a:cubicBezTo>
+                        <a:cubicBezTo>
+                          <a:pt x="2440939" y="4363"/>
+                          <a:pt x="2441580" y="8857"/>
+                          <a:pt x="2441321" y="13716"/>
+                        </a:cubicBezTo>
+                        <a:cubicBezTo>
+                          <a:pt x="2169723" y="25934"/>
+                          <a:pt x="2045712" y="34568"/>
+                          <a:pt x="1830991" y="13716"/>
+                        </a:cubicBezTo>
+                        <a:cubicBezTo>
+                          <a:pt x="1616270" y="-7136"/>
+                          <a:pt x="1505876" y="-623"/>
+                          <a:pt x="1269487" y="13716"/>
+                        </a:cubicBezTo>
+                        <a:cubicBezTo>
+                          <a:pt x="1033098" y="28055"/>
+                          <a:pt x="908661" y="36619"/>
+                          <a:pt x="707983" y="13716"/>
+                        </a:cubicBezTo>
+                        <a:cubicBezTo>
+                          <a:pt x="507305" y="-9187"/>
+                          <a:pt x="333592" y="16187"/>
+                          <a:pt x="0" y="13716"/>
+                        </a:cubicBezTo>
+                        <a:cubicBezTo>
+                          <a:pt x="-459" y="8317"/>
+                          <a:pt x="190" y="2744"/>
+                          <a:pt x="0" y="0"/>
+                        </a:cubicBezTo>
+                        <a:close/>
+                      </a:path>
+                      <a:path w="2441321" h="13716" stroke="0" extrusionOk="0">
+                        <a:moveTo>
+                          <a:pt x="0" y="0"/>
+                        </a:moveTo>
+                        <a:cubicBezTo>
+                          <a:pt x="207071" y="-14617"/>
+                          <a:pt x="444194" y="-15606"/>
+                          <a:pt x="585917" y="0"/>
+                        </a:cubicBezTo>
+                        <a:cubicBezTo>
+                          <a:pt x="727640" y="15606"/>
+                          <a:pt x="904326" y="-79"/>
+                          <a:pt x="1123008" y="0"/>
+                        </a:cubicBezTo>
+                        <a:cubicBezTo>
+                          <a:pt x="1341690" y="79"/>
+                          <a:pt x="1600014" y="10401"/>
+                          <a:pt x="1782164" y="0"/>
+                        </a:cubicBezTo>
+                        <a:cubicBezTo>
+                          <a:pt x="1964314" y="-10401"/>
+                          <a:pt x="2143537" y="-21488"/>
+                          <a:pt x="2441321" y="0"/>
+                        </a:cubicBezTo>
+                        <a:cubicBezTo>
+                          <a:pt x="2441507" y="3335"/>
+                          <a:pt x="2441322" y="9457"/>
+                          <a:pt x="2441321" y="13716"/>
+                        </a:cubicBezTo>
+                        <a:cubicBezTo>
+                          <a:pt x="2166745" y="24201"/>
+                          <a:pt x="2078726" y="10904"/>
+                          <a:pt x="1879817" y="13716"/>
+                        </a:cubicBezTo>
+                        <a:cubicBezTo>
+                          <a:pt x="1680908" y="16528"/>
+                          <a:pt x="1548770" y="-8699"/>
+                          <a:pt x="1318313" y="13716"/>
+                        </a:cubicBezTo>
+                        <a:cubicBezTo>
+                          <a:pt x="1087856" y="36131"/>
+                          <a:pt x="894613" y="-645"/>
+                          <a:pt x="659157" y="13716"/>
+                        </a:cubicBezTo>
+                        <a:cubicBezTo>
+                          <a:pt x="423701" y="28077"/>
+                          <a:pt x="246611" y="29403"/>
+                          <a:pt x="0" y="13716"/>
+                        </a:cubicBezTo>
+                        <a:cubicBezTo>
+                          <a:pt x="-120" y="7867"/>
+                          <a:pt x="674" y="3919"/>
+                          <a:pt x="0" y="0"/>
+                        </a:cubicBezTo>
+                        <a:close/>
+                      </a:path>
+                    </a:pathLst>
+                  </a:custGeom>
+                  <ask:type>
+                    <ask:lineSketchFreehand/>
+                  </ask:type>
+                </ask:lineSketchStyleProps>
+              </a:ext>
+            </a:extLst>
+          </a:ln>
+        </p:spPr>
+        <p:style>
+          <a:lnRef idx="2">
+            <a:schemeClr val="accent1">
+              <a:shade val="50000"/>
+            </a:schemeClr>
+          </a:lnRef>
+          <a:fillRef idx="1">
+            <a:schemeClr val="accent1"/>
+          </a:fillRef>
+          <a:effectRef idx="0">
+            <a:schemeClr val="accent1"/>
+          </a:effectRef>
+          <a:fontRef idx="minor">
+            <a:schemeClr val="lt1"/>
+          </a:fontRef>
+        </p:style>
+        <p:txBody>
+          <a:bodyPr rtlCol="0" anchor="ctr"/>
+          <a:lstStyle/>
+          <a:p>
+            <a:pPr algn="ctr"/>
+            <a:endParaRPr lang="en-US"/>
+          </a:p>
+        </p:txBody>
+      </p:sp>
+      <p:sp>
+        <p:nvSpPr>
+          <p:cNvPr id="143" name="Google Shape;143;p30"/>
+          <p:cNvSpPr txBox="1">
+            <a:spLocks noGrp="1"/>
+          </p:cNvSpPr>
+          <p:nvPr>
+            <p:ph sz="half" idx="1"/>
+          </p:nvPr>
+        </p:nvSpPr>
+        <p:spPr>
+          <a:xfrm>
+            <a:off x="473202" y="1995678"/>
+            <a:ext cx="3614166" cy="2660904"/>
+          </a:xfrm>
+          <a:prstGeom prst="rect">
+            <a:avLst/>
+          </a:prstGeom>
+        </p:spPr>
+        <p:txBody>
+          <a:bodyPr spcFirstLastPara="1" vert="horz" lIns="91440" tIns="45720" rIns="91440" bIns="45720" rtlCol="0" anchor="t" anchorCtr="0">
+            <a:normAutofit/>
+          </a:bodyPr>
+          <a:lstStyle/>
+          <a:p>
+            <a:pPr marL="457200" lvl="0" indent="-228600" defTabSz="914400">
+              <a:spcBef>
+                <a:spcPts val="800"/>
+              </a:spcBef>
+              <a:spcAft>
+                <a:spcPts val="0"/>
+              </a:spcAft>
+              <a:buSzPts val="1100"/>
+            </a:pPr>
+            <a:r>
+              <a:rPr lang="en-US" sz="1300" b="1">
+                <a:sym typeface="Arial"/>
+              </a:rPr>
+              <a:t>Application</a:t>
+            </a:r>
+            <a:r>
+              <a:rPr lang="en-US" sz="1300">
+                <a:sym typeface="Arial"/>
+              </a:rPr>
+              <a:t>: collection of Elastic Beanstalk components (environments, versions, configurations, …)</a:t>
+            </a:r>
+          </a:p>
+          <a:p>
+            <a:pPr marL="457200" lvl="0" indent="-228600" defTabSz="914400">
+              <a:spcBef>
+                <a:spcPts val="0"/>
+              </a:spcBef>
+              <a:spcAft>
+                <a:spcPts val="0"/>
+              </a:spcAft>
+              <a:buSzPts val="1100"/>
+            </a:pPr>
+            <a:r>
+              <a:rPr lang="en-US" sz="1300" b="1">
+                <a:sym typeface="Arial"/>
+              </a:rPr>
+              <a:t>Application Version</a:t>
+            </a:r>
+            <a:r>
+              <a:rPr lang="en-US" sz="1300">
+                <a:sym typeface="Arial"/>
+              </a:rPr>
+              <a:t>: an iteration of your application code</a:t>
+            </a:r>
+          </a:p>
+          <a:p>
+            <a:pPr marL="457200" lvl="0" indent="-228600" defTabSz="914400">
+              <a:spcBef>
+                <a:spcPts val="0"/>
+              </a:spcBef>
+              <a:spcAft>
+                <a:spcPts val="0"/>
+              </a:spcAft>
+              <a:buSzPts val="1100"/>
+            </a:pPr>
+            <a:r>
+              <a:rPr lang="en-US" sz="1300" b="1">
+                <a:sym typeface="Arial"/>
+              </a:rPr>
+              <a:t>Environment</a:t>
+            </a:r>
+          </a:p>
+          <a:p>
+            <a:pPr marL="914400" lvl="1" indent="-228600" defTabSz="914400">
+              <a:spcBef>
+                <a:spcPts val="0"/>
+              </a:spcBef>
+              <a:spcAft>
+                <a:spcPts val="0"/>
+              </a:spcAft>
+              <a:buSzPts val="1100"/>
+            </a:pPr>
+            <a:r>
+              <a:rPr lang="en-US" sz="1300">
+                <a:sym typeface="Arial"/>
+              </a:rPr>
+              <a:t>Collection of AWS resources running an application version (only one application version at a time)</a:t>
+            </a:r>
+          </a:p>
+          <a:p>
+            <a:pPr marL="914400" lvl="1" indent="-228600" defTabSz="914400">
+              <a:spcBef>
+                <a:spcPts val="0"/>
+              </a:spcBef>
+              <a:spcAft>
+                <a:spcPts val="0"/>
+              </a:spcAft>
+              <a:buSzPts val="1100"/>
+            </a:pPr>
+            <a:r>
+              <a:rPr lang="en-US" sz="1300" b="1">
+                <a:sym typeface="Arial"/>
+              </a:rPr>
+              <a:t>Tiers</a:t>
+            </a:r>
+            <a:r>
+              <a:rPr lang="en-US" sz="1300">
+                <a:sym typeface="Arial"/>
+              </a:rPr>
+              <a:t>: </a:t>
+            </a:r>
+            <a:r>
+              <a:rPr lang="en-US" sz="1300" b="1">
+                <a:sym typeface="Arial"/>
+              </a:rPr>
+              <a:t>Web Server Environment</a:t>
+            </a:r>
+            <a:r>
+              <a:rPr lang="en-US" sz="1300">
+                <a:sym typeface="Arial"/>
+              </a:rPr>
+              <a:t> Tier &amp; </a:t>
+            </a:r>
+            <a:r>
+              <a:rPr lang="en-US" sz="1300" b="1">
+                <a:sym typeface="Arial"/>
+              </a:rPr>
+              <a:t>Worker Environment</a:t>
+            </a:r>
+            <a:r>
+              <a:rPr lang="en-US" sz="1300">
+                <a:sym typeface="Arial"/>
+              </a:rPr>
+              <a:t> Tier</a:t>
+            </a:r>
+          </a:p>
+          <a:p>
+            <a:pPr marL="914400" lvl="1" indent="-228600" defTabSz="914400">
+              <a:spcBef>
+                <a:spcPts val="0"/>
+              </a:spcBef>
+              <a:spcAft>
+                <a:spcPts val="0"/>
+              </a:spcAft>
+              <a:buSzPts val="1100"/>
+            </a:pPr>
+            <a:r>
+              <a:rPr lang="en-US" sz="1300">
+                <a:sym typeface="Arial"/>
+              </a:rPr>
+              <a:t>You can create multiple environments (dev, test, prod, …)</a:t>
+            </a:r>
+          </a:p>
+        </p:txBody>
+      </p:sp>
+      <p:pic>
+        <p:nvPicPr>
+          <p:cNvPr id="144" name="Google Shape;144;p30"/>
+          <p:cNvPicPr preferRelativeResize="0"/>
+          <p:nvPr/>
+        </p:nvPicPr>
+        <p:blipFill>
+          <a:blip r:embed="rId3"/>
+          <a:stretch>
+            <a:fillRect/>
+          </a:stretch>
+        </p:blipFill>
+        <p:spPr>
+          <a:xfrm>
+            <a:off x="4574286" y="2039501"/>
+            <a:ext cx="4094226" cy="1064498"/>
+          </a:xfrm>
+          <a:prstGeom prst="rect">
+            <a:avLst/>
+          </a:prstGeom>
+          <a:noFill/>
+        </p:spPr>
+      </p:pic>
+    </p:spTree>
+  </p:cSld>
+  <p:clrMapOvr>
+    <a:masterClrMapping/>
+  </p:clrMapOvr>
+</p:sld>
+</file>
+
+<file path=ppt/slides/slide3.xml><?xml version="1.0" encoding="utf-8"?>
+<p:sld xmlns:a="http://schemas.openxmlformats.org/drawingml/2006/main" xmlns:r="http://schemas.openxmlformats.org/officeDocument/2006/relationships" xmlns:p="http://schemas.openxmlformats.org/presentationml/2006/main">
+  <p:cSld>
+    <p:bg>
+      <p:bgPr>
+        <a:solidFill>
+          <a:schemeClr val="bg1"/>
+        </a:solidFill>
+        <a:effectLst/>
+      </p:bgPr>
+    </p:bg>
+    <p:spTree>
+      <p:nvGrpSpPr>
+        <p:cNvPr id="1" name="Shape 148"/>
+        <p:cNvGrpSpPr/>
+        <p:nvPr/>
+      </p:nvGrpSpPr>
+      <p:grpSpPr>
+        <a:xfrm>
+          <a:off x="0" y="0"/>
+          <a:ext cx="0" cy="0"/>
+          <a:chOff x="0" y="0"/>
+          <a:chExt cx="0" cy="0"/>
+        </a:xfrm>
+      </p:grpSpPr>
+      <p:sp useBgFill="1">
+        <p:nvSpPr>
+          <p:cNvPr id="156" name="Rectangle 155">
+            <a:extLst>
+              <a:ext uri="{FF2B5EF4-FFF2-40B4-BE49-F238E27FC236}">
+                <a16:creationId xmlns:a16="http://schemas.microsoft.com/office/drawing/2014/main" id="{743AA782-23D1-4521-8CAD-47662984AA08}"/>
+              </a:ext>
+              <a:ext uri="{C183D7F6-B498-43B3-948B-1728B52AA6E4}">
+                <adec:decorative xmlns:adec="http://schemas.microsoft.com/office/drawing/2017/decorative" val="1"/>
+              </a:ext>
+            </a:extLst>
+          </p:cNvPr>
+          <p:cNvSpPr>
+            <a:spLocks noGrp="1" noRot="1" noChangeAspect="1" noMove="1" noResize="1" noEditPoints="1" noAdjustHandles="1" noChangeArrowheads="1" noChangeShapeType="1" noTextEdit="1"/>
+          </p:cNvSpPr>
+          <p:nvPr>
+            <p:extLst>
+              <p:ext uri="{386F3935-93C4-4BCD-93E2-E3B085C9AB24}">
+                <p16:designElem xmlns:p16="http://schemas.microsoft.com/office/powerpoint/2015/main" val="1"/>
+              </p:ext>
+            </p:extLst>
+          </p:nvPr>
+        </p:nvSpPr>
+        <p:spPr>
+          <a:xfrm>
+            <a:off x="0" y="0"/>
+            <a:ext cx="9144000" cy="5143500"/>
+          </a:xfrm>
+          <a:prstGeom prst="rect">
+            <a:avLst/>
+          </a:prstGeom>
+          <a:ln>
+            <a:noFill/>
+          </a:ln>
+        </p:spPr>
+        <p:style>
+          <a:lnRef idx="2">
+            <a:schemeClr val="accent1">
+              <a:shade val="50000"/>
+            </a:schemeClr>
+          </a:lnRef>
+          <a:fillRef idx="1">
+            <a:schemeClr val="accent1"/>
+          </a:fillRef>
+          <a:effectRef idx="0">
+            <a:schemeClr val="accent1"/>
+          </a:effectRef>
+          <a:fontRef idx="minor">
+            <a:schemeClr val="lt1"/>
+          </a:fontRef>
+        </p:style>
+        <p:txBody>
+          <a:bodyPr rtlCol="0" anchor="ctr"/>
+          <a:lstStyle/>
+          <a:p>
+            <a:pPr algn="ctr"/>
+            <a:endParaRPr lang="en-US"/>
+          </a:p>
+        </p:txBody>
+      </p:sp>
+      <p:sp>
+        <p:nvSpPr>
+          <p:cNvPr id="149" name="Google Shape;149;p31"/>
+          <p:cNvSpPr txBox="1">
+            <a:spLocks noGrp="1"/>
+          </p:cNvSpPr>
+          <p:nvPr>
+            <p:ph type="title"/>
+          </p:nvPr>
+        </p:nvSpPr>
+        <p:spPr>
+          <a:xfrm>
+            <a:off x="473202" y="480060"/>
+            <a:ext cx="3614166" cy="1110996"/>
+          </a:xfrm>
+          <a:prstGeom prst="rect">
+            <a:avLst/>
+          </a:prstGeom>
+        </p:spPr>
+        <p:txBody>
+          <a:bodyPr spcFirstLastPara="1" vert="horz" lIns="91440" tIns="45720" rIns="91440" bIns="45720" rtlCol="0" anchor="b" anchorCtr="0">
+            <a:normAutofit/>
+          </a:bodyPr>
+          <a:lstStyle/>
+          <a:p>
+            <a:pPr marL="0" lvl="0" indent="0" defTabSz="914400">
+              <a:spcAft>
+                <a:spcPts val="0"/>
+              </a:spcAft>
+              <a:buClr>
+                <a:schemeClr val="dk1"/>
+              </a:buClr>
+              <a:buSzPts val="2400"/>
+            </a:pPr>
+            <a:r>
+              <a:rPr lang="en-US" sz="3200" kern="1200">
+                <a:solidFill>
+                  <a:schemeClr val="tx1"/>
+                </a:solidFill>
+                <a:latin typeface="+mj-lt"/>
+                <a:ea typeface="+mj-ea"/>
+                <a:cs typeface="+mj-cs"/>
+              </a:rPr>
+              <a:t>Elastic Beanstalk – Supported Platforms</a:t>
+            </a:r>
+            <a:endParaRPr lang="en-US" sz="3200" kern="1200">
+              <a:solidFill>
+                <a:schemeClr val="tx1"/>
+              </a:solidFill>
+              <a:latin typeface="+mj-lt"/>
+              <a:ea typeface="+mj-ea"/>
+              <a:cs typeface="+mj-cs"/>
+              <a:sym typeface="Economica"/>
+            </a:endParaRPr>
+          </a:p>
+        </p:txBody>
+      </p:sp>
+      <p:sp>
+        <p:nvSpPr>
+          <p:cNvPr id="158" name="sketch line">
+            <a:extLst>
+              <a:ext uri="{FF2B5EF4-FFF2-40B4-BE49-F238E27FC236}">
+                <a16:creationId xmlns:a16="http://schemas.microsoft.com/office/drawing/2014/main" id="{650D18FE-0824-4A46-B22C-A86B52E5780A}"/>
+              </a:ext>
+              <a:ext uri="{C183D7F6-B498-43B3-948B-1728B52AA6E4}">
+                <adec:decorative xmlns:adec="http://schemas.microsoft.com/office/drawing/2017/decorative" val="1"/>
+              </a:ext>
+            </a:extLst>
+          </p:cNvPr>
+          <p:cNvSpPr>
+            <a:spLocks noGrp="1" noRot="1" noChangeAspect="1" noMove="1" noResize="1" noEditPoints="1" noAdjustHandles="1" noChangeArrowheads="1" noChangeShapeType="1" noTextEdit="1"/>
+          </p:cNvSpPr>
+          <p:nvPr>
+            <p:extLst>
+              <p:ext uri="{386F3935-93C4-4BCD-93E2-E3B085C9AB24}">
+                <p16:designElem xmlns:p16="http://schemas.microsoft.com/office/powerpoint/2015/main" val="1"/>
+              </p:ext>
+            </p:extLst>
+          </p:nvPr>
+        </p:nvSpPr>
+        <p:spPr>
+          <a:xfrm>
+            <a:off x="482458" y="1779651"/>
+            <a:ext cx="2441321" cy="13716"/>
+          </a:xfrm>
+          <a:custGeom>
+            <a:avLst/>
+            <a:gdLst>
+              <a:gd name="connsiteX0" fmla="*/ 0 w 2441321"/>
+              <a:gd name="connsiteY0" fmla="*/ 0 h 13716"/>
+              <a:gd name="connsiteX1" fmla="*/ 585917 w 2441321"/>
+              <a:gd name="connsiteY1" fmla="*/ 0 h 13716"/>
+              <a:gd name="connsiteX2" fmla="*/ 1196247 w 2441321"/>
+              <a:gd name="connsiteY2" fmla="*/ 0 h 13716"/>
+              <a:gd name="connsiteX3" fmla="*/ 1806578 w 2441321"/>
+              <a:gd name="connsiteY3" fmla="*/ 0 h 13716"/>
+              <a:gd name="connsiteX4" fmla="*/ 2441321 w 2441321"/>
+              <a:gd name="connsiteY4" fmla="*/ 0 h 13716"/>
+              <a:gd name="connsiteX5" fmla="*/ 2441321 w 2441321"/>
+              <a:gd name="connsiteY5" fmla="*/ 13716 h 13716"/>
+              <a:gd name="connsiteX6" fmla="*/ 1830991 w 2441321"/>
+              <a:gd name="connsiteY6" fmla="*/ 13716 h 13716"/>
+              <a:gd name="connsiteX7" fmla="*/ 1269487 w 2441321"/>
+              <a:gd name="connsiteY7" fmla="*/ 13716 h 13716"/>
+              <a:gd name="connsiteX8" fmla="*/ 707983 w 2441321"/>
+              <a:gd name="connsiteY8" fmla="*/ 13716 h 13716"/>
+              <a:gd name="connsiteX9" fmla="*/ 0 w 2441321"/>
+              <a:gd name="connsiteY9" fmla="*/ 13716 h 13716"/>
+              <a:gd name="connsiteX10" fmla="*/ 0 w 2441321"/>
+              <a:gd name="connsiteY10" fmla="*/ 0 h 13716"/>
+              <a:gd name="connsiteX0" fmla="*/ 0 w 2441321"/>
+              <a:gd name="connsiteY0" fmla="*/ 0 h 13716"/>
+              <a:gd name="connsiteX1" fmla="*/ 585917 w 2441321"/>
+              <a:gd name="connsiteY1" fmla="*/ 0 h 13716"/>
+              <a:gd name="connsiteX2" fmla="*/ 1123008 w 2441321"/>
+              <a:gd name="connsiteY2" fmla="*/ 0 h 13716"/>
+              <a:gd name="connsiteX3" fmla="*/ 1782164 w 2441321"/>
+              <a:gd name="connsiteY3" fmla="*/ 0 h 13716"/>
+              <a:gd name="connsiteX4" fmla="*/ 2441321 w 2441321"/>
+              <a:gd name="connsiteY4" fmla="*/ 0 h 13716"/>
+              <a:gd name="connsiteX5" fmla="*/ 2441321 w 2441321"/>
+              <a:gd name="connsiteY5" fmla="*/ 13716 h 13716"/>
+              <a:gd name="connsiteX6" fmla="*/ 1879817 w 2441321"/>
+              <a:gd name="connsiteY6" fmla="*/ 13716 h 13716"/>
+              <a:gd name="connsiteX7" fmla="*/ 1318313 w 2441321"/>
+              <a:gd name="connsiteY7" fmla="*/ 13716 h 13716"/>
+              <a:gd name="connsiteX8" fmla="*/ 659157 w 2441321"/>
+              <a:gd name="connsiteY8" fmla="*/ 13716 h 13716"/>
+              <a:gd name="connsiteX9" fmla="*/ 0 w 2441321"/>
+              <a:gd name="connsiteY9" fmla="*/ 13716 h 13716"/>
+              <a:gd name="connsiteX10" fmla="*/ 0 w 2441321"/>
+              <a:gd name="connsiteY10" fmla="*/ 0 h 13716"/>
+            </a:gdLst>
+            <a:ahLst/>
+            <a:cxnLst>
+              <a:cxn ang="0">
+                <a:pos x="connsiteX0" y="connsiteY0"/>
+              </a:cxn>
+              <a:cxn ang="0">
+                <a:pos x="connsiteX1" y="connsiteY1"/>
+              </a:cxn>
+              <a:cxn ang="0">
+                <a:pos x="connsiteX2" y="connsiteY2"/>
+              </a:cxn>
+              <a:cxn ang="0">
+                <a:pos x="connsiteX3" y="connsiteY3"/>
+              </a:cxn>
+              <a:cxn ang="0">
+                <a:pos x="connsiteX4" y="connsiteY4"/>
+              </a:cxn>
+              <a:cxn ang="0">
+                <a:pos x="connsiteX5" y="connsiteY5"/>
+              </a:cxn>
+              <a:cxn ang="0">
+                <a:pos x="connsiteX6" y="connsiteY6"/>
+              </a:cxn>
+              <a:cxn ang="0">
+                <a:pos x="connsiteX7" y="connsiteY7"/>
+              </a:cxn>
+              <a:cxn ang="0">
+                <a:pos x="connsiteX8" y="connsiteY8"/>
+              </a:cxn>
+              <a:cxn ang="0">
+                <a:pos x="connsiteX9" y="connsiteY9"/>
+              </a:cxn>
+              <a:cxn ang="0">
+                <a:pos x="connsiteX10" y="connsiteY10"/>
+              </a:cxn>
+            </a:cxnLst>
+            <a:rect l="l" t="t" r="r" b="b"/>
+            <a:pathLst>
+              <a:path w="2441321" h="13716" fill="none" extrusionOk="0">
+                <a:moveTo>
+                  <a:pt x="0" y="0"/>
+                </a:moveTo>
+                <a:cubicBezTo>
+                  <a:pt x="280302" y="-6619"/>
+                  <a:pt x="363201" y="4913"/>
+                  <a:pt x="585917" y="0"/>
+                </a:cubicBezTo>
+                <a:cubicBezTo>
+                  <a:pt x="832357" y="-10107"/>
+                  <a:pt x="996738" y="-34312"/>
+                  <a:pt x="1196247" y="0"/>
+                </a:cubicBezTo>
+                <a:cubicBezTo>
+                  <a:pt x="1357180" y="16623"/>
+                  <a:pt x="1575042" y="-11041"/>
+                  <a:pt x="1806578" y="0"/>
+                </a:cubicBezTo>
+                <a:cubicBezTo>
+                  <a:pt x="2016334" y="246"/>
+                  <a:pt x="2239353" y="-8732"/>
+                  <a:pt x="2441321" y="0"/>
+                </a:cubicBezTo>
+                <a:cubicBezTo>
+                  <a:pt x="2440988" y="3698"/>
+                  <a:pt x="2440649" y="9400"/>
+                  <a:pt x="2441321" y="13716"/>
+                </a:cubicBezTo>
+                <a:cubicBezTo>
+                  <a:pt x="2159375" y="44437"/>
+                  <a:pt x="2054495" y="41094"/>
+                  <a:pt x="1830991" y="13716"/>
+                </a:cubicBezTo>
+                <a:cubicBezTo>
+                  <a:pt x="1615846" y="2937"/>
+                  <a:pt x="1521674" y="-9994"/>
+                  <a:pt x="1269487" y="13716"/>
+                </a:cubicBezTo>
+                <a:cubicBezTo>
+                  <a:pt x="1019660" y="49388"/>
+                  <a:pt x="886911" y="37779"/>
+                  <a:pt x="707983" y="13716"/>
+                </a:cubicBezTo>
+                <a:cubicBezTo>
+                  <a:pt x="523434" y="22749"/>
+                  <a:pt x="307885" y="29744"/>
+                  <a:pt x="0" y="13716"/>
+                </a:cubicBezTo>
+                <a:cubicBezTo>
+                  <a:pt x="-361" y="7755"/>
+                  <a:pt x="-276" y="2718"/>
+                  <a:pt x="0" y="0"/>
+                </a:cubicBezTo>
+                <a:close/>
+              </a:path>
+              <a:path w="2441321" h="13716" stroke="0" extrusionOk="0">
+                <a:moveTo>
+                  <a:pt x="0" y="0"/>
+                </a:moveTo>
+                <a:cubicBezTo>
+                  <a:pt x="212126" y="-10265"/>
+                  <a:pt x="442910" y="-11728"/>
+                  <a:pt x="585917" y="0"/>
+                </a:cubicBezTo>
+                <a:cubicBezTo>
+                  <a:pt x="724579" y="21751"/>
+                  <a:pt x="879365" y="-33198"/>
+                  <a:pt x="1123008" y="0"/>
+                </a:cubicBezTo>
+                <a:cubicBezTo>
+                  <a:pt x="1377247" y="11220"/>
+                  <a:pt x="1597861" y="-34280"/>
+                  <a:pt x="1782164" y="0"/>
+                </a:cubicBezTo>
+                <a:cubicBezTo>
+                  <a:pt x="1975975" y="-3055"/>
+                  <a:pt x="2116392" y="-15531"/>
+                  <a:pt x="2441321" y="0"/>
+                </a:cubicBezTo>
+                <a:cubicBezTo>
+                  <a:pt x="2441197" y="4300"/>
+                  <a:pt x="2441101" y="8760"/>
+                  <a:pt x="2441321" y="13716"/>
+                </a:cubicBezTo>
+                <a:cubicBezTo>
+                  <a:pt x="2180658" y="13750"/>
+                  <a:pt x="2084222" y="1362"/>
+                  <a:pt x="1879817" y="13716"/>
+                </a:cubicBezTo>
+                <a:cubicBezTo>
+                  <a:pt x="1668182" y="11650"/>
+                  <a:pt x="1551159" y="-11049"/>
+                  <a:pt x="1318313" y="13716"/>
+                </a:cubicBezTo>
+                <a:cubicBezTo>
+                  <a:pt x="1059871" y="51823"/>
+                  <a:pt x="901959" y="19259"/>
+                  <a:pt x="659157" y="13716"/>
+                </a:cubicBezTo>
+                <a:cubicBezTo>
+                  <a:pt x="444692" y="23911"/>
+                  <a:pt x="245032" y="35310"/>
+                  <a:pt x="0" y="13716"/>
+                </a:cubicBezTo>
+                <a:cubicBezTo>
+                  <a:pt x="124" y="7937"/>
+                  <a:pt x="389" y="2990"/>
+                  <a:pt x="0" y="0"/>
+                </a:cubicBezTo>
+                <a:close/>
+              </a:path>
+              <a:path w="2441321" h="13716" fill="none" stroke="0" extrusionOk="0">
+                <a:moveTo>
+                  <a:pt x="0" y="0"/>
+                </a:moveTo>
+                <a:cubicBezTo>
+                  <a:pt x="265389" y="-22361"/>
+                  <a:pt x="344845" y="-65"/>
+                  <a:pt x="585917" y="0"/>
+                </a:cubicBezTo>
+                <a:cubicBezTo>
+                  <a:pt x="858472" y="13102"/>
+                  <a:pt x="949265" y="-8078"/>
+                  <a:pt x="1196247" y="0"/>
+                </a:cubicBezTo>
+                <a:cubicBezTo>
+                  <a:pt x="1379248" y="30707"/>
+                  <a:pt x="1585336" y="24963"/>
+                  <a:pt x="1806578" y="0"/>
+                </a:cubicBezTo>
+                <a:cubicBezTo>
+                  <a:pt x="1986731" y="-19207"/>
+                  <a:pt x="2264933" y="16601"/>
+                  <a:pt x="2441321" y="0"/>
+                </a:cubicBezTo>
+                <a:cubicBezTo>
+                  <a:pt x="2441661" y="4449"/>
+                  <a:pt x="2442057" y="7876"/>
+                  <a:pt x="2441321" y="13716"/>
+                </a:cubicBezTo>
+                <a:cubicBezTo>
+                  <a:pt x="2149099" y="22776"/>
+                  <a:pt x="2027305" y="51898"/>
+                  <a:pt x="1830991" y="13716"/>
+                </a:cubicBezTo>
+                <a:cubicBezTo>
+                  <a:pt x="1614571" y="-23336"/>
+                  <a:pt x="1500998" y="6155"/>
+                  <a:pt x="1269487" y="13716"/>
+                </a:cubicBezTo>
+                <a:cubicBezTo>
+                  <a:pt x="1042399" y="33262"/>
+                  <a:pt x="927922" y="41250"/>
+                  <a:pt x="707983" y="13716"/>
+                </a:cubicBezTo>
+                <a:cubicBezTo>
+                  <a:pt x="502575" y="-9952"/>
+                  <a:pt x="350393" y="29927"/>
+                  <a:pt x="0" y="13716"/>
+                </a:cubicBezTo>
+                <a:cubicBezTo>
+                  <a:pt x="-248" y="8631"/>
+                  <a:pt x="228" y="3134"/>
+                  <a:pt x="0" y="0"/>
+                </a:cubicBezTo>
+                <a:close/>
+              </a:path>
+            </a:pathLst>
+          </a:custGeom>
+          <a:solidFill>
+            <a:schemeClr val="accent2"/>
+          </a:solidFill>
+          <a:ln w="38100" cap="rnd">
+            <a:solidFill>
+              <a:schemeClr val="accent2"/>
+            </a:solidFill>
+            <a:round/>
+            <a:extLst>
+              <a:ext uri="{C807C97D-BFC1-408E-A445-0C87EB9F89A2}">
+                <ask:lineSketchStyleProps xmlns:ask="http://schemas.microsoft.com/office/drawing/2018/sketchyshapes" sd="1219033472">
+                  <a:custGeom>
+                    <a:avLst/>
+                    <a:gdLst>
+                      <a:gd name="connsiteX0" fmla="*/ 0 w 2441321"/>
+                      <a:gd name="connsiteY0" fmla="*/ 0 h 13716"/>
+                      <a:gd name="connsiteX1" fmla="*/ 585917 w 2441321"/>
+                      <a:gd name="connsiteY1" fmla="*/ 0 h 13716"/>
+                      <a:gd name="connsiteX2" fmla="*/ 1196247 w 2441321"/>
+                      <a:gd name="connsiteY2" fmla="*/ 0 h 13716"/>
+                      <a:gd name="connsiteX3" fmla="*/ 1806578 w 2441321"/>
+                      <a:gd name="connsiteY3" fmla="*/ 0 h 13716"/>
+                      <a:gd name="connsiteX4" fmla="*/ 2441321 w 2441321"/>
+                      <a:gd name="connsiteY4" fmla="*/ 0 h 13716"/>
+                      <a:gd name="connsiteX5" fmla="*/ 2441321 w 2441321"/>
+                      <a:gd name="connsiteY5" fmla="*/ 13716 h 13716"/>
+                      <a:gd name="connsiteX6" fmla="*/ 1830991 w 2441321"/>
+                      <a:gd name="connsiteY6" fmla="*/ 13716 h 13716"/>
+                      <a:gd name="connsiteX7" fmla="*/ 1269487 w 2441321"/>
+                      <a:gd name="connsiteY7" fmla="*/ 13716 h 13716"/>
+                      <a:gd name="connsiteX8" fmla="*/ 707983 w 2441321"/>
+                      <a:gd name="connsiteY8" fmla="*/ 13716 h 13716"/>
+                      <a:gd name="connsiteX9" fmla="*/ 0 w 2441321"/>
+                      <a:gd name="connsiteY9" fmla="*/ 13716 h 13716"/>
+                      <a:gd name="connsiteX10" fmla="*/ 0 w 2441321"/>
+                      <a:gd name="connsiteY10" fmla="*/ 0 h 13716"/>
+                    </a:gdLst>
+                    <a:ahLst/>
+                    <a:cxnLst>
+                      <a:cxn ang="0">
+                        <a:pos x="connsiteX0" y="connsiteY0"/>
+                      </a:cxn>
+                      <a:cxn ang="0">
+                        <a:pos x="connsiteX1" y="connsiteY1"/>
+                      </a:cxn>
+                      <a:cxn ang="0">
+                        <a:pos x="connsiteX2" y="connsiteY2"/>
+                      </a:cxn>
+                      <a:cxn ang="0">
+                        <a:pos x="connsiteX3" y="connsiteY3"/>
+                      </a:cxn>
+                      <a:cxn ang="0">
+                        <a:pos x="connsiteX4" y="connsiteY4"/>
+                      </a:cxn>
+                      <a:cxn ang="0">
+                        <a:pos x="connsiteX5" y="connsiteY5"/>
+                      </a:cxn>
+                      <a:cxn ang="0">
+                        <a:pos x="connsiteX6" y="connsiteY6"/>
+                      </a:cxn>
+                      <a:cxn ang="0">
+                        <a:pos x="connsiteX7" y="connsiteY7"/>
+                      </a:cxn>
+                      <a:cxn ang="0">
+                        <a:pos x="connsiteX8" y="connsiteY8"/>
+                      </a:cxn>
+                      <a:cxn ang="0">
+                        <a:pos x="connsiteX9" y="connsiteY9"/>
+                      </a:cxn>
+                      <a:cxn ang="0">
+                        <a:pos x="connsiteX10" y="connsiteY10"/>
+                      </a:cxn>
+                    </a:cxnLst>
+                    <a:rect l="l" t="t" r="r" b="b"/>
+                    <a:pathLst>
+                      <a:path w="2441321" h="13716" fill="none" extrusionOk="0">
+                        <a:moveTo>
+                          <a:pt x="0" y="0"/>
+                        </a:moveTo>
+                        <a:cubicBezTo>
+                          <a:pt x="273217" y="-17533"/>
+                          <a:pt x="355785" y="-4171"/>
+                          <a:pt x="585917" y="0"/>
+                        </a:cubicBezTo>
+                        <a:cubicBezTo>
+                          <a:pt x="816049" y="4171"/>
+                          <a:pt x="991446" y="-9419"/>
+                          <a:pt x="1196247" y="0"/>
+                        </a:cubicBezTo>
+                        <a:cubicBezTo>
+                          <a:pt x="1401048" y="9419"/>
+                          <a:pt x="1589984" y="-731"/>
+                          <a:pt x="1806578" y="0"/>
+                        </a:cubicBezTo>
+                        <a:cubicBezTo>
+                          <a:pt x="2023172" y="731"/>
+                          <a:pt x="2247754" y="8393"/>
+                          <a:pt x="2441321" y="0"/>
+                        </a:cubicBezTo>
+                        <a:cubicBezTo>
+                          <a:pt x="2440939" y="4363"/>
+                          <a:pt x="2441580" y="8857"/>
+                          <a:pt x="2441321" y="13716"/>
+                        </a:cubicBezTo>
+                        <a:cubicBezTo>
+                          <a:pt x="2169723" y="25934"/>
+                          <a:pt x="2045712" y="34568"/>
+                          <a:pt x="1830991" y="13716"/>
+                        </a:cubicBezTo>
+                        <a:cubicBezTo>
+                          <a:pt x="1616270" y="-7136"/>
+                          <a:pt x="1505876" y="-623"/>
+                          <a:pt x="1269487" y="13716"/>
+                        </a:cubicBezTo>
+                        <a:cubicBezTo>
+                          <a:pt x="1033098" y="28055"/>
+                          <a:pt x="908661" y="36619"/>
+                          <a:pt x="707983" y="13716"/>
+                        </a:cubicBezTo>
+                        <a:cubicBezTo>
+                          <a:pt x="507305" y="-9187"/>
+                          <a:pt x="333592" y="16187"/>
+                          <a:pt x="0" y="13716"/>
+                        </a:cubicBezTo>
+                        <a:cubicBezTo>
+                          <a:pt x="-459" y="8317"/>
+                          <a:pt x="190" y="2744"/>
+                          <a:pt x="0" y="0"/>
+                        </a:cubicBezTo>
+                        <a:close/>
+                      </a:path>
+                      <a:path w="2441321" h="13716" stroke="0" extrusionOk="0">
+                        <a:moveTo>
+                          <a:pt x="0" y="0"/>
+                        </a:moveTo>
+                        <a:cubicBezTo>
+                          <a:pt x="207071" y="-14617"/>
+                          <a:pt x="444194" y="-15606"/>
+                          <a:pt x="585917" y="0"/>
+                        </a:cubicBezTo>
+                        <a:cubicBezTo>
+                          <a:pt x="727640" y="15606"/>
+                          <a:pt x="904326" y="-79"/>
+                          <a:pt x="1123008" y="0"/>
+                        </a:cubicBezTo>
+                        <a:cubicBezTo>
+                          <a:pt x="1341690" y="79"/>
+                          <a:pt x="1600014" y="10401"/>
+                          <a:pt x="1782164" y="0"/>
+                        </a:cubicBezTo>
+                        <a:cubicBezTo>
+                          <a:pt x="1964314" y="-10401"/>
+                          <a:pt x="2143537" y="-21488"/>
+                          <a:pt x="2441321" y="0"/>
+                        </a:cubicBezTo>
+                        <a:cubicBezTo>
+                          <a:pt x="2441507" y="3335"/>
+                          <a:pt x="2441322" y="9457"/>
+                          <a:pt x="2441321" y="13716"/>
+                        </a:cubicBezTo>
+                        <a:cubicBezTo>
+                          <a:pt x="2166745" y="24201"/>
+                          <a:pt x="2078726" y="10904"/>
+                          <a:pt x="1879817" y="13716"/>
+                        </a:cubicBezTo>
+                        <a:cubicBezTo>
+                          <a:pt x="1680908" y="16528"/>
+                          <a:pt x="1548770" y="-8699"/>
+                          <a:pt x="1318313" y="13716"/>
+                        </a:cubicBezTo>
+                        <a:cubicBezTo>
+                          <a:pt x="1087856" y="36131"/>
+                          <a:pt x="894613" y="-645"/>
+                          <a:pt x="659157" y="13716"/>
+                        </a:cubicBezTo>
+                        <a:cubicBezTo>
+                          <a:pt x="423701" y="28077"/>
+                          <a:pt x="246611" y="29403"/>
+                          <a:pt x="0" y="13716"/>
+                        </a:cubicBezTo>
+                        <a:cubicBezTo>
+                          <a:pt x="-120" y="7867"/>
+                          <a:pt x="674" y="3919"/>
+                          <a:pt x="0" y="0"/>
+                        </a:cubicBezTo>
+                        <a:close/>
+                      </a:path>
+                    </a:pathLst>
+                  </a:custGeom>
+                  <ask:type>
+                    <ask:lineSketchFreehand/>
+                  </ask:type>
+                </ask:lineSketchStyleProps>
+              </a:ext>
+            </a:extLst>
+          </a:ln>
+        </p:spPr>
+        <p:style>
+          <a:lnRef idx="2">
+            <a:schemeClr val="accent1">
+              <a:shade val="50000"/>
+            </a:schemeClr>
+          </a:lnRef>
+          <a:fillRef idx="1">
+            <a:schemeClr val="accent1"/>
+          </a:fillRef>
+          <a:effectRef idx="0">
+            <a:schemeClr val="accent1"/>
+          </a:effectRef>
+          <a:fontRef idx="minor">
+            <a:schemeClr val="lt1"/>
+          </a:fontRef>
+        </p:style>
+        <p:txBody>
+          <a:bodyPr rtlCol="0" anchor="ctr"/>
+          <a:lstStyle/>
+          <a:p>
+            <a:pPr algn="ctr"/>
+            <a:endParaRPr lang="en-US"/>
+          </a:p>
+        </p:txBody>
+      </p:sp>
+      <p:sp>
+        <p:nvSpPr>
+          <p:cNvPr id="150" name="Google Shape;150;p31"/>
+          <p:cNvSpPr txBox="1">
+            <a:spLocks/>
+          </p:cNvSpPr>
+          <p:nvPr/>
+        </p:nvSpPr>
+        <p:spPr>
+          <a:xfrm>
+            <a:off x="4574286" y="1672643"/>
+            <a:ext cx="1541734" cy="1798213"/>
+          </a:xfrm>
+          <a:prstGeom prst="rect">
+            <a:avLst/>
+          </a:prstGeom>
+          <a:noFill/>
+          <a:ln>
+            <a:noFill/>
+          </a:ln>
+        </p:spPr>
+        <p:txBody>
+          <a:bodyPr spcFirstLastPara="1" wrap="square" lIns="68575" tIns="34275" rIns="68575" bIns="34275" anchor="t" anchorCtr="0">
+            <a:noAutofit/>
+          </a:bodyPr>
+          <a:lstStyle/>
+          <a:p>
+            <a:pPr marL="228600" indent="-149225" defTabSz="457200">
+              <a:lnSpc>
+                <a:spcPct val="115000"/>
+              </a:lnSpc>
+              <a:spcBef>
+                <a:spcPts val="400"/>
+              </a:spcBef>
+              <a:buSzPts val="1100"/>
+              <a:buFont typeface="Arial"/>
+              <a:buChar char="●"/>
+            </a:pPr>
+            <a:r>
+              <a:rPr lang="en" sz="1200" kern="1200">
+                <a:solidFill>
+                  <a:schemeClr val="tx1"/>
+                </a:solidFill>
+                <a:latin typeface="Arial"/>
+                <a:ea typeface="+mn-ea"/>
+                <a:cs typeface="Arial"/>
+                <a:sym typeface="Arial"/>
+              </a:rPr>
+              <a:t>Go</a:t>
+            </a:r>
+            <a:endParaRPr sz="1200" kern="1200">
+              <a:solidFill>
+                <a:schemeClr val="tx1"/>
+              </a:solidFill>
+              <a:latin typeface="Arial"/>
+              <a:ea typeface="+mn-ea"/>
+              <a:cs typeface="Arial"/>
+              <a:sym typeface="Arial"/>
+            </a:endParaRPr>
+          </a:p>
+          <a:p>
+            <a:pPr marL="228600" indent="-149225" defTabSz="457200">
+              <a:lnSpc>
+                <a:spcPct val="115000"/>
+              </a:lnSpc>
+              <a:buSzPts val="1100"/>
+              <a:buFont typeface="Arial"/>
+              <a:buChar char="●"/>
+            </a:pPr>
+            <a:r>
+              <a:rPr lang="en" sz="1200" kern="1200">
+                <a:solidFill>
+                  <a:schemeClr val="tx1"/>
+                </a:solidFill>
+                <a:latin typeface="Arial"/>
+                <a:ea typeface="+mn-ea"/>
+                <a:cs typeface="Arial"/>
+                <a:sym typeface="Arial"/>
+              </a:rPr>
+              <a:t>Java SE</a:t>
+            </a:r>
+            <a:endParaRPr sz="1200" kern="1200">
+              <a:solidFill>
+                <a:schemeClr val="tx1"/>
+              </a:solidFill>
+              <a:latin typeface="Arial"/>
+              <a:ea typeface="+mn-ea"/>
+              <a:cs typeface="Arial"/>
+              <a:sym typeface="Arial"/>
+            </a:endParaRPr>
+          </a:p>
+          <a:p>
+            <a:pPr marL="228600" indent="-149225" defTabSz="457200">
+              <a:lnSpc>
+                <a:spcPct val="115000"/>
+              </a:lnSpc>
+              <a:buSzPts val="1100"/>
+              <a:buFont typeface="Arial"/>
+              <a:buChar char="●"/>
+            </a:pPr>
+            <a:r>
+              <a:rPr lang="en" sz="1200" kern="1200">
+                <a:solidFill>
+                  <a:schemeClr val="tx1"/>
+                </a:solidFill>
+                <a:latin typeface="Arial"/>
+                <a:ea typeface="+mn-ea"/>
+                <a:cs typeface="Arial"/>
+                <a:sym typeface="Arial"/>
+              </a:rPr>
+              <a:t>Java with Tomcat</a:t>
+            </a:r>
+            <a:endParaRPr sz="1200" kern="1200">
+              <a:solidFill>
+                <a:schemeClr val="tx1"/>
+              </a:solidFill>
+              <a:latin typeface="Arial"/>
+              <a:ea typeface="+mn-ea"/>
+              <a:cs typeface="Arial"/>
+              <a:sym typeface="Arial"/>
+            </a:endParaRPr>
+          </a:p>
+          <a:p>
+            <a:pPr marL="228600" indent="-149225" defTabSz="457200">
+              <a:lnSpc>
+                <a:spcPct val="115000"/>
+              </a:lnSpc>
+              <a:buSzPts val="1100"/>
+              <a:buFont typeface="Arial"/>
+              <a:buChar char="●"/>
+            </a:pPr>
+            <a:r>
+              <a:rPr lang="en" sz="1200" kern="1200">
+                <a:solidFill>
+                  <a:schemeClr val="tx1"/>
+                </a:solidFill>
+                <a:latin typeface="Arial"/>
+                <a:ea typeface="+mn-ea"/>
+                <a:cs typeface="Arial"/>
+                <a:sym typeface="Arial"/>
+              </a:rPr>
+              <a:t>.NET Core on Linux</a:t>
+            </a:r>
+            <a:endParaRPr sz="1200" kern="1200">
+              <a:solidFill>
+                <a:schemeClr val="tx1"/>
+              </a:solidFill>
+              <a:latin typeface="Arial"/>
+              <a:ea typeface="+mn-ea"/>
+              <a:cs typeface="Arial"/>
+              <a:sym typeface="Arial"/>
+            </a:endParaRPr>
+          </a:p>
+          <a:p>
+            <a:pPr marL="228600" indent="-149225" defTabSz="457200">
+              <a:lnSpc>
+                <a:spcPct val="115000"/>
+              </a:lnSpc>
+              <a:buSzPts val="1100"/>
+              <a:buFont typeface="Arial"/>
+              <a:buChar char="●"/>
+            </a:pPr>
+            <a:r>
+              <a:rPr lang="en" sz="1200" kern="1200">
+                <a:solidFill>
+                  <a:schemeClr val="tx1"/>
+                </a:solidFill>
+                <a:latin typeface="Arial"/>
+                <a:ea typeface="+mn-ea"/>
+                <a:cs typeface="Arial"/>
+                <a:sym typeface="Arial"/>
+              </a:rPr>
+              <a:t>.NET on Windows Server </a:t>
+            </a:r>
+            <a:endParaRPr sz="1200" kern="1200">
+              <a:solidFill>
+                <a:schemeClr val="tx1"/>
+              </a:solidFill>
+              <a:latin typeface="Arial"/>
+              <a:ea typeface="+mn-ea"/>
+              <a:cs typeface="Arial"/>
+              <a:sym typeface="Arial"/>
+            </a:endParaRPr>
+          </a:p>
+          <a:p>
+            <a:pPr marL="228600" indent="-149225" defTabSz="457200">
+              <a:lnSpc>
+                <a:spcPct val="115000"/>
+              </a:lnSpc>
+              <a:buSzPts val="1100"/>
+              <a:buFont typeface="Arial"/>
+              <a:buChar char="●"/>
+            </a:pPr>
+            <a:r>
+              <a:rPr lang="en" sz="1200" kern="1200">
+                <a:solidFill>
+                  <a:schemeClr val="tx1"/>
+                </a:solidFill>
+                <a:latin typeface="Arial"/>
+                <a:ea typeface="+mn-ea"/>
+                <a:cs typeface="Arial"/>
+                <a:sym typeface="Arial"/>
+              </a:rPr>
+              <a:t>Node.js</a:t>
+            </a:r>
+            <a:endParaRPr sz="1200" kern="1200">
+              <a:solidFill>
+                <a:schemeClr val="tx1"/>
+              </a:solidFill>
+              <a:latin typeface="Arial"/>
+              <a:ea typeface="+mn-ea"/>
+              <a:cs typeface="Arial"/>
+              <a:sym typeface="Arial"/>
+            </a:endParaRPr>
+          </a:p>
+          <a:p>
+            <a:pPr marL="228600" indent="-149225" defTabSz="457200">
+              <a:lnSpc>
+                <a:spcPct val="115000"/>
+              </a:lnSpc>
+              <a:buSzPts val="1100"/>
+              <a:buFont typeface="Arial"/>
+              <a:buChar char="●"/>
+            </a:pPr>
+            <a:r>
+              <a:rPr lang="en" sz="1200" kern="1200">
+                <a:solidFill>
+                  <a:schemeClr val="tx1"/>
+                </a:solidFill>
+                <a:latin typeface="Arial"/>
+                <a:ea typeface="+mn-ea"/>
+                <a:cs typeface="Arial"/>
+                <a:sym typeface="Arial"/>
+              </a:rPr>
+              <a:t>PHP</a:t>
+            </a:r>
+            <a:endParaRPr sz="1200" kern="1200">
+              <a:solidFill>
+                <a:schemeClr val="tx1"/>
+              </a:solidFill>
+              <a:latin typeface="Arial"/>
+              <a:ea typeface="+mn-ea"/>
+              <a:cs typeface="Arial"/>
+              <a:sym typeface="Arial"/>
+            </a:endParaRPr>
+          </a:p>
+          <a:p>
+            <a:pPr marL="228600" indent="-149225" defTabSz="457200">
+              <a:lnSpc>
+                <a:spcPct val="115000"/>
+              </a:lnSpc>
+              <a:buSzPts val="1100"/>
+              <a:buFont typeface="Arial"/>
+              <a:buChar char="●"/>
+            </a:pPr>
+            <a:r>
+              <a:rPr lang="en" sz="1200" kern="1200">
+                <a:solidFill>
+                  <a:schemeClr val="tx1"/>
+                </a:solidFill>
+                <a:latin typeface="Arial"/>
+                <a:ea typeface="+mn-ea"/>
+                <a:cs typeface="Arial"/>
+                <a:sym typeface="Arial"/>
+              </a:rPr>
+              <a:t>Python</a:t>
+            </a:r>
+            <a:endParaRPr sz="1200">
+              <a:latin typeface="Arial"/>
+              <a:ea typeface="Arial"/>
+              <a:cs typeface="Arial"/>
+              <a:sym typeface="Arial"/>
+            </a:endParaRPr>
+          </a:p>
+        </p:txBody>
+      </p:sp>
+      <p:sp>
+        <p:nvSpPr>
+          <p:cNvPr id="151" name="Google Shape;151;p31"/>
+          <p:cNvSpPr txBox="1"/>
+          <p:nvPr/>
+        </p:nvSpPr>
+        <p:spPr>
+          <a:xfrm>
+            <a:off x="6583902" y="1672643"/>
+            <a:ext cx="2084610" cy="2634537"/>
+          </a:xfrm>
+          <a:prstGeom prst="rect">
+            <a:avLst/>
+          </a:prstGeom>
+          <a:noFill/>
+          <a:ln>
+            <a:noFill/>
+          </a:ln>
+        </p:spPr>
+        <p:txBody>
+          <a:bodyPr spcFirstLastPara="1" wrap="square" lIns="91425" tIns="91425" rIns="91425" bIns="91425" anchor="t" anchorCtr="0">
+            <a:spAutoFit/>
+          </a:bodyPr>
+          <a:lstStyle/>
+          <a:p>
+            <a:pPr marL="228600" indent="-149225" defTabSz="457200">
+              <a:lnSpc>
+                <a:spcPct val="115000"/>
+              </a:lnSpc>
+              <a:spcAft>
+                <a:spcPts val="600"/>
+              </a:spcAft>
+              <a:buSzPts val="1100"/>
+              <a:buChar char="●"/>
+            </a:pPr>
+            <a:r>
+              <a:rPr lang="en-GB" sz="1200" kern="1200">
+                <a:solidFill>
+                  <a:schemeClr val="tx1"/>
+                </a:solidFill>
+                <a:latin typeface="+mn-lt"/>
+                <a:ea typeface="+mn-ea"/>
+                <a:cs typeface="+mn-cs"/>
+              </a:rPr>
+              <a:t>Ruby</a:t>
+            </a:r>
+          </a:p>
+          <a:p>
+            <a:pPr marL="228600" indent="-149225" defTabSz="457200">
+              <a:lnSpc>
+                <a:spcPct val="115000"/>
+              </a:lnSpc>
+              <a:spcAft>
+                <a:spcPts val="600"/>
+              </a:spcAft>
+              <a:buSzPts val="1100"/>
+              <a:buChar char="●"/>
+            </a:pPr>
+            <a:r>
+              <a:rPr lang="en-GB" sz="1200" kern="1200">
+                <a:solidFill>
+                  <a:schemeClr val="tx1"/>
+                </a:solidFill>
+                <a:latin typeface="+mn-lt"/>
+                <a:ea typeface="+mn-ea"/>
+                <a:cs typeface="+mn-cs"/>
+              </a:rPr>
+              <a:t>Packer Builder</a:t>
+            </a:r>
+          </a:p>
+          <a:p>
+            <a:pPr marL="228600" indent="-149225" defTabSz="457200">
+              <a:lnSpc>
+                <a:spcPct val="115000"/>
+              </a:lnSpc>
+              <a:spcAft>
+                <a:spcPts val="600"/>
+              </a:spcAft>
+              <a:buSzPts val="1100"/>
+              <a:buChar char="●"/>
+            </a:pPr>
+            <a:r>
+              <a:rPr lang="en-GB" sz="1200" kern="1200">
+                <a:solidFill>
+                  <a:schemeClr val="tx1"/>
+                </a:solidFill>
+                <a:latin typeface="+mn-lt"/>
+                <a:ea typeface="+mn-ea"/>
+                <a:cs typeface="+mn-cs"/>
+              </a:rPr>
+              <a:t>Single Container Docker</a:t>
+            </a:r>
+          </a:p>
+          <a:p>
+            <a:pPr marL="228600" indent="-149225" defTabSz="457200">
+              <a:lnSpc>
+                <a:spcPct val="115000"/>
+              </a:lnSpc>
+              <a:spcAft>
+                <a:spcPts val="600"/>
+              </a:spcAft>
+              <a:buSzPts val="1100"/>
+              <a:buChar char="●"/>
+            </a:pPr>
+            <a:r>
+              <a:rPr lang="en-GB" sz="1200" kern="1200">
+                <a:solidFill>
+                  <a:schemeClr val="tx1"/>
+                </a:solidFill>
+                <a:latin typeface="+mn-lt"/>
+                <a:ea typeface="+mn-ea"/>
+                <a:cs typeface="+mn-cs"/>
+              </a:rPr>
+              <a:t>Multi-container Docker</a:t>
+            </a:r>
+          </a:p>
+          <a:p>
+            <a:pPr marL="228600" indent="-149225" defTabSz="457200">
+              <a:lnSpc>
+                <a:spcPct val="115000"/>
+              </a:lnSpc>
+              <a:spcAft>
+                <a:spcPts val="600"/>
+              </a:spcAft>
+              <a:buSzPts val="1100"/>
+              <a:buChar char="●"/>
+            </a:pPr>
+            <a:r>
+              <a:rPr lang="en-GB" sz="1200" kern="1200">
+                <a:solidFill>
+                  <a:schemeClr val="tx1"/>
+                </a:solidFill>
+                <a:latin typeface="+mn-lt"/>
+                <a:ea typeface="+mn-ea"/>
+                <a:cs typeface="+mn-cs"/>
+              </a:rPr>
+              <a:t>Preconfigured Docker</a:t>
+            </a:r>
+          </a:p>
+          <a:p>
+            <a:pPr defTabSz="457200">
+              <a:lnSpc>
+                <a:spcPct val="115000"/>
+              </a:lnSpc>
+              <a:spcAft>
+                <a:spcPts val="600"/>
+              </a:spcAft>
+            </a:pPr>
+            <a:endParaRPr lang="en-GB" sz="1200" kern="1200">
+              <a:solidFill>
+                <a:schemeClr val="tx1"/>
+              </a:solidFill>
+              <a:latin typeface="+mn-lt"/>
+              <a:ea typeface="+mn-ea"/>
+              <a:cs typeface="+mn-cs"/>
+            </a:endParaRPr>
+          </a:p>
+          <a:p>
+            <a:pPr marL="228600" indent="-149225" defTabSz="457200">
+              <a:lnSpc>
+                <a:spcPct val="115000"/>
+              </a:lnSpc>
+              <a:spcAft>
+                <a:spcPts val="600"/>
+              </a:spcAft>
+              <a:buSzPts val="1100"/>
+              <a:buChar char="●"/>
+            </a:pPr>
+            <a:r>
+              <a:rPr lang="en-GB" sz="1200" b="1" kern="1200">
+                <a:solidFill>
+                  <a:schemeClr val="tx1"/>
+                </a:solidFill>
+                <a:latin typeface="+mn-lt"/>
+                <a:ea typeface="+mn-ea"/>
+                <a:cs typeface="+mn-cs"/>
+              </a:rPr>
+              <a:t>If not supported, you can write your custom platform (advanced)</a:t>
+            </a:r>
+            <a:endParaRPr lang="en-GB" sz="1200" b="1"/>
+          </a:p>
+        </p:txBody>
+      </p:sp>
+    </p:spTree>
+  </p:cSld>
+  <p:clrMapOvr>
+    <a:masterClrMapping/>
+  </p:clrMapOvr>
+</p:sld>
+</file>
+
+<file path=ppt/slides/slide4.xml><?xml version="1.0" encoding="utf-8"?>
+<p:sld xmlns:a="http://schemas.openxmlformats.org/drawingml/2006/main" xmlns:r="http://schemas.openxmlformats.org/officeDocument/2006/relationships" xmlns:p="http://schemas.openxmlformats.org/presentationml/2006/main">
+  <p:cSld>
+    <p:bg>
+      <p:bgPr>
+        <a:solidFill>
+          <a:schemeClr val="bg1"/>
+        </a:solidFill>
+        <a:effectLst/>
+      </p:bgPr>
+    </p:bg>
+    <p:spTree>
+      <p:nvGrpSpPr>
+        <p:cNvPr id="1" name="Shape 155"/>
+        <p:cNvGrpSpPr/>
+        <p:nvPr/>
+      </p:nvGrpSpPr>
+      <p:grpSpPr>
+        <a:xfrm>
+          <a:off x="0" y="0"/>
+          <a:ext cx="0" cy="0"/>
+          <a:chOff x="0" y="0"/>
+          <a:chExt cx="0" cy="0"/>
+        </a:xfrm>
+      </p:grpSpPr>
+      <p:sp useBgFill="1">
+        <p:nvSpPr>
+          <p:cNvPr id="169" name="Rectangle 168">
+            <a:extLst>
+              <a:ext uri="{FF2B5EF4-FFF2-40B4-BE49-F238E27FC236}">
+                <a16:creationId xmlns:a16="http://schemas.microsoft.com/office/drawing/2014/main" id="{32AEEBC8-9D30-42EF-95F2-386C2653FBF0}"/>
+              </a:ext>
+              <a:ext uri="{C183D7F6-B498-43B3-948B-1728B52AA6E4}">
+                <adec:decorative xmlns:adec="http://schemas.microsoft.com/office/drawing/2017/decorative" val="1"/>
+              </a:ext>
+            </a:extLst>
+          </p:cNvPr>
+          <p:cNvSpPr>
+            <a:spLocks noGrp="1" noRot="1" noChangeAspect="1" noMove="1" noResize="1" noEditPoints="1" noAdjustHandles="1" noChangeArrowheads="1" noChangeShapeType="1" noTextEdit="1"/>
+          </p:cNvSpPr>
+          <p:nvPr>
+            <p:extLst>
+              <p:ext uri="{386F3935-93C4-4BCD-93E2-E3B085C9AB24}">
+                <p16:designElem xmlns:p16="http://schemas.microsoft.com/office/powerpoint/2015/main" val="1"/>
+              </p:ext>
+            </p:extLst>
+          </p:nvPr>
+        </p:nvSpPr>
+        <p:spPr>
+          <a:xfrm>
+            <a:off x="0" y="0"/>
+            <a:ext cx="9144000" cy="5143500"/>
+          </a:xfrm>
+          <a:prstGeom prst="rect">
+            <a:avLst/>
+          </a:prstGeom>
+          <a:ln>
+            <a:noFill/>
+          </a:ln>
+        </p:spPr>
+        <p:style>
+          <a:lnRef idx="2">
+            <a:schemeClr val="accent1">
+              <a:shade val="50000"/>
+            </a:schemeClr>
+          </a:lnRef>
+          <a:fillRef idx="1">
+            <a:schemeClr val="accent1"/>
+          </a:fillRef>
+          <a:effectRef idx="0">
+            <a:schemeClr val="accent1"/>
+          </a:effectRef>
+          <a:fontRef idx="minor">
+            <a:schemeClr val="lt1"/>
+          </a:fontRef>
+        </p:style>
+        <p:txBody>
+          <a:bodyPr rtlCol="0" anchor="ctr"/>
+          <a:lstStyle/>
+          <a:p>
+            <a:pPr algn="ctr"/>
+            <a:endParaRPr lang="en-US"/>
+          </a:p>
+        </p:txBody>
+      </p:sp>
+      <p:sp>
+        <p:nvSpPr>
+          <p:cNvPr id="156" name="Google Shape;156;p32"/>
+          <p:cNvSpPr txBox="1">
+            <a:spLocks noGrp="1"/>
+          </p:cNvSpPr>
+          <p:nvPr>
+            <p:ph type="title"/>
+          </p:nvPr>
+        </p:nvSpPr>
+        <p:spPr>
+          <a:xfrm>
+            <a:off x="473202" y="377190"/>
+            <a:ext cx="2564892" cy="1097280"/>
+          </a:xfrm>
+          <a:prstGeom prst="rect">
+            <a:avLst/>
+          </a:prstGeom>
+        </p:spPr>
+        <p:txBody>
+          <a:bodyPr spcFirstLastPara="1" vert="horz" lIns="91440" tIns="45720" rIns="91440" bIns="45720" rtlCol="0" anchor="ctr" anchorCtr="0">
+            <a:normAutofit/>
+          </a:bodyPr>
+          <a:lstStyle/>
+          <a:p>
+            <a:pPr marL="0" lvl="0" indent="0" defTabSz="914400">
+              <a:spcAft>
+                <a:spcPts val="0"/>
+              </a:spcAft>
+              <a:buClr>
+                <a:schemeClr val="dk1"/>
+              </a:buClr>
+              <a:buSzPts val="2400"/>
+            </a:pPr>
+            <a:r>
+              <a:rPr lang="en-US" sz="2800" kern="1200">
+                <a:solidFill>
+                  <a:schemeClr val="tx1"/>
+                </a:solidFill>
+                <a:latin typeface="+mj-lt"/>
+                <a:ea typeface="+mj-ea"/>
+                <a:cs typeface="+mj-cs"/>
+              </a:rPr>
+              <a:t>Web Server Tier vs. Worker Tier</a:t>
+            </a:r>
+            <a:endParaRPr lang="en-US" sz="2800" kern="1200">
+              <a:solidFill>
+                <a:schemeClr val="tx1"/>
+              </a:solidFill>
+              <a:latin typeface="+mj-lt"/>
+              <a:ea typeface="+mj-ea"/>
+              <a:cs typeface="+mj-cs"/>
+              <a:sym typeface="Economica"/>
+            </a:endParaRPr>
+          </a:p>
+        </p:txBody>
+      </p:sp>
+      <p:sp>
+        <p:nvSpPr>
+          <p:cNvPr id="170" name="sketch line">
+            <a:extLst>
+              <a:ext uri="{FF2B5EF4-FFF2-40B4-BE49-F238E27FC236}">
+                <a16:creationId xmlns:a16="http://schemas.microsoft.com/office/drawing/2014/main" id="{2E92FA66-67D7-4CB4-94D3-E643A9AD4757}"/>
+              </a:ext>
+              <a:ext uri="{C183D7F6-B498-43B3-948B-1728B52AA6E4}">
+                <adec:decorative xmlns:adec="http://schemas.microsoft.com/office/drawing/2017/decorative" val="1"/>
+              </a:ext>
+            </a:extLst>
+          </p:cNvPr>
+          <p:cNvSpPr>
+            <a:spLocks noGrp="1" noRot="1" noChangeAspect="1" noMove="1" noResize="1" noEditPoints="1" noAdjustHandles="1" noChangeArrowheads="1" noChangeShapeType="1" noTextEdit="1"/>
+          </p:cNvSpPr>
+          <p:nvPr>
+            <p:extLst>
+              <p:ext uri="{386F3935-93C4-4BCD-93E2-E3B085C9AB24}">
+                <p16:designElem xmlns:p16="http://schemas.microsoft.com/office/powerpoint/2015/main" val="1"/>
+              </p:ext>
+            </p:extLst>
+          </p:nvPr>
+        </p:nvSpPr>
+        <p:spPr>
+          <a:xfrm rot="5400000">
+            <a:off x="2674619" y="918972"/>
+            <a:ext cx="1165860" cy="13716"/>
+          </a:xfrm>
+          <a:custGeom>
+            <a:avLst/>
+            <a:gdLst>
+              <a:gd name="connsiteX0" fmla="*/ 0 w 1165860"/>
+              <a:gd name="connsiteY0" fmla="*/ 0 h 13716"/>
+              <a:gd name="connsiteX1" fmla="*/ 606247 w 1165860"/>
+              <a:gd name="connsiteY1" fmla="*/ 0 h 13716"/>
+              <a:gd name="connsiteX2" fmla="*/ 1165860 w 1165860"/>
+              <a:gd name="connsiteY2" fmla="*/ 0 h 13716"/>
+              <a:gd name="connsiteX3" fmla="*/ 1165860 w 1165860"/>
+              <a:gd name="connsiteY3" fmla="*/ 13716 h 13716"/>
+              <a:gd name="connsiteX4" fmla="*/ 594589 w 1165860"/>
+              <a:gd name="connsiteY4" fmla="*/ 13716 h 13716"/>
+              <a:gd name="connsiteX5" fmla="*/ 0 w 1165860"/>
+              <a:gd name="connsiteY5" fmla="*/ 13716 h 13716"/>
+              <a:gd name="connsiteX6" fmla="*/ 0 w 1165860"/>
+              <a:gd name="connsiteY6" fmla="*/ 0 h 13716"/>
+              <a:gd name="connsiteX0" fmla="*/ 0 w 1165860"/>
+              <a:gd name="connsiteY0" fmla="*/ 0 h 13716"/>
+              <a:gd name="connsiteX1" fmla="*/ 571271 w 1165860"/>
+              <a:gd name="connsiteY1" fmla="*/ 0 h 13716"/>
+              <a:gd name="connsiteX2" fmla="*/ 1165860 w 1165860"/>
+              <a:gd name="connsiteY2" fmla="*/ 0 h 13716"/>
+              <a:gd name="connsiteX3" fmla="*/ 1165860 w 1165860"/>
+              <a:gd name="connsiteY3" fmla="*/ 13716 h 13716"/>
+              <a:gd name="connsiteX4" fmla="*/ 582930 w 1165860"/>
+              <a:gd name="connsiteY4" fmla="*/ 13716 h 13716"/>
+              <a:gd name="connsiteX5" fmla="*/ 0 w 1165860"/>
+              <a:gd name="connsiteY5" fmla="*/ 13716 h 13716"/>
+              <a:gd name="connsiteX6" fmla="*/ 0 w 1165860"/>
+              <a:gd name="connsiteY6" fmla="*/ 0 h 13716"/>
+            </a:gdLst>
+            <a:ahLst/>
+            <a:cxnLst>
+              <a:cxn ang="0">
+                <a:pos x="connsiteX0" y="connsiteY0"/>
+              </a:cxn>
+              <a:cxn ang="0">
+                <a:pos x="connsiteX1" y="connsiteY1"/>
+              </a:cxn>
+              <a:cxn ang="0">
+                <a:pos x="connsiteX2" y="connsiteY2"/>
+              </a:cxn>
+              <a:cxn ang="0">
+                <a:pos x="connsiteX3" y="connsiteY3"/>
+              </a:cxn>
+              <a:cxn ang="0">
+                <a:pos x="connsiteX4" y="connsiteY4"/>
+              </a:cxn>
+              <a:cxn ang="0">
+                <a:pos x="connsiteX5" y="connsiteY5"/>
+              </a:cxn>
+              <a:cxn ang="0">
+                <a:pos x="connsiteX6" y="connsiteY6"/>
+              </a:cxn>
+            </a:cxnLst>
+            <a:rect l="l" t="t" r="r" b="b"/>
+            <a:pathLst>
+              <a:path w="1165860" h="13716" fill="none" extrusionOk="0">
+                <a:moveTo>
+                  <a:pt x="0" y="0"/>
+                </a:moveTo>
+                <a:cubicBezTo>
+                  <a:pt x="162513" y="-11573"/>
+                  <a:pt x="293236" y="13784"/>
+                  <a:pt x="606247" y="0"/>
+                </a:cubicBezTo>
+                <a:cubicBezTo>
+                  <a:pt x="918540" y="21259"/>
+                  <a:pt x="1045080" y="-115"/>
+                  <a:pt x="1165860" y="0"/>
+                </a:cubicBezTo>
+                <a:cubicBezTo>
+                  <a:pt x="1165019" y="4344"/>
+                  <a:pt x="1166624" y="8943"/>
+                  <a:pt x="1165860" y="13716"/>
+                </a:cubicBezTo>
+                <a:cubicBezTo>
+                  <a:pt x="946700" y="12426"/>
+                  <a:pt x="749200" y="55216"/>
+                  <a:pt x="594589" y="13716"/>
+                </a:cubicBezTo>
+                <a:cubicBezTo>
+                  <a:pt x="456803" y="27350"/>
+                  <a:pt x="127892" y="32293"/>
+                  <a:pt x="0" y="13716"/>
+                </a:cubicBezTo>
+                <a:cubicBezTo>
+                  <a:pt x="333" y="7342"/>
+                  <a:pt x="-50" y="3958"/>
+                  <a:pt x="0" y="0"/>
+                </a:cubicBezTo>
+                <a:close/>
+              </a:path>
+              <a:path w="1165860" h="13716" stroke="0" extrusionOk="0">
+                <a:moveTo>
+                  <a:pt x="0" y="0"/>
+                </a:moveTo>
+                <a:cubicBezTo>
+                  <a:pt x="167350" y="-3293"/>
+                  <a:pt x="437486" y="-21181"/>
+                  <a:pt x="571271" y="0"/>
+                </a:cubicBezTo>
+                <a:cubicBezTo>
+                  <a:pt x="682336" y="18030"/>
+                  <a:pt x="900098" y="-64409"/>
+                  <a:pt x="1165860" y="0"/>
+                </a:cubicBezTo>
+                <a:cubicBezTo>
+                  <a:pt x="1165765" y="6724"/>
+                  <a:pt x="1165823" y="9557"/>
+                  <a:pt x="1165860" y="13716"/>
+                </a:cubicBezTo>
+                <a:cubicBezTo>
+                  <a:pt x="972168" y="33850"/>
+                  <a:pt x="797113" y="36398"/>
+                  <a:pt x="582930" y="13716"/>
+                </a:cubicBezTo>
+                <a:cubicBezTo>
+                  <a:pt x="375326" y="35428"/>
+                  <a:pt x="253285" y="24936"/>
+                  <a:pt x="0" y="13716"/>
+                </a:cubicBezTo>
+                <a:cubicBezTo>
+                  <a:pt x="416" y="7935"/>
+                  <a:pt x="-303" y="5797"/>
+                  <a:pt x="0" y="0"/>
+                </a:cubicBezTo>
+                <a:close/>
+              </a:path>
+              <a:path w="1165860" h="13716" fill="none" stroke="0" extrusionOk="0">
+                <a:moveTo>
+                  <a:pt x="0" y="0"/>
+                </a:moveTo>
+                <a:cubicBezTo>
+                  <a:pt x="141691" y="-9407"/>
+                  <a:pt x="290986" y="-3815"/>
+                  <a:pt x="606247" y="0"/>
+                </a:cubicBezTo>
+                <a:cubicBezTo>
+                  <a:pt x="921700" y="15825"/>
+                  <a:pt x="1020734" y="-3786"/>
+                  <a:pt x="1165860" y="0"/>
+                </a:cubicBezTo>
+                <a:cubicBezTo>
+                  <a:pt x="1164964" y="5033"/>
+                  <a:pt x="1165847" y="9200"/>
+                  <a:pt x="1165860" y="13716"/>
+                </a:cubicBezTo>
+                <a:cubicBezTo>
+                  <a:pt x="917161" y="-9135"/>
+                  <a:pt x="771575" y="33167"/>
+                  <a:pt x="594589" y="13716"/>
+                </a:cubicBezTo>
+                <a:cubicBezTo>
+                  <a:pt x="470947" y="9820"/>
+                  <a:pt x="122508" y="15185"/>
+                  <a:pt x="0" y="13716"/>
+                </a:cubicBezTo>
+                <a:cubicBezTo>
+                  <a:pt x="-660" y="7426"/>
+                  <a:pt x="-250" y="4536"/>
+                  <a:pt x="0" y="0"/>
+                </a:cubicBezTo>
+                <a:close/>
+              </a:path>
+            </a:pathLst>
+          </a:custGeom>
+          <a:solidFill>
+            <a:schemeClr val="accent2"/>
+          </a:solidFill>
+          <a:ln w="41275" cap="rnd">
+            <a:solidFill>
+              <a:schemeClr val="accent2"/>
+            </a:solidFill>
+            <a:round/>
+            <a:extLst>
+              <a:ext uri="{C807C97D-BFC1-408E-A445-0C87EB9F89A2}">
+                <ask:lineSketchStyleProps xmlns:ask="http://schemas.microsoft.com/office/drawing/2018/sketchyshapes" sd="1219033472">
+                  <a:custGeom>
+                    <a:avLst/>
+                    <a:gdLst>
+                      <a:gd name="connsiteX0" fmla="*/ 0 w 1165860"/>
+                      <a:gd name="connsiteY0" fmla="*/ 0 h 13716"/>
+                      <a:gd name="connsiteX1" fmla="*/ 606247 w 1165860"/>
+                      <a:gd name="connsiteY1" fmla="*/ 0 h 13716"/>
+                      <a:gd name="connsiteX2" fmla="*/ 1165860 w 1165860"/>
+                      <a:gd name="connsiteY2" fmla="*/ 0 h 13716"/>
+                      <a:gd name="connsiteX3" fmla="*/ 1165860 w 1165860"/>
+                      <a:gd name="connsiteY3" fmla="*/ 13716 h 13716"/>
+                      <a:gd name="connsiteX4" fmla="*/ 594589 w 1165860"/>
+                      <a:gd name="connsiteY4" fmla="*/ 13716 h 13716"/>
+                      <a:gd name="connsiteX5" fmla="*/ 0 w 1165860"/>
+                      <a:gd name="connsiteY5" fmla="*/ 13716 h 13716"/>
+                      <a:gd name="connsiteX6" fmla="*/ 0 w 1165860"/>
+                      <a:gd name="connsiteY6" fmla="*/ 0 h 13716"/>
+                    </a:gdLst>
+                    <a:ahLst/>
+                    <a:cxnLst>
+                      <a:cxn ang="0">
+                        <a:pos x="connsiteX0" y="connsiteY0"/>
+                      </a:cxn>
+                      <a:cxn ang="0">
+                        <a:pos x="connsiteX1" y="connsiteY1"/>
+                      </a:cxn>
+                      <a:cxn ang="0">
+                        <a:pos x="connsiteX2" y="connsiteY2"/>
+                      </a:cxn>
+                      <a:cxn ang="0">
+                        <a:pos x="connsiteX3" y="connsiteY3"/>
+                      </a:cxn>
+                      <a:cxn ang="0">
+                        <a:pos x="connsiteX4" y="connsiteY4"/>
+                      </a:cxn>
+                      <a:cxn ang="0">
+                        <a:pos x="connsiteX5" y="connsiteY5"/>
+                      </a:cxn>
+                      <a:cxn ang="0">
+                        <a:pos x="connsiteX6" y="connsiteY6"/>
+                      </a:cxn>
+                    </a:cxnLst>
+                    <a:rect l="l" t="t" r="r" b="b"/>
+                    <a:pathLst>
+                      <a:path w="1165860" h="13716" fill="none" extrusionOk="0">
+                        <a:moveTo>
+                          <a:pt x="0" y="0"/>
+                        </a:moveTo>
+                        <a:cubicBezTo>
+                          <a:pt x="164196" y="4475"/>
+                          <a:pt x="311417" y="-11483"/>
+                          <a:pt x="606247" y="0"/>
+                        </a:cubicBezTo>
+                        <a:cubicBezTo>
+                          <a:pt x="901077" y="11483"/>
+                          <a:pt x="1028750" y="-4041"/>
+                          <a:pt x="1165860" y="0"/>
+                        </a:cubicBezTo>
+                        <a:cubicBezTo>
+                          <a:pt x="1165578" y="4434"/>
+                          <a:pt x="1165988" y="8423"/>
+                          <a:pt x="1165860" y="13716"/>
+                        </a:cubicBezTo>
+                        <a:cubicBezTo>
+                          <a:pt x="940964" y="3888"/>
+                          <a:pt x="745886" y="20893"/>
+                          <a:pt x="594589" y="13716"/>
+                        </a:cubicBezTo>
+                        <a:cubicBezTo>
+                          <a:pt x="443292" y="6539"/>
+                          <a:pt x="119306" y="21776"/>
+                          <a:pt x="0" y="13716"/>
+                        </a:cubicBezTo>
+                        <a:cubicBezTo>
+                          <a:pt x="103" y="7543"/>
+                          <a:pt x="-154" y="4446"/>
+                          <a:pt x="0" y="0"/>
+                        </a:cubicBezTo>
+                        <a:close/>
+                      </a:path>
+                      <a:path w="1165860" h="13716" stroke="0" extrusionOk="0">
+                        <a:moveTo>
+                          <a:pt x="0" y="0"/>
+                        </a:moveTo>
+                        <a:cubicBezTo>
+                          <a:pt x="199755" y="-8614"/>
+                          <a:pt x="439971" y="-19466"/>
+                          <a:pt x="571271" y="0"/>
+                        </a:cubicBezTo>
+                        <a:cubicBezTo>
+                          <a:pt x="702571" y="19466"/>
+                          <a:pt x="922660" y="-18418"/>
+                          <a:pt x="1165860" y="0"/>
+                        </a:cubicBezTo>
+                        <a:cubicBezTo>
+                          <a:pt x="1165756" y="6849"/>
+                          <a:pt x="1166068" y="9414"/>
+                          <a:pt x="1165860" y="13716"/>
+                        </a:cubicBezTo>
+                        <a:cubicBezTo>
+                          <a:pt x="981594" y="16996"/>
+                          <a:pt x="788922" y="30312"/>
+                          <a:pt x="582930" y="13716"/>
+                        </a:cubicBezTo>
+                        <a:cubicBezTo>
+                          <a:pt x="376938" y="-2880"/>
+                          <a:pt x="227474" y="40246"/>
+                          <a:pt x="0" y="13716"/>
+                        </a:cubicBezTo>
+                        <a:cubicBezTo>
+                          <a:pt x="469" y="7851"/>
+                          <a:pt x="200" y="5770"/>
+                          <a:pt x="0" y="0"/>
+                        </a:cubicBezTo>
+                        <a:close/>
+                      </a:path>
+                    </a:pathLst>
+                  </a:custGeom>
+                  <ask:type>
+                    <ask:lineSketchFreehand/>
+                  </ask:type>
+                </ask:lineSketchStyleProps>
+              </a:ext>
+            </a:extLst>
+          </a:ln>
+        </p:spPr>
+        <p:style>
+          <a:lnRef idx="2">
+            <a:schemeClr val="accent1">
+              <a:shade val="50000"/>
+            </a:schemeClr>
+          </a:lnRef>
+          <a:fillRef idx="1">
+            <a:schemeClr val="accent1"/>
+          </a:fillRef>
+          <a:effectRef idx="0">
+            <a:schemeClr val="accent1"/>
+          </a:effectRef>
+          <a:fontRef idx="minor">
+            <a:schemeClr val="lt1"/>
+          </a:fontRef>
+        </p:style>
+        <p:txBody>
+          <a:bodyPr rtlCol="0" anchor="ctr"/>
+          <a:lstStyle/>
+          <a:p>
+            <a:pPr algn="ctr"/>
+            <a:endParaRPr lang="en-US"/>
+          </a:p>
+        </p:txBody>
+      </p:sp>
+      <p:sp>
+        <p:nvSpPr>
+          <p:cNvPr id="157" name="Google Shape;157;p32"/>
+          <p:cNvSpPr txBox="1">
+            <a:spLocks noGrp="1"/>
+          </p:cNvSpPr>
+          <p:nvPr>
+            <p:ph sz="half" idx="1"/>
+          </p:nvPr>
+        </p:nvSpPr>
+        <p:spPr>
+          <a:xfrm>
+            <a:off x="3490721" y="377190"/>
+            <a:ext cx="5170932" cy="1097280"/>
+          </a:xfrm>
+          <a:prstGeom prst="rect">
+            <a:avLst/>
+          </a:prstGeom>
+        </p:spPr>
+        <p:txBody>
+          <a:bodyPr spcFirstLastPara="1" vert="horz" lIns="91440" tIns="45720" rIns="91440" bIns="45720" rtlCol="0" anchor="ctr" anchorCtr="0">
+            <a:normAutofit/>
+          </a:bodyPr>
+          <a:lstStyle/>
+          <a:p>
+            <a:pPr marL="0" lvl="0" indent="-228600" defTabSz="914400">
+              <a:spcBef>
+                <a:spcPts val="800"/>
+              </a:spcBef>
+              <a:spcAft>
+                <a:spcPts val="0"/>
+              </a:spcAft>
+            </a:pPr>
+            <a:r>
+              <a:rPr lang="en-US" sz="1300" b="1">
+                <a:sym typeface="Arial"/>
+              </a:rPr>
+              <a:t>Web servers</a:t>
+            </a:r>
+            <a:r>
+              <a:rPr lang="en-US" sz="1300">
+                <a:sym typeface="Arial"/>
+              </a:rPr>
+              <a:t> are standard applications that listen for and then process HTTP requests, typically over port 80.</a:t>
+            </a:r>
+          </a:p>
+          <a:p>
+            <a:pPr marL="0" lvl="0" indent="-228600" defTabSz="914400">
+              <a:spcBef>
+                <a:spcPts val="1200"/>
+              </a:spcBef>
+              <a:spcAft>
+                <a:spcPts val="0"/>
+              </a:spcAft>
+            </a:pPr>
+            <a:r>
+              <a:rPr lang="en-US" sz="1300" b="1">
+                <a:sym typeface="Arial"/>
+              </a:rPr>
+              <a:t>Workers </a:t>
+            </a:r>
+            <a:r>
+              <a:rPr lang="en-US" sz="1300">
+                <a:sym typeface="Arial"/>
+              </a:rPr>
+              <a:t>are specialized applications that have a background processing task that listens for messages on an Amazon SQS queue.</a:t>
+            </a:r>
+          </a:p>
+          <a:p>
+            <a:pPr marL="0" lvl="0" indent="-228600" defTabSz="914400">
+              <a:spcBef>
+                <a:spcPts val="1200"/>
+              </a:spcBef>
+              <a:spcAft>
+                <a:spcPts val="1200"/>
+              </a:spcAft>
+            </a:pPr>
+            <a:endParaRPr lang="en-US" sz="1300">
+              <a:sym typeface="Arial"/>
+            </a:endParaRPr>
+          </a:p>
+        </p:txBody>
+      </p:sp>
+      <p:pic>
+        <p:nvPicPr>
+          <p:cNvPr id="158" name="Google Shape;158;p32"/>
+          <p:cNvPicPr preferRelativeResize="0"/>
+          <p:nvPr/>
+        </p:nvPicPr>
+        <p:blipFill>
+          <a:blip r:embed="rId3"/>
+          <a:stretch>
+            <a:fillRect/>
+          </a:stretch>
+        </p:blipFill>
+        <p:spPr>
+          <a:xfrm>
+            <a:off x="608076" y="1718202"/>
+            <a:ext cx="7918703" cy="2969514"/>
+          </a:xfrm>
+          <a:prstGeom prst="rect">
+            <a:avLst/>
+          </a:prstGeom>
+          <a:noFill/>
+        </p:spPr>
+      </p:pic>
+    </p:spTree>
+  </p:cSld>
+  <p:clrMapOvr>
+    <a:masterClrMapping/>
+  </p:clrMapOvr>
+</p:sld>
+</file>
+
+<file path=ppt/slides/slide5.xml><?xml version="1.0" encoding="utf-8"?>
+<p:sld xmlns:a="http://schemas.openxmlformats.org/drawingml/2006/main" xmlns:r="http://schemas.openxmlformats.org/officeDocument/2006/relationships" xmlns:p="http://schemas.openxmlformats.org/presentationml/2006/main">
+  <p:cSld>
+    <p:bg>
+      <p:bgPr>
+        <a:solidFill>
+          <a:schemeClr val="bg1"/>
+        </a:solidFill>
+        <a:effectLst/>
+      </p:bgPr>
+    </p:bg>
+    <p:spTree>
+      <p:nvGrpSpPr>
+        <p:cNvPr id="1" name="Shape 162"/>
+        <p:cNvGrpSpPr/>
+        <p:nvPr/>
+      </p:nvGrpSpPr>
+      <p:grpSpPr>
+        <a:xfrm>
+          <a:off x="0" y="0"/>
+          <a:ext cx="0" cy="0"/>
+          <a:chOff x="0" y="0"/>
+          <a:chExt cx="0" cy="0"/>
+        </a:xfrm>
+      </p:grpSpPr>
+      <p:sp>
+        <p:nvSpPr>
+          <p:cNvPr id="169" name="Rectangle 168">
+            <a:extLst>
+              <a:ext uri="{FF2B5EF4-FFF2-40B4-BE49-F238E27FC236}">
+                <a16:creationId xmlns:a16="http://schemas.microsoft.com/office/drawing/2014/main" id="{4C608BEB-860E-4094-8511-78603564A75E}"/>
+              </a:ext>
+              <a:ext uri="{C183D7F6-B498-43B3-948B-1728B52AA6E4}">
+                <adec:decorative xmlns:adec="http://schemas.microsoft.com/office/drawing/2017/decorative" val="1"/>
+              </a:ext>
+            </a:extLst>
+          </p:cNvPr>
+          <p:cNvSpPr>
+            <a:spLocks noGrp="1" noRot="1" noChangeAspect="1" noMove="1" noResize="1" noEditPoints="1" noAdjustHandles="1" noChangeArrowheads="1" noChangeShapeType="1" noTextEdit="1"/>
+          </p:cNvSpPr>
+          <p:nvPr>
+            <p:extLst>
+              <p:ext uri="{386F3935-93C4-4BCD-93E2-E3B085C9AB24}">
+                <p16:designElem xmlns:p16="http://schemas.microsoft.com/office/powerpoint/2015/main" val="1"/>
+              </p:ext>
+            </p:extLst>
+          </p:nvPr>
+        </p:nvSpPr>
+        <p:spPr>
+          <a:xfrm>
+            <a:off x="0" y="0"/>
+            <a:ext cx="3044287" cy="5143500"/>
+          </a:xfrm>
+          <a:prstGeom prst="rect">
+            <a:avLst/>
+          </a:prstGeom>
+          <a:solidFill>
+            <a:srgbClr val="404040"/>
+          </a:solidFill>
+          <a:ln>
+            <a:noFill/>
+          </a:ln>
+        </p:spPr>
+        <p:style>
+          <a:lnRef idx="2">
+            <a:schemeClr val="accent1">
+              <a:shade val="50000"/>
+            </a:schemeClr>
+          </a:lnRef>
+          <a:fillRef idx="1">
+            <a:schemeClr val="accent1"/>
+          </a:fillRef>
+          <a:effectRef idx="0">
+            <a:schemeClr val="accent1"/>
+          </a:effectRef>
+          <a:fontRef idx="minor">
+            <a:schemeClr val="lt1"/>
+          </a:fontRef>
+        </p:style>
+        <p:txBody>
+          <a:bodyPr rtlCol="0" anchor="ctr"/>
+          <a:lstStyle/>
+          <a:p>
+            <a:pPr marL="0" marR="0" lvl="0" indent="0" algn="ctr" defTabSz="914400" rtl="0" eaLnBrk="1" fontAlgn="auto" latinLnBrk="0" hangingPunct="1">
+              <a:lnSpc>
+                <a:spcPct val="100000"/>
+              </a:lnSpc>
+              <a:spcBef>
+                <a:spcPts val="0"/>
+              </a:spcBef>
+              <a:spcAft>
+                <a:spcPts val="0"/>
+              </a:spcAft>
+              <a:buClrTx/>
+              <a:buSzTx/>
+              <a:buFontTx/>
+              <a:buNone/>
+              <a:tabLst/>
+              <a:defRPr/>
+            </a:pPr>
+            <a:endParaRPr kumimoji="0" lang="en-US" sz="1800" b="0" i="0" u="none" strike="noStrike" kern="1200" cap="none" spc="0" normalizeH="0" baseline="0" noProof="0">
+              <a:ln>
+                <a:noFill/>
+              </a:ln>
+              <a:solidFill>
+                <a:prstClr val="white"/>
+              </a:solidFill>
+              <a:effectLst/>
+              <a:uLnTx/>
+              <a:uFillTx/>
+              <a:latin typeface="Calibri" panose="020F0502020204030204"/>
+              <a:ea typeface="+mn-ea"/>
+              <a:cs typeface="+mn-cs"/>
+            </a:endParaRPr>
+          </a:p>
+        </p:txBody>
+      </p:sp>
+      <p:sp>
+        <p:nvSpPr>
+          <p:cNvPr id="163" name="Google Shape;163;p33"/>
+          <p:cNvSpPr txBox="1">
+            <a:spLocks noGrp="1"/>
+          </p:cNvSpPr>
+          <p:nvPr>
+            <p:ph type="title"/>
+          </p:nvPr>
+        </p:nvSpPr>
+        <p:spPr>
+          <a:xfrm>
+            <a:off x="628650" y="1059366"/>
+            <a:ext cx="2174391" cy="3272883"/>
+          </a:xfrm>
+          <a:prstGeom prst="rect">
+            <a:avLst/>
+          </a:prstGeom>
+        </p:spPr>
+        <p:txBody>
+          <a:bodyPr spcFirstLastPara="1" lIns="68575" tIns="34275" rIns="68575" bIns="34275" anchor="t" anchorCtr="0">
+            <a:normAutofit/>
+          </a:bodyPr>
+          <a:lstStyle/>
+          <a:p>
+            <a:pPr marL="0" lvl="0" indent="0" rtl="0">
+              <a:spcBef>
+                <a:spcPts val="0"/>
+              </a:spcBef>
+              <a:spcAft>
+                <a:spcPts val="0"/>
+              </a:spcAft>
+              <a:buClr>
+                <a:schemeClr val="dk1"/>
+              </a:buClr>
+              <a:buSzPts val="2400"/>
+              <a:buFont typeface="Calibri"/>
+              <a:buNone/>
+            </a:pPr>
+            <a:r>
+              <a:rPr lang="en-GB" sz="3000">
+                <a:solidFill>
+                  <a:srgbClr val="FFFFFF"/>
+                </a:solidFill>
+              </a:rPr>
+              <a:t>Elastic Beanstalk - Deployment policies</a:t>
+            </a:r>
+            <a:endParaRPr lang="en-GB" sz="3000">
+              <a:solidFill>
+                <a:srgbClr val="FFFFFF"/>
+              </a:solidFill>
+              <a:latin typeface="Economica"/>
+              <a:ea typeface="Economica"/>
+              <a:cs typeface="Economica"/>
+              <a:sym typeface="Economica"/>
+            </a:endParaRPr>
+          </a:p>
+        </p:txBody>
+      </p:sp>
+      <p:sp>
+        <p:nvSpPr>
+          <p:cNvPr id="164" name="Google Shape;164;p33"/>
+          <p:cNvSpPr txBox="1">
+            <a:spLocks noGrp="1"/>
+          </p:cNvSpPr>
+          <p:nvPr>
+            <p:ph sz="half" idx="1"/>
+          </p:nvPr>
+        </p:nvSpPr>
+        <p:spPr>
+          <a:xfrm>
+            <a:off x="3285641" y="1059366"/>
+            <a:ext cx="2570462" cy="3272883"/>
+          </a:xfrm>
+          <a:prstGeom prst="rect">
+            <a:avLst/>
+          </a:prstGeom>
+        </p:spPr>
+        <p:txBody>
+          <a:bodyPr spcFirstLastPara="1" lIns="68575" tIns="34275" rIns="68575" bIns="34275" anchorCtr="0">
+            <a:normAutofit/>
+          </a:bodyPr>
+          <a:lstStyle/>
+          <a:p>
+            <a:pPr marL="0" lvl="0" indent="0" rtl="0">
+              <a:spcBef>
+                <a:spcPts val="800"/>
+              </a:spcBef>
+              <a:spcAft>
+                <a:spcPts val="0"/>
+              </a:spcAft>
+              <a:buNone/>
+            </a:pPr>
+            <a:r>
+              <a:rPr lang="en-GB" sz="1500">
+                <a:latin typeface="Arial"/>
+                <a:ea typeface="Arial"/>
+                <a:cs typeface="Arial"/>
+                <a:sym typeface="Arial"/>
+              </a:rPr>
+              <a:t>The deployment policies are: </a:t>
+            </a:r>
+          </a:p>
+          <a:p>
+            <a:pPr marL="457200" lvl="0" indent="-298450" rtl="0">
+              <a:spcBef>
+                <a:spcPts val="1200"/>
+              </a:spcBef>
+              <a:spcAft>
+                <a:spcPts val="0"/>
+              </a:spcAft>
+              <a:buSzPts val="1100"/>
+              <a:buFont typeface="Arial"/>
+              <a:buChar char="●"/>
+            </a:pPr>
+            <a:r>
+              <a:rPr lang="en-GB" sz="1500">
+                <a:latin typeface="Arial"/>
+                <a:ea typeface="Arial"/>
+                <a:cs typeface="Arial"/>
+                <a:sym typeface="Arial"/>
+              </a:rPr>
+              <a:t>All at once</a:t>
+            </a:r>
+          </a:p>
+          <a:p>
+            <a:pPr marL="457200" lvl="0" indent="-298450" rtl="0">
+              <a:spcBef>
+                <a:spcPts val="0"/>
+              </a:spcBef>
+              <a:spcAft>
+                <a:spcPts val="0"/>
+              </a:spcAft>
+              <a:buSzPts val="1100"/>
+              <a:buFont typeface="Arial"/>
+              <a:buChar char="●"/>
+            </a:pPr>
+            <a:r>
+              <a:rPr lang="en-GB" sz="1500">
+                <a:latin typeface="Arial"/>
+                <a:ea typeface="Arial"/>
+                <a:cs typeface="Arial"/>
+                <a:sym typeface="Arial"/>
+              </a:rPr>
+              <a:t>Rolling</a:t>
+            </a:r>
+          </a:p>
+          <a:p>
+            <a:pPr marL="457200" lvl="0" indent="-298450" rtl="0">
+              <a:spcBef>
+                <a:spcPts val="0"/>
+              </a:spcBef>
+              <a:spcAft>
+                <a:spcPts val="0"/>
+              </a:spcAft>
+              <a:buSzPts val="1100"/>
+              <a:buFont typeface="Arial"/>
+              <a:buChar char="●"/>
+            </a:pPr>
+            <a:r>
+              <a:rPr lang="en-GB" sz="1500">
+                <a:latin typeface="Arial"/>
+                <a:ea typeface="Arial"/>
+                <a:cs typeface="Arial"/>
+                <a:sym typeface="Arial"/>
+              </a:rPr>
+              <a:t>Rolling with additional batch</a:t>
+            </a:r>
+          </a:p>
+          <a:p>
+            <a:pPr marL="457200" lvl="0" indent="-298450" rtl="0">
+              <a:spcBef>
+                <a:spcPts val="0"/>
+              </a:spcBef>
+              <a:spcAft>
+                <a:spcPts val="0"/>
+              </a:spcAft>
+              <a:buSzPts val="1100"/>
+              <a:buFont typeface="Arial"/>
+              <a:buChar char="●"/>
+            </a:pPr>
+            <a:r>
+              <a:rPr lang="en-GB" sz="1500">
+                <a:latin typeface="Arial"/>
+                <a:ea typeface="Arial"/>
+                <a:cs typeface="Arial"/>
+                <a:sym typeface="Arial"/>
+              </a:rPr>
+              <a:t>Immutable</a:t>
+            </a:r>
+          </a:p>
+          <a:p>
+            <a:pPr marL="0" lvl="0" indent="0" rtl="0">
+              <a:spcBef>
+                <a:spcPts val="1200"/>
+              </a:spcBef>
+              <a:spcAft>
+                <a:spcPts val="0"/>
+              </a:spcAft>
+              <a:buNone/>
+            </a:pPr>
+            <a:endParaRPr lang="en-GB" sz="1500">
+              <a:latin typeface="Arial"/>
+              <a:ea typeface="Arial"/>
+              <a:cs typeface="Arial"/>
+              <a:sym typeface="Arial"/>
+            </a:endParaRPr>
+          </a:p>
+          <a:p>
+            <a:pPr marL="0" lvl="0" indent="0" rtl="0">
+              <a:spcBef>
+                <a:spcPts val="1200"/>
+              </a:spcBef>
+              <a:spcAft>
+                <a:spcPts val="1200"/>
+              </a:spcAft>
+              <a:buNone/>
+            </a:pPr>
+            <a:r>
+              <a:rPr lang="en-GB" sz="1500">
+                <a:latin typeface="Arial"/>
+                <a:ea typeface="Arial"/>
+                <a:cs typeface="Arial"/>
+                <a:sym typeface="Arial"/>
+              </a:rPr>
+              <a:t>Additionally, Elastic Beanstalk </a:t>
+            </a:r>
+            <a:r>
+              <a:rPr lang="en-GB" sz="1500" b="1">
+                <a:latin typeface="Arial"/>
+                <a:ea typeface="Arial"/>
+                <a:cs typeface="Arial"/>
+                <a:sym typeface="Arial"/>
+              </a:rPr>
+              <a:t>supports blue/green deployment</a:t>
+            </a:r>
+            <a:r>
+              <a:rPr lang="en-GB" sz="1500">
+                <a:latin typeface="Arial"/>
+                <a:ea typeface="Arial"/>
+                <a:cs typeface="Arial"/>
+                <a:sym typeface="Arial"/>
+              </a:rPr>
+              <a:t>.</a:t>
+            </a:r>
+          </a:p>
+        </p:txBody>
+      </p:sp>
+      <p:cxnSp>
+        <p:nvCxnSpPr>
+          <p:cNvPr id="171" name="Straight Connector 170">
+            <a:extLst>
+              <a:ext uri="{FF2B5EF4-FFF2-40B4-BE49-F238E27FC236}">
+                <a16:creationId xmlns:a16="http://schemas.microsoft.com/office/drawing/2014/main" id="{1F16A8D4-FE87-4604-88B2-394B5D1EB437}"/>
+              </a:ext>
+              <a:ext uri="{C183D7F6-B498-43B3-948B-1728B52AA6E4}">
+                <adec:decorative xmlns:adec="http://schemas.microsoft.com/office/drawing/2017/decorative" val="1"/>
+              </a:ext>
+            </a:extLst>
+          </p:cNvPr>
+          <p:cNvCxnSpPr>
+            <a:cxnSpLocks noGrp="1" noRot="1" noChangeAspect="1" noMove="1" noResize="1" noEditPoints="1" noAdjustHandles="1" noChangeArrowheads="1" noChangeShapeType="1"/>
+          </p:cNvCxnSpPr>
+          <p:nvPr>
+            <p:extLst>
+              <p:ext uri="{386F3935-93C4-4BCD-93E2-E3B085C9AB24}">
+                <p16:designElem xmlns:p16="http://schemas.microsoft.com/office/powerpoint/2015/main" val="1"/>
+              </p:ext>
+            </p:extLst>
+          </p:nvPr>
+        </p:nvCxnSpPr>
+        <p:spPr>
+          <a:xfrm>
+            <a:off x="6097403" y="1059366"/>
+            <a:ext cx="0" cy="2743200"/>
+          </a:xfrm>
+          <a:prstGeom prst="line">
+            <a:avLst/>
+          </a:prstGeom>
+          <a:ln w="12700">
+            <a:solidFill>
+              <a:schemeClr val="tx1">
+                <a:lumMod val="50000"/>
+                <a:lumOff val="50000"/>
+              </a:schemeClr>
+            </a:solidFill>
+          </a:ln>
+        </p:spPr>
+        <p:style>
+          <a:lnRef idx="1">
+            <a:schemeClr val="accent1"/>
+          </a:lnRef>
+          <a:fillRef idx="0">
+            <a:schemeClr val="accent1"/>
+          </a:fillRef>
+          <a:effectRef idx="0">
+            <a:schemeClr val="accent1"/>
+          </a:effectRef>
+          <a:fontRef idx="minor">
+            <a:schemeClr val="tx1"/>
+          </a:fontRef>
+        </p:style>
+      </p:cxnSp>
+    </p:spTree>
+  </p:cSld>
+  <p:clrMapOvr>
+    <a:masterClrMapping/>
+  </p:clrMapOvr>
+</p:sld>
+</file>
+
+<file path=ppt/slides/slide6.xml><?xml version="1.0" encoding="utf-8"?>
+<p:sld xmlns:a="http://schemas.openxmlformats.org/drawingml/2006/main" xmlns:r="http://schemas.openxmlformats.org/officeDocument/2006/relationships" xmlns:p="http://schemas.openxmlformats.org/presentationml/2006/main">
+  <p:cSld>
+    <p:bg>
+      <p:bgPr>
+        <a:solidFill>
+          <a:schemeClr val="bg1"/>
+        </a:solidFill>
+        <a:effectLst/>
+      </p:bgPr>
+    </p:bg>
+    <p:spTree>
+      <p:nvGrpSpPr>
+        <p:cNvPr id="1" name="Shape 168"/>
+        <p:cNvGrpSpPr/>
+        <p:nvPr/>
+      </p:nvGrpSpPr>
+      <p:grpSpPr>
+        <a:xfrm>
+          <a:off x="0" y="0"/>
+          <a:ext cx="0" cy="0"/>
+          <a:chOff x="0" y="0"/>
+          <a:chExt cx="0" cy="0"/>
+        </a:xfrm>
+      </p:grpSpPr>
+      <p:sp>
+        <p:nvSpPr>
+          <p:cNvPr id="178" name="Rectangle 177">
+            <a:extLst>
+              <a:ext uri="{FF2B5EF4-FFF2-40B4-BE49-F238E27FC236}">
+                <a16:creationId xmlns:a16="http://schemas.microsoft.com/office/drawing/2014/main" id="{6753252F-4873-4F63-801D-CC719279A7D5}"/>
+              </a:ext>
+              <a:ext uri="{C183D7F6-B498-43B3-948B-1728B52AA6E4}">
+                <adec:decorative xmlns:adec="http://schemas.microsoft.com/office/drawing/2017/decorative" val="1"/>
+              </a:ext>
+            </a:extLst>
+          </p:cNvPr>
+          <p:cNvSpPr>
+            <a:spLocks noGrp="1" noRot="1" noChangeAspect="1" noMove="1" noResize="1" noEditPoints="1" noAdjustHandles="1" noChangeArrowheads="1" noChangeShapeType="1" noTextEdit="1"/>
+          </p:cNvSpPr>
+          <p:nvPr>
+            <p:extLst>
+              <p:ext uri="{386F3935-93C4-4BCD-93E2-E3B085C9AB24}">
+                <p16:designElem xmlns:p16="http://schemas.microsoft.com/office/powerpoint/2015/main" val="1"/>
+              </p:ext>
+            </p:extLst>
+          </p:nvPr>
+        </p:nvSpPr>
+        <p:spPr>
+          <a:xfrm>
+            <a:off x="0" y="0"/>
+            <a:ext cx="9144000" cy="5143500"/>
+          </a:xfrm>
+          <a:prstGeom prst="rect">
+            <a:avLst/>
+          </a:prstGeom>
+          <a:solidFill>
+            <a:srgbClr val="FFFFFF"/>
+          </a:solidFill>
+          <a:ln>
+            <a:noFill/>
+          </a:ln>
+        </p:spPr>
+        <p:style>
+          <a:lnRef idx="2">
+            <a:schemeClr val="accent1">
+              <a:shade val="50000"/>
+            </a:schemeClr>
+          </a:lnRef>
+          <a:fillRef idx="1">
+            <a:schemeClr val="accent1"/>
+          </a:fillRef>
+          <a:effectRef idx="0">
+            <a:schemeClr val="accent1"/>
+          </a:effectRef>
+          <a:fontRef idx="minor">
+            <a:schemeClr val="lt1"/>
+          </a:fontRef>
+        </p:style>
+        <p:txBody>
+          <a:bodyPr rtlCol="0" anchor="ctr"/>
+          <a:lstStyle/>
+          <a:p>
+            <a:pPr algn="ctr"/>
+            <a:endParaRPr lang="en-US"/>
+          </a:p>
+        </p:txBody>
+      </p:sp>
+      <p:sp>
+        <p:nvSpPr>
+          <p:cNvPr id="177" name="Rectangle 176">
+            <a:extLst>
+              <a:ext uri="{FF2B5EF4-FFF2-40B4-BE49-F238E27FC236}">
+                <a16:creationId xmlns:a16="http://schemas.microsoft.com/office/drawing/2014/main" id="{047C8CCB-F95D-4249-92DD-651249D3535A}"/>
+              </a:ext>
+              <a:ext uri="{C183D7F6-B498-43B3-948B-1728B52AA6E4}">
+                <adec:decorative xmlns:adec="http://schemas.microsoft.com/office/drawing/2017/decorative" val="1"/>
+              </a:ext>
+            </a:extLst>
+          </p:cNvPr>
+          <p:cNvSpPr>
+            <a:spLocks noGrp="1" noRot="1" noChangeAspect="1" noMove="1" noResize="1" noEditPoints="1" noAdjustHandles="1" noChangeArrowheads="1" noChangeShapeType="1" noTextEdit="1"/>
+          </p:cNvSpPr>
+          <p:nvPr>
+            <p:extLst>
+              <p:ext uri="{386F3935-93C4-4BCD-93E2-E3B085C9AB24}">
+                <p16:designElem xmlns:p16="http://schemas.microsoft.com/office/powerpoint/2015/main" val="1"/>
+              </p:ext>
+            </p:extLst>
+          </p:nvPr>
+        </p:nvSpPr>
+        <p:spPr>
+          <a:xfrm>
+            <a:off x="0" y="0"/>
+            <a:ext cx="1510167" cy="5143500"/>
+          </a:xfrm>
+          <a:prstGeom prst="rect">
+            <a:avLst/>
+          </a:prstGeom>
+          <a:solidFill>
+            <a:srgbClr val="7F7F7F"/>
+          </a:solidFill>
+          <a:ln>
+            <a:noFill/>
+          </a:ln>
+        </p:spPr>
+        <p:style>
+          <a:lnRef idx="2">
+            <a:schemeClr val="accent1">
+              <a:shade val="50000"/>
+            </a:schemeClr>
+          </a:lnRef>
+          <a:fillRef idx="1">
+            <a:schemeClr val="accent1"/>
+          </a:fillRef>
+          <a:effectRef idx="0">
+            <a:schemeClr val="accent1"/>
+          </a:effectRef>
+          <a:fontRef idx="minor">
+            <a:schemeClr val="lt1"/>
+          </a:fontRef>
+        </p:style>
+        <p:txBody>
+          <a:bodyPr rtlCol="0" anchor="ctr"/>
+          <a:lstStyle/>
+          <a:p>
+            <a:pPr algn="ctr"/>
+            <a:endParaRPr lang="en-US"/>
+          </a:p>
+        </p:txBody>
+      </p:sp>
+      <p:sp>
+        <p:nvSpPr>
+          <p:cNvPr id="169" name="Google Shape;169;p34"/>
+          <p:cNvSpPr txBox="1">
+            <a:spLocks noGrp="1"/>
+          </p:cNvSpPr>
+          <p:nvPr>
+            <p:ph type="title"/>
+          </p:nvPr>
+        </p:nvSpPr>
+        <p:spPr>
+          <a:xfrm>
+            <a:off x="480060" y="1555772"/>
+            <a:ext cx="2064265" cy="2031956"/>
+          </a:xfrm>
+          <a:prstGeom prst="ellipse">
+            <a:avLst/>
+          </a:prstGeom>
+          <a:solidFill>
+            <a:srgbClr val="262626"/>
+          </a:solidFill>
+          <a:ln w="174625" cmpd="thinThick">
+            <a:solidFill>
+              <a:srgbClr val="262626"/>
+            </a:solidFill>
+          </a:ln>
+        </p:spPr>
+        <p:txBody>
+          <a:bodyPr spcFirstLastPara="1" vert="horz" lIns="91440" tIns="45720" rIns="91440" bIns="45720" rtlCol="0" anchor="ctr" anchorCtr="0">
+            <a:normAutofit/>
+          </a:bodyPr>
+          <a:lstStyle/>
+          <a:p>
+            <a:pPr marL="0" lvl="0" indent="0" algn="ctr" defTabSz="914400">
+              <a:spcAft>
+                <a:spcPts val="0"/>
+              </a:spcAft>
+              <a:buClr>
+                <a:schemeClr val="dk1"/>
+              </a:buClr>
+              <a:buSzPts val="2400"/>
+            </a:pPr>
+            <a:r>
+              <a:rPr lang="en-US" sz="1900" kern="1200">
+                <a:solidFill>
+                  <a:srgbClr val="FFFFFF"/>
+                </a:solidFill>
+                <a:latin typeface="+mj-lt"/>
+                <a:ea typeface="+mj-ea"/>
+                <a:cs typeface="+mj-cs"/>
+              </a:rPr>
+              <a:t>Elastic Beanstalk - Deployment policies summary</a:t>
+            </a:r>
+            <a:endParaRPr lang="en-US" sz="1900" kern="1200">
+              <a:solidFill>
+                <a:srgbClr val="FFFFFF"/>
+              </a:solidFill>
+              <a:latin typeface="+mj-lt"/>
+              <a:ea typeface="+mj-ea"/>
+              <a:cs typeface="+mj-cs"/>
+              <a:sym typeface="Economica"/>
+            </a:endParaRPr>
+          </a:p>
+        </p:txBody>
+      </p:sp>
+      <p:pic>
+        <p:nvPicPr>
+          <p:cNvPr id="170" name="Google Shape;170;p34"/>
+          <p:cNvPicPr preferRelativeResize="0"/>
+          <p:nvPr/>
+        </p:nvPicPr>
+        <p:blipFill>
+          <a:blip r:embed="rId3"/>
+          <a:stretch>
+            <a:fillRect/>
+          </a:stretch>
+        </p:blipFill>
+        <p:spPr>
+          <a:xfrm>
+            <a:off x="3028950" y="1519205"/>
+            <a:ext cx="5391149" cy="2102547"/>
+          </a:xfrm>
+          <a:prstGeom prst="rect">
+            <a:avLst/>
+          </a:prstGeom>
+          <a:noFill/>
+        </p:spPr>
+      </p:pic>
+    </p:spTree>
+  </p:cSld>
+  <p:clrMapOvr>
+    <a:masterClrMapping/>
+  </p:clrMapOvr>
+</p:sld>
+</file>
+
+<file path=ppt/slides/slide7.xml><?xml version="1.0" encoding="utf-8"?>
+<p:sld xmlns:a="http://schemas.openxmlformats.org/drawingml/2006/main" xmlns:r="http://schemas.openxmlformats.org/officeDocument/2006/relationships" xmlns:p="http://schemas.openxmlformats.org/presentationml/2006/main">
+  <p:cSld>
+    <p:bg>
+      <p:bgPr>
+        <a:solidFill>
+          <a:schemeClr val="bg1"/>
+        </a:solidFill>
+        <a:effectLst/>
+      </p:bgPr>
+    </p:bg>
+    <p:spTree>
+      <p:nvGrpSpPr>
+        <p:cNvPr id="1" name=""/>
+        <p:cNvGrpSpPr/>
+        <p:nvPr/>
+      </p:nvGrpSpPr>
+      <p:grpSpPr>
+        <a:xfrm>
+          <a:off x="0" y="0"/>
+          <a:ext cx="0" cy="0"/>
+          <a:chOff x="0" y="0"/>
+          <a:chExt cx="0" cy="0"/>
+        </a:xfrm>
+      </p:grpSpPr>
+      <p:sp>
+        <p:nvSpPr>
+          <p:cNvPr id="1031" name="Down Arrow 7">
+            <a:extLst>
+              <a:ext uri="{FF2B5EF4-FFF2-40B4-BE49-F238E27FC236}">
+                <a16:creationId xmlns:a16="http://schemas.microsoft.com/office/drawing/2014/main" id="{D4771268-CB57-404A-9271-370EB28F6090}"/>
+              </a:ext>
+              <a:ext uri="{C183D7F6-B498-43B3-948B-1728B52AA6E4}">
+                <adec:decorative xmlns:adec="http://schemas.microsoft.com/office/drawing/2017/decorative" val="1"/>
+              </a:ext>
+            </a:extLst>
+          </p:cNvPr>
+          <p:cNvSpPr>
+            <a:spLocks noGrp="1" noRot="1" noChangeAspect="1" noMove="1" noResize="1" noEditPoints="1" noAdjustHandles="1" noChangeArrowheads="1" noChangeShapeType="1" noTextEdit="1"/>
+          </p:cNvSpPr>
+          <p:nvPr>
+            <p:extLst>
+              <p:ext uri="{386F3935-93C4-4BCD-93E2-E3B085C9AB24}">
+                <p16:designElem xmlns:p16="http://schemas.microsoft.com/office/powerpoint/2015/main" val="1"/>
+              </p:ext>
+            </p:extLst>
+          </p:nvPr>
+        </p:nvSpPr>
+        <p:spPr>
+          <a:xfrm rot="16200000">
+            <a:off x="600075" y="1118507"/>
+            <a:ext cx="2500312" cy="2624327"/>
+          </a:xfrm>
+          <a:prstGeom prst="downArrow">
+            <a:avLst>
+              <a:gd name="adj1" fmla="val 100000"/>
+              <a:gd name="adj2" fmla="val 15788"/>
+            </a:avLst>
+          </a:prstGeom>
+          <a:solidFill>
+            <a:srgbClr val="404040"/>
+          </a:solidFill>
+          <a:ln w="53975">
+            <a:noFill/>
+          </a:ln>
+        </p:spPr>
+        <p:style>
+          <a:lnRef idx="2">
+            <a:schemeClr val="accent1">
+              <a:shade val="50000"/>
+            </a:schemeClr>
+          </a:lnRef>
+          <a:fillRef idx="1">
+            <a:schemeClr val="accent1"/>
+          </a:fillRef>
+          <a:effectRef idx="0">
+            <a:schemeClr val="accent1"/>
+          </a:effectRef>
+          <a:fontRef idx="minor">
+            <a:schemeClr val="lt1"/>
+          </a:fontRef>
+        </p:style>
+        <p:txBody>
+          <a:bodyPr rtlCol="0" anchor="ctr"/>
+          <a:lstStyle/>
+          <a:p>
+            <a:pPr algn="ctr"/>
+            <a:endParaRPr lang="en-US"/>
+          </a:p>
+        </p:txBody>
+      </p:sp>
+      <p:sp>
+        <p:nvSpPr>
+          <p:cNvPr id="2" name="Title 1">
+            <a:extLst>
+              <a:ext uri="{FF2B5EF4-FFF2-40B4-BE49-F238E27FC236}">
+                <a16:creationId xmlns:a16="http://schemas.microsoft.com/office/drawing/2014/main" id="{95A19B31-A57F-536A-3D9F-DAA3D700A701}"/>
+              </a:ext>
+            </a:extLst>
+          </p:cNvPr>
+          <p:cNvSpPr>
+            <a:spLocks noGrp="1"/>
+          </p:cNvSpPr>
+          <p:nvPr>
+            <p:ph type="title"/>
+          </p:nvPr>
+        </p:nvSpPr>
+        <p:spPr>
+          <a:xfrm>
+            <a:off x="771525" y="1475449"/>
+            <a:ext cx="1971675" cy="1910443"/>
+          </a:xfrm>
+          <a:noFill/>
+        </p:spPr>
+        <p:txBody>
+          <a:bodyPr vert="horz" lIns="91440" tIns="45720" rIns="91440" bIns="45720" rtlCol="0" anchor="ctr">
+            <a:normAutofit/>
+          </a:bodyPr>
+          <a:lstStyle/>
+          <a:p>
+            <a:pPr algn="ctr" defTabSz="914400"/>
+            <a:r>
+              <a:rPr lang="en-US" sz="2700" kern="1200">
+                <a:solidFill>
+                  <a:srgbClr val="FFFFFF"/>
+                </a:solidFill>
+                <a:latin typeface="+mj-lt"/>
+                <a:ea typeface="+mj-ea"/>
+                <a:cs typeface="+mj-cs"/>
+              </a:rPr>
+              <a:t>All at once</a:t>
+            </a:r>
+          </a:p>
+        </p:txBody>
+      </p:sp>
+      <p:pic>
+        <p:nvPicPr>
+          <p:cNvPr id="1026" name="Picture 2">
+            <a:extLst>
+              <a:ext uri="{FF2B5EF4-FFF2-40B4-BE49-F238E27FC236}">
+                <a16:creationId xmlns:a16="http://schemas.microsoft.com/office/drawing/2014/main" id="{65A2064B-D517-E94F-F861-4CF7CA5102AB}"/>
+              </a:ext>
+            </a:extLst>
+          </p:cNvPr>
+          <p:cNvPicPr>
+            <a:picLocks noChangeAspect="1" noChangeArrowheads="1"/>
+          </p:cNvPicPr>
+          <p:nvPr/>
+        </p:nvPicPr>
+        <p:blipFill>
+          <a:blip r:embed="rId2">
+            <a:extLst>
+              <a:ext uri="{28A0092B-C50C-407E-A947-70E740481C1C}">
+                <a14:useLocalDpi xmlns:a14="http://schemas.microsoft.com/office/drawing/2010/main" val="0"/>
+              </a:ext>
+            </a:extLst>
+          </a:blip>
+          <a:stretch>
+            <a:fillRect/>
+          </a:stretch>
+        </p:blipFill>
+        <p:spPr bwMode="auto">
+          <a:xfrm>
+            <a:off x="3582987" y="695425"/>
+            <a:ext cx="5085525" cy="3750901"/>
+          </a:xfrm>
+          <a:prstGeom prst="rect">
+            <a:avLst/>
+          </a:prstGeom>
+          <a:noFill/>
+          <a:extLst>
+            <a:ext uri="{909E8E84-426E-40DD-AFC4-6F175D3DCCD1}">
+              <a14:hiddenFill xmlns:a14="http://schemas.microsoft.com/office/drawing/2010/main">
+                <a:solidFill>
+                  <a:srgbClr val="FFFFFF"/>
+                </a:solidFill>
+              </a14:hiddenFill>
+            </a:ext>
+          </a:extLst>
+        </p:spPr>
+      </p:pic>
+    </p:spTree>
+    <p:extLst>
+      <p:ext uri="{BB962C8B-B14F-4D97-AF65-F5344CB8AC3E}">
+        <p14:creationId xmlns:p14="http://schemas.microsoft.com/office/powerpoint/2010/main" val="851684658"/>
+      </p:ext>
+    </p:extLst>
+  </p:cSld>
+  <p:clrMapOvr>
+    <a:masterClrMapping/>
+  </p:clrMapOvr>
+</p:sld>
+</file>
+
+<file path=ppt/slides/slide8.xml><?xml version="1.0" encoding="utf-8"?>
+<p:sld xmlns:a="http://schemas.openxmlformats.org/drawingml/2006/main" xmlns:r="http://schemas.openxmlformats.org/officeDocument/2006/relationships" xmlns:p="http://schemas.openxmlformats.org/presentationml/2006/main">
+  <p:cSld>
+    <p:bg>
+      <p:bgPr>
+        <a:solidFill>
+          <a:schemeClr val="bg1"/>
+        </a:solidFill>
+        <a:effectLst/>
+      </p:bgPr>
+    </p:bg>
+    <p:spTree>
+      <p:nvGrpSpPr>
+        <p:cNvPr id="1" name=""/>
+        <p:cNvGrpSpPr/>
+        <p:nvPr/>
+      </p:nvGrpSpPr>
+      <p:grpSpPr>
+        <a:xfrm>
+          <a:off x="0" y="0"/>
+          <a:ext cx="0" cy="0"/>
+          <a:chOff x="0" y="0"/>
+          <a:chExt cx="0" cy="0"/>
+        </a:xfrm>
+      </p:grpSpPr>
+      <p:sp>
+        <p:nvSpPr>
+          <p:cNvPr id="3079" name="Down Arrow 7">
+            <a:extLst>
+              <a:ext uri="{FF2B5EF4-FFF2-40B4-BE49-F238E27FC236}">
+                <a16:creationId xmlns:a16="http://schemas.microsoft.com/office/drawing/2014/main" id="{D4771268-CB57-404A-9271-370EB28F6090}"/>
+              </a:ext>
+              <a:ext uri="{C183D7F6-B498-43B3-948B-1728B52AA6E4}">
+                <adec:decorative xmlns:adec="http://schemas.microsoft.com/office/drawing/2017/decorative" val="1"/>
+              </a:ext>
+            </a:extLst>
+          </p:cNvPr>
+          <p:cNvSpPr>
+            <a:spLocks noGrp="1" noRot="1" noChangeAspect="1" noMove="1" noResize="1" noEditPoints="1" noAdjustHandles="1" noChangeArrowheads="1" noChangeShapeType="1" noTextEdit="1"/>
+          </p:cNvSpPr>
+          <p:nvPr>
+            <p:extLst>
+              <p:ext uri="{386F3935-93C4-4BCD-93E2-E3B085C9AB24}">
+                <p16:designElem xmlns:p16="http://schemas.microsoft.com/office/powerpoint/2015/main" val="1"/>
+              </p:ext>
+            </p:extLst>
+          </p:nvPr>
+        </p:nvSpPr>
+        <p:spPr>
+          <a:xfrm rot="16200000">
+            <a:off x="600075" y="1118507"/>
+            <a:ext cx="2500312" cy="2624327"/>
+          </a:xfrm>
+          <a:prstGeom prst="downArrow">
+            <a:avLst>
+              <a:gd name="adj1" fmla="val 100000"/>
+              <a:gd name="adj2" fmla="val 15788"/>
+            </a:avLst>
+          </a:prstGeom>
+          <a:solidFill>
+            <a:srgbClr val="404040"/>
+          </a:solidFill>
+          <a:ln w="53975">
+            <a:noFill/>
+          </a:ln>
+        </p:spPr>
+        <p:style>
+          <a:lnRef idx="2">
+            <a:schemeClr val="accent1">
+              <a:shade val="50000"/>
+            </a:schemeClr>
+          </a:lnRef>
+          <a:fillRef idx="1">
+            <a:schemeClr val="accent1"/>
+          </a:fillRef>
+          <a:effectRef idx="0">
+            <a:schemeClr val="accent1"/>
+          </a:effectRef>
+          <a:fontRef idx="minor">
+            <a:schemeClr val="lt1"/>
+          </a:fontRef>
+        </p:style>
+        <p:txBody>
+          <a:bodyPr rtlCol="0" anchor="ctr"/>
+          <a:lstStyle/>
+          <a:p>
+            <a:pPr algn="ctr"/>
+            <a:endParaRPr lang="en-US"/>
+          </a:p>
+        </p:txBody>
+      </p:sp>
+      <p:sp>
+        <p:nvSpPr>
+          <p:cNvPr id="2" name="Title 1">
+            <a:extLst>
+              <a:ext uri="{FF2B5EF4-FFF2-40B4-BE49-F238E27FC236}">
+                <a16:creationId xmlns:a16="http://schemas.microsoft.com/office/drawing/2014/main" id="{95A19B31-A57F-536A-3D9F-DAA3D700A701}"/>
+              </a:ext>
+            </a:extLst>
+          </p:cNvPr>
+          <p:cNvSpPr>
+            <a:spLocks noGrp="1"/>
+          </p:cNvSpPr>
+          <p:nvPr>
+            <p:ph type="title"/>
+          </p:nvPr>
+        </p:nvSpPr>
+        <p:spPr>
+          <a:xfrm>
+            <a:off x="771525" y="1475449"/>
+            <a:ext cx="1971675" cy="1910443"/>
+          </a:xfrm>
+          <a:noFill/>
+        </p:spPr>
+        <p:txBody>
+          <a:bodyPr vert="horz" lIns="91440" tIns="45720" rIns="91440" bIns="45720" rtlCol="0" anchor="ctr">
+            <a:normAutofit/>
+          </a:bodyPr>
+          <a:lstStyle/>
+          <a:p>
+            <a:pPr algn="ctr" defTabSz="914400"/>
+            <a:r>
+              <a:rPr lang="en-US" sz="2700" kern="1200" dirty="0">
+                <a:solidFill>
+                  <a:srgbClr val="FFFFFF"/>
+                </a:solidFill>
+                <a:latin typeface="+mj-lt"/>
+                <a:ea typeface="+mj-ea"/>
+                <a:cs typeface="+mj-cs"/>
+              </a:rPr>
+              <a:t>Rolling</a:t>
+            </a:r>
+          </a:p>
+        </p:txBody>
+      </p:sp>
+      <p:pic>
+        <p:nvPicPr>
+          <p:cNvPr id="3074" name="Picture 2" descr="A diagram of a diagram&#10;&#10;Description automatically generated">
+            <a:extLst>
+              <a:ext uri="{FF2B5EF4-FFF2-40B4-BE49-F238E27FC236}">
+                <a16:creationId xmlns:a16="http://schemas.microsoft.com/office/drawing/2014/main" id="{A6A3AE7A-12BB-3EF6-D641-B115E7AE0C95}"/>
+              </a:ext>
+            </a:extLst>
+          </p:cNvPr>
+          <p:cNvPicPr>
+            <a:picLocks noChangeAspect="1" noChangeArrowheads="1"/>
+          </p:cNvPicPr>
+          <p:nvPr/>
+        </p:nvPicPr>
+        <p:blipFill>
+          <a:blip r:embed="rId2">
+            <a:extLst>
+              <a:ext uri="{28A0092B-C50C-407E-A947-70E740481C1C}">
+                <a14:useLocalDpi xmlns:a14="http://schemas.microsoft.com/office/drawing/2010/main" val="0"/>
+              </a:ext>
+            </a:extLst>
+          </a:blip>
+          <a:stretch>
+            <a:fillRect/>
+          </a:stretch>
+        </p:blipFill>
+        <p:spPr bwMode="auto">
+          <a:xfrm>
+            <a:off x="3582987" y="1333945"/>
+            <a:ext cx="5085525" cy="2473861"/>
+          </a:xfrm>
+          <a:prstGeom prst="rect">
+            <a:avLst/>
+          </a:prstGeom>
+          <a:noFill/>
+          <a:extLst>
+            <a:ext uri="{909E8E84-426E-40DD-AFC4-6F175D3DCCD1}">
+              <a14:hiddenFill xmlns:a14="http://schemas.microsoft.com/office/drawing/2010/main">
+                <a:solidFill>
+                  <a:srgbClr val="FFFFFF"/>
+                </a:solidFill>
+              </a14:hiddenFill>
+            </a:ext>
+          </a:extLst>
+        </p:spPr>
+      </p:pic>
+    </p:spTree>
+    <p:extLst>
+      <p:ext uri="{BB962C8B-B14F-4D97-AF65-F5344CB8AC3E}">
+        <p14:creationId xmlns:p14="http://schemas.microsoft.com/office/powerpoint/2010/main" val="536965159"/>
+      </p:ext>
+    </p:extLst>
+  </p:cSld>
+  <p:clrMapOvr>
+    <a:masterClrMapping/>
+  </p:clrMapOvr>
+</p:sld>
+</file>
+
+<file path=ppt/slides/slide9.xml><?xml version="1.0" encoding="utf-8"?>
+<p:sld xmlns:a="http://schemas.openxmlformats.org/drawingml/2006/main" xmlns:r="http://schemas.openxmlformats.org/officeDocument/2006/relationships" xmlns:p="http://schemas.openxmlformats.org/presentationml/2006/main">
+  <p:cSld>
+    <p:bg>
+      <p:bgPr>
+        <a:solidFill>
+          <a:schemeClr val="bg1"/>
+        </a:solidFill>
+        <a:effectLst/>
+      </p:bgPr>
+    </p:bg>
+    <p:spTree>
+      <p:nvGrpSpPr>
+        <p:cNvPr id="1" name=""/>
+        <p:cNvGrpSpPr/>
+        <p:nvPr/>
+      </p:nvGrpSpPr>
+      <p:grpSpPr>
+        <a:xfrm>
+          <a:off x="0" y="0"/>
+          <a:ext cx="0" cy="0"/>
+          <a:chOff x="0" y="0"/>
+          <a:chExt cx="0" cy="0"/>
+        </a:xfrm>
+      </p:grpSpPr>
+      <p:sp>
+        <p:nvSpPr>
+          <p:cNvPr id="5127" name="Down Arrow 7">
+            <a:extLst>
+              <a:ext uri="{FF2B5EF4-FFF2-40B4-BE49-F238E27FC236}">
+                <a16:creationId xmlns:a16="http://schemas.microsoft.com/office/drawing/2014/main" id="{D4771268-CB57-404A-9271-370EB28F6090}"/>
+              </a:ext>
+              <a:ext uri="{C183D7F6-B498-43B3-948B-1728B52AA6E4}">
+                <adec:decorative xmlns:adec="http://schemas.microsoft.com/office/drawing/2017/decorative" val="1"/>
+              </a:ext>
+            </a:extLst>
+          </p:cNvPr>
+          <p:cNvSpPr>
+            <a:spLocks noGrp="1" noRot="1" noChangeAspect="1" noMove="1" noResize="1" noEditPoints="1" noAdjustHandles="1" noChangeArrowheads="1" noChangeShapeType="1" noTextEdit="1"/>
+          </p:cNvSpPr>
+          <p:nvPr>
+            <p:extLst>
+              <p:ext uri="{386F3935-93C4-4BCD-93E2-E3B085C9AB24}">
+                <p16:designElem xmlns:p16="http://schemas.microsoft.com/office/powerpoint/2015/main" val="1"/>
+              </p:ext>
+            </p:extLst>
+          </p:nvPr>
+        </p:nvSpPr>
+        <p:spPr>
+          <a:xfrm rot="16200000">
+            <a:off x="600075" y="1118507"/>
+            <a:ext cx="2500312" cy="2624327"/>
+          </a:xfrm>
+          <a:prstGeom prst="downArrow">
+            <a:avLst>
+              <a:gd name="adj1" fmla="val 100000"/>
+              <a:gd name="adj2" fmla="val 15788"/>
+            </a:avLst>
+          </a:prstGeom>
+          <a:solidFill>
+            <a:srgbClr val="404040"/>
+          </a:solidFill>
+          <a:ln w="53975">
+            <a:noFill/>
+          </a:ln>
+        </p:spPr>
+        <p:style>
+          <a:lnRef idx="2">
+            <a:schemeClr val="accent1">
+              <a:shade val="50000"/>
+            </a:schemeClr>
+          </a:lnRef>
+          <a:fillRef idx="1">
+            <a:schemeClr val="accent1"/>
+          </a:fillRef>
+          <a:effectRef idx="0">
+            <a:schemeClr val="accent1"/>
+          </a:effectRef>
+          <a:fontRef idx="minor">
+            <a:schemeClr val="lt1"/>
+          </a:fontRef>
+        </p:style>
+        <p:txBody>
+          <a:bodyPr rtlCol="0" anchor="ctr"/>
+          <a:lstStyle/>
+          <a:p>
+            <a:pPr algn="ctr"/>
+            <a:endParaRPr lang="en-US"/>
+          </a:p>
+        </p:txBody>
+      </p:sp>
+      <p:sp>
+        <p:nvSpPr>
+          <p:cNvPr id="2" name="Title 1">
+            <a:extLst>
+              <a:ext uri="{FF2B5EF4-FFF2-40B4-BE49-F238E27FC236}">
+                <a16:creationId xmlns:a16="http://schemas.microsoft.com/office/drawing/2014/main" id="{95A19B31-A57F-536A-3D9F-DAA3D700A701}"/>
+              </a:ext>
+            </a:extLst>
+          </p:cNvPr>
+          <p:cNvSpPr>
+            <a:spLocks noGrp="1"/>
+          </p:cNvSpPr>
+          <p:nvPr>
+            <p:ph type="title"/>
+          </p:nvPr>
+        </p:nvSpPr>
+        <p:spPr>
+          <a:xfrm>
+            <a:off x="771525" y="1475449"/>
+            <a:ext cx="1971675" cy="1910443"/>
+          </a:xfrm>
+          <a:noFill/>
+        </p:spPr>
+        <p:txBody>
+          <a:bodyPr vert="horz" lIns="91440" tIns="45720" rIns="91440" bIns="45720" rtlCol="0" anchor="ctr">
+            <a:normAutofit/>
+          </a:bodyPr>
+          <a:lstStyle/>
+          <a:p>
+            <a:pPr algn="ctr" defTabSz="914400"/>
+            <a:r>
+              <a:rPr lang="en-US" sz="2700" b="0" i="0" kern="1200">
+                <a:solidFill>
+                  <a:srgbClr val="FFFFFF"/>
+                </a:solidFill>
+                <a:effectLst/>
+                <a:latin typeface="+mj-lt"/>
+                <a:ea typeface="+mj-ea"/>
+                <a:cs typeface="+mj-cs"/>
+              </a:rPr>
+              <a:t>Rolling with Additional Batches</a:t>
+            </a:r>
+            <a:endParaRPr lang="en-US" sz="2700" kern="1200">
+              <a:solidFill>
+                <a:srgbClr val="FFFFFF"/>
+              </a:solidFill>
+              <a:latin typeface="+mj-lt"/>
+              <a:ea typeface="+mj-ea"/>
+              <a:cs typeface="+mj-cs"/>
+            </a:endParaRPr>
+          </a:p>
+        </p:txBody>
+      </p:sp>
+      <p:pic>
+        <p:nvPicPr>
+          <p:cNvPr id="5122" name="Picture 2" descr="A diagram of a diagram&#10;&#10;Description automatically generated">
+            <a:extLst>
+              <a:ext uri="{FF2B5EF4-FFF2-40B4-BE49-F238E27FC236}">
+                <a16:creationId xmlns:a16="http://schemas.microsoft.com/office/drawing/2014/main" id="{4D3C1D29-43C6-FFB9-2CAF-E8B2212DBA6A}"/>
+              </a:ext>
+            </a:extLst>
+          </p:cNvPr>
+          <p:cNvPicPr>
+            <a:picLocks noChangeAspect="1" noChangeArrowheads="1"/>
+          </p:cNvPicPr>
+          <p:nvPr/>
+        </p:nvPicPr>
+        <p:blipFill>
+          <a:blip r:embed="rId2">
+            <a:extLst>
+              <a:ext uri="{28A0092B-C50C-407E-A947-70E740481C1C}">
+                <a14:useLocalDpi xmlns:a14="http://schemas.microsoft.com/office/drawing/2010/main" val="0"/>
+              </a:ext>
+            </a:extLst>
+          </a:blip>
+          <a:stretch>
+            <a:fillRect/>
+          </a:stretch>
+        </p:blipFill>
+        <p:spPr bwMode="auto">
+          <a:xfrm>
+            <a:off x="3582987" y="1331600"/>
+            <a:ext cx="5085525" cy="2478551"/>
+          </a:xfrm>
+          <a:prstGeom prst="rect">
+            <a:avLst/>
+          </a:prstGeom>
+          <a:noFill/>
+          <a:extLst>
+            <a:ext uri="{909E8E84-426E-40DD-AFC4-6F175D3DCCD1}">
+              <a14:hiddenFill xmlns:a14="http://schemas.microsoft.com/office/drawing/2010/main">
+                <a:solidFill>
+                  <a:srgbClr val="FFFFFF"/>
+                </a:solidFill>
+              </a14:hiddenFill>
+            </a:ext>
+          </a:extLst>
+        </p:spPr>
+      </p:pic>
+    </p:spTree>
+    <p:extLst>
+      <p:ext uri="{BB962C8B-B14F-4D97-AF65-F5344CB8AC3E}">
+        <p14:creationId xmlns:p14="http://schemas.microsoft.com/office/powerpoint/2010/main" val="759767805"/>
+      </p:ext>
+    </p:extLst>
   </p:cSld>
   <p:clrMapOvr>
     <a:masterClrMapping/>
